--- a/Computer Science - OSN Informatika - Python - C++/Berpikir Komputasional.pptx
+++ b/Computer Science - OSN Informatika - Python - C++/Berpikir Komputasional.pptx
@@ -8,34 +8,19 @@
     <p:sldId id="256" r:id="rId2"/>
     <p:sldId id="257" r:id="rId3"/>
     <p:sldId id="258" r:id="rId4"/>
-    <p:sldId id="259" r:id="rId5"/>
-    <p:sldId id="260" r:id="rId6"/>
-    <p:sldId id="261" r:id="rId7"/>
-    <p:sldId id="262" r:id="rId8"/>
-    <p:sldId id="263" r:id="rId9"/>
-    <p:sldId id="264" r:id="rId10"/>
-    <p:sldId id="265" r:id="rId11"/>
-    <p:sldId id="266" r:id="rId12"/>
-    <p:sldId id="267" r:id="rId13"/>
-    <p:sldId id="268" r:id="rId14"/>
-    <p:sldId id="269" r:id="rId15"/>
-    <p:sldId id="270" r:id="rId16"/>
-    <p:sldId id="271" r:id="rId17"/>
-    <p:sldId id="272" r:id="rId18"/>
-    <p:sldId id="273" r:id="rId19"/>
-    <p:sldId id="276" r:id="rId20"/>
-    <p:sldId id="277" r:id="rId21"/>
-    <p:sldId id="278" r:id="rId22"/>
-    <p:sldId id="279" r:id="rId23"/>
-    <p:sldId id="280" r:id="rId24"/>
-    <p:sldId id="274" r:id="rId25"/>
-    <p:sldId id="275" r:id="rId26"/>
-    <p:sldId id="281" r:id="rId27"/>
-    <p:sldId id="282" r:id="rId28"/>
-    <p:sldId id="283" r:id="rId29"/>
-    <p:sldId id="284" r:id="rId30"/>
-    <p:sldId id="285" r:id="rId31"/>
-    <p:sldId id="286" r:id="rId32"/>
+    <p:sldId id="271" r:id="rId5"/>
+    <p:sldId id="259" r:id="rId6"/>
+    <p:sldId id="260" r:id="rId7"/>
+    <p:sldId id="261" r:id="rId8"/>
+    <p:sldId id="262" r:id="rId9"/>
+    <p:sldId id="263" r:id="rId10"/>
+    <p:sldId id="264" r:id="rId11"/>
+    <p:sldId id="265" r:id="rId12"/>
+    <p:sldId id="266" r:id="rId13"/>
+    <p:sldId id="267" r:id="rId14"/>
+    <p:sldId id="268" r:id="rId15"/>
+    <p:sldId id="269" r:id="rId16"/>
+    <p:sldId id="270" r:id="rId17"/>
   </p:sldIdLst>
   <p:sldSz cx="12192000" cy="6858000"/>
   <p:notesSz cx="6858000" cy="9144000"/>
@@ -134,6 +119,11 @@
       </a:defRPr>
     </a:lvl9pPr>
   </p:defaultTextStyle>
+  <p:extLst>
+    <p:ext uri="{EFAFB233-063F-42B5-8137-9DF3F51BA10A}">
+      <p15:sldGuideLst xmlns:p15="http://schemas.microsoft.com/office/powerpoint/2012/main"/>
+    </p:ext>
+  </p:extLst>
 </p:presentation>
 </file>
 
@@ -268,7 +258,7 @@
           <a:p>
             <a:fld id="{86B4F24C-2892-47D1-9B7A-7F168C5B01A2}" type="datetimeFigureOut">
               <a:rPr lang="en-ID" smtClean="0"/>
-              <a:t>22/07/2024</a:t>
+              <a:t>02/11/2024</a:t>
             </a:fld>
             <a:endParaRPr lang="en-ID"/>
           </a:p>
@@ -438,7 +428,7 @@
           <a:p>
             <a:fld id="{86B4F24C-2892-47D1-9B7A-7F168C5B01A2}" type="datetimeFigureOut">
               <a:rPr lang="en-ID" smtClean="0"/>
-              <a:t>22/07/2024</a:t>
+              <a:t>02/11/2024</a:t>
             </a:fld>
             <a:endParaRPr lang="en-ID"/>
           </a:p>
@@ -618,7 +608,7 @@
           <a:p>
             <a:fld id="{86B4F24C-2892-47D1-9B7A-7F168C5B01A2}" type="datetimeFigureOut">
               <a:rPr lang="en-ID" smtClean="0"/>
-              <a:t>22/07/2024</a:t>
+              <a:t>02/11/2024</a:t>
             </a:fld>
             <a:endParaRPr lang="en-ID"/>
           </a:p>
@@ -788,7 +778,7 @@
           <a:p>
             <a:fld id="{86B4F24C-2892-47D1-9B7A-7F168C5B01A2}" type="datetimeFigureOut">
               <a:rPr lang="en-ID" smtClean="0"/>
-              <a:t>22/07/2024</a:t>
+              <a:t>02/11/2024</a:t>
             </a:fld>
             <a:endParaRPr lang="en-ID"/>
           </a:p>
@@ -1034,7 +1024,7 @@
           <a:p>
             <a:fld id="{86B4F24C-2892-47D1-9B7A-7F168C5B01A2}" type="datetimeFigureOut">
               <a:rPr lang="en-ID" smtClean="0"/>
-              <a:t>22/07/2024</a:t>
+              <a:t>02/11/2024</a:t>
             </a:fld>
             <a:endParaRPr lang="en-ID"/>
           </a:p>
@@ -1266,7 +1256,7 @@
           <a:p>
             <a:fld id="{86B4F24C-2892-47D1-9B7A-7F168C5B01A2}" type="datetimeFigureOut">
               <a:rPr lang="en-ID" smtClean="0"/>
-              <a:t>22/07/2024</a:t>
+              <a:t>02/11/2024</a:t>
             </a:fld>
             <a:endParaRPr lang="en-ID"/>
           </a:p>
@@ -1633,7 +1623,7 @@
           <a:p>
             <a:fld id="{86B4F24C-2892-47D1-9B7A-7F168C5B01A2}" type="datetimeFigureOut">
               <a:rPr lang="en-ID" smtClean="0"/>
-              <a:t>22/07/2024</a:t>
+              <a:t>02/11/2024</a:t>
             </a:fld>
             <a:endParaRPr lang="en-ID"/>
           </a:p>
@@ -1751,7 +1741,7 @@
           <a:p>
             <a:fld id="{86B4F24C-2892-47D1-9B7A-7F168C5B01A2}" type="datetimeFigureOut">
               <a:rPr lang="en-ID" smtClean="0"/>
-              <a:t>22/07/2024</a:t>
+              <a:t>02/11/2024</a:t>
             </a:fld>
             <a:endParaRPr lang="en-ID"/>
           </a:p>
@@ -1846,7 +1836,7 @@
           <a:p>
             <a:fld id="{86B4F24C-2892-47D1-9B7A-7F168C5B01A2}" type="datetimeFigureOut">
               <a:rPr lang="en-ID" smtClean="0"/>
-              <a:t>22/07/2024</a:t>
+              <a:t>02/11/2024</a:t>
             </a:fld>
             <a:endParaRPr lang="en-ID"/>
           </a:p>
@@ -2123,7 +2113,7 @@
           <a:p>
             <a:fld id="{86B4F24C-2892-47D1-9B7A-7F168C5B01A2}" type="datetimeFigureOut">
               <a:rPr lang="en-ID" smtClean="0"/>
-              <a:t>22/07/2024</a:t>
+              <a:t>02/11/2024</a:t>
             </a:fld>
             <a:endParaRPr lang="en-ID"/>
           </a:p>
@@ -2380,7 +2370,7 @@
           <a:p>
             <a:fld id="{86B4F24C-2892-47D1-9B7A-7F168C5B01A2}" type="datetimeFigureOut">
               <a:rPr lang="en-ID" smtClean="0"/>
-              <a:t>22/07/2024</a:t>
+              <a:t>02/11/2024</a:t>
             </a:fld>
             <a:endParaRPr lang="en-ID"/>
           </a:p>
@@ -2593,7 +2583,7 @@
           <a:p>
             <a:fld id="{86B4F24C-2892-47D1-9B7A-7F168C5B01A2}" type="datetimeFigureOut">
               <a:rPr lang="en-ID" smtClean="0"/>
-              <a:t>22/07/2024</a:t>
+              <a:t>02/11/2024</a:t>
             </a:fld>
             <a:endParaRPr lang="en-ID"/>
           </a:p>
@@ -3065,6 +3055,618 @@
           <a:chExt cx="0" cy="0"/>
         </a:xfrm>
       </p:grpSpPr>
+      <p:sp>
+        <p:nvSpPr>
+          <p:cNvPr id="3" name="TextBox 2">
+            <a:extLst>
+              <a:ext uri="{FF2B5EF4-FFF2-40B4-BE49-F238E27FC236}">
+                <a16:creationId xmlns:a16="http://schemas.microsoft.com/office/drawing/2014/main" id="{CE088E58-9076-7B66-FEB4-FCD64AF0C8EB}"/>
+              </a:ext>
+            </a:extLst>
+          </p:cNvPr>
+          <p:cNvSpPr txBox="1"/>
+          <p:nvPr/>
+        </p:nvSpPr>
+        <p:spPr>
+          <a:xfrm>
+            <a:off x="468630" y="350812"/>
+            <a:ext cx="6094476" cy="1200329"/>
+          </a:xfrm>
+          <a:prstGeom prst="rect">
+            <a:avLst/>
+          </a:prstGeom>
+          <a:noFill/>
+        </p:spPr>
+        <p:txBody>
+          <a:bodyPr wrap="square">
+            <a:spAutoFit/>
+          </a:bodyPr>
+          <a:lstStyle/>
+          <a:p>
+            <a:r>
+              <a:rPr lang="en-ID" b="1" dirty="0" err="1"/>
+              <a:t>LABIRIN</a:t>
+            </a:r>
+            <a:r>
+              <a:rPr lang="en-ID" dirty="0"/>
+              <a:t> </a:t>
+            </a:r>
+          </a:p>
+          <a:p>
+            <a:r>
+              <a:rPr lang="en-ID" dirty="0"/>
+              <a:t>Yola </a:t>
+            </a:r>
+            <a:r>
+              <a:rPr lang="en-ID" dirty="0" err="1"/>
+              <a:t>sedang</a:t>
+            </a:r>
+            <a:r>
+              <a:rPr lang="en-ID" dirty="0"/>
+              <a:t> </a:t>
+            </a:r>
+            <a:r>
+              <a:rPr lang="en-ID" dirty="0" err="1"/>
+              <a:t>menyusun</a:t>
+            </a:r>
+            <a:r>
+              <a:rPr lang="en-ID" dirty="0"/>
+              <a:t> </a:t>
+            </a:r>
+            <a:r>
+              <a:rPr lang="en-ID" dirty="0" err="1"/>
+              <a:t>sekumpulan</a:t>
+            </a:r>
+            <a:r>
+              <a:rPr lang="en-ID" dirty="0"/>
+              <a:t> </a:t>
+            </a:r>
+            <a:r>
+              <a:rPr lang="en-ID" dirty="0" err="1"/>
+              <a:t>tanda</a:t>
+            </a:r>
+            <a:r>
+              <a:rPr lang="en-ID" dirty="0"/>
+              <a:t> </a:t>
+            </a:r>
+            <a:r>
+              <a:rPr lang="en-ID" dirty="0" err="1"/>
+              <a:t>panah</a:t>
+            </a:r>
+            <a:r>
+              <a:rPr lang="en-ID" dirty="0"/>
+              <a:t> yang </a:t>
+            </a:r>
+            <a:r>
+              <a:rPr lang="en-ID" dirty="0" err="1"/>
+              <a:t>dapat</a:t>
+            </a:r>
+            <a:r>
+              <a:rPr lang="en-ID" dirty="0"/>
+              <a:t> </a:t>
+            </a:r>
+            <a:r>
+              <a:rPr lang="en-ID" dirty="0" err="1"/>
+              <a:t>mengarahkan</a:t>
+            </a:r>
+            <a:r>
+              <a:rPr lang="en-ID" dirty="0"/>
+              <a:t> bola </a:t>
+            </a:r>
+            <a:r>
+              <a:rPr lang="en-ID" dirty="0" err="1"/>
+              <a:t>hijau</a:t>
+            </a:r>
+            <a:r>
+              <a:rPr lang="en-ID" dirty="0"/>
+              <a:t> </a:t>
+            </a:r>
+            <a:r>
+              <a:rPr lang="en-ID" dirty="0" err="1"/>
+              <a:t>tersebut</a:t>
+            </a:r>
+            <a:r>
+              <a:rPr lang="en-ID" dirty="0"/>
+              <a:t> </a:t>
+            </a:r>
+            <a:r>
+              <a:rPr lang="en-ID" dirty="0" err="1"/>
+              <a:t>menuju</a:t>
+            </a:r>
+            <a:r>
+              <a:rPr lang="en-ID" dirty="0"/>
+              <a:t> </a:t>
+            </a:r>
+            <a:r>
+              <a:rPr lang="en-ID" dirty="0" err="1"/>
+              <a:t>pintu</a:t>
+            </a:r>
+            <a:r>
+              <a:rPr lang="en-ID" dirty="0"/>
+              <a:t> </a:t>
+            </a:r>
+            <a:r>
+              <a:rPr lang="en-ID" dirty="0" err="1"/>
+              <a:t>keluar</a:t>
+            </a:r>
+            <a:r>
+              <a:rPr lang="en-ID" dirty="0"/>
+              <a:t> yang </a:t>
+            </a:r>
+            <a:r>
+              <a:rPr lang="en-ID" dirty="0" err="1"/>
+              <a:t>ditandai</a:t>
+            </a:r>
+            <a:r>
+              <a:rPr lang="en-ID" dirty="0"/>
+              <a:t> </a:t>
+            </a:r>
+            <a:r>
+              <a:rPr lang="en-ID" dirty="0" err="1"/>
+              <a:t>dengan</a:t>
+            </a:r>
+            <a:r>
+              <a:rPr lang="en-ID" dirty="0"/>
+              <a:t> x.</a:t>
+            </a:r>
+          </a:p>
+        </p:txBody>
+      </p:sp>
+      <p:pic>
+        <p:nvPicPr>
+          <p:cNvPr id="5" name="Picture 4">
+            <a:extLst>
+              <a:ext uri="{FF2B5EF4-FFF2-40B4-BE49-F238E27FC236}">
+                <a16:creationId xmlns:a16="http://schemas.microsoft.com/office/drawing/2014/main" id="{95B6B18D-4B56-9364-8CDE-E70CF479919F}"/>
+              </a:ext>
+            </a:extLst>
+          </p:cNvPr>
+          <p:cNvPicPr>
+            <a:picLocks noChangeAspect="1"/>
+          </p:cNvPicPr>
+          <p:nvPr/>
+        </p:nvPicPr>
+        <p:blipFill>
+          <a:blip r:embed="rId2"/>
+          <a:stretch>
+            <a:fillRect/>
+          </a:stretch>
+        </p:blipFill>
+        <p:spPr>
+          <a:xfrm>
+            <a:off x="589352" y="1683754"/>
+            <a:ext cx="3515216" cy="1076475"/>
+          </a:xfrm>
+          <a:prstGeom prst="rect">
+            <a:avLst/>
+          </a:prstGeom>
+        </p:spPr>
+      </p:pic>
+      <p:sp>
+        <p:nvSpPr>
+          <p:cNvPr id="8" name="TextBox 7">
+            <a:extLst>
+              <a:ext uri="{FF2B5EF4-FFF2-40B4-BE49-F238E27FC236}">
+                <a16:creationId xmlns:a16="http://schemas.microsoft.com/office/drawing/2014/main" id="{8E0D0DEF-202A-5BE6-E2DE-3F30F475167B}"/>
+              </a:ext>
+            </a:extLst>
+          </p:cNvPr>
+          <p:cNvSpPr txBox="1"/>
+          <p:nvPr/>
+        </p:nvSpPr>
+        <p:spPr>
+          <a:xfrm>
+            <a:off x="468630" y="2892842"/>
+            <a:ext cx="6094476" cy="369332"/>
+          </a:xfrm>
+          <a:prstGeom prst="rect">
+            <a:avLst/>
+          </a:prstGeom>
+          <a:noFill/>
+        </p:spPr>
+        <p:txBody>
+          <a:bodyPr wrap="square">
+            <a:spAutoFit/>
+          </a:bodyPr>
+          <a:lstStyle/>
+          <a:p>
+            <a:r>
+              <a:rPr lang="en-ID" dirty="0" err="1"/>
+              <a:t>Jenis</a:t>
+            </a:r>
+            <a:r>
+              <a:rPr lang="en-ID" dirty="0"/>
+              <a:t> </a:t>
+            </a:r>
+            <a:r>
+              <a:rPr lang="en-ID" dirty="0" err="1"/>
+              <a:t>tanda</a:t>
+            </a:r>
+            <a:r>
+              <a:rPr lang="en-ID" dirty="0"/>
+              <a:t> </a:t>
+            </a:r>
+            <a:r>
+              <a:rPr lang="en-ID" dirty="0" err="1"/>
+              <a:t>panah</a:t>
+            </a:r>
+            <a:r>
+              <a:rPr lang="en-ID" dirty="0"/>
+              <a:t> yang </a:t>
+            </a:r>
+            <a:r>
+              <a:rPr lang="en-ID" dirty="0" err="1"/>
+              <a:t>dimiliki</a:t>
+            </a:r>
+            <a:r>
+              <a:rPr lang="en-ID" dirty="0"/>
+              <a:t> oleh Yola </a:t>
+            </a:r>
+            <a:r>
+              <a:rPr lang="en-ID" dirty="0" err="1"/>
+              <a:t>adalah</a:t>
+            </a:r>
+            <a:endParaRPr lang="en-ID" dirty="0"/>
+          </a:p>
+        </p:txBody>
+      </p:sp>
+      <p:pic>
+        <p:nvPicPr>
+          <p:cNvPr id="10" name="Picture 9">
+            <a:extLst>
+              <a:ext uri="{FF2B5EF4-FFF2-40B4-BE49-F238E27FC236}">
+                <a16:creationId xmlns:a16="http://schemas.microsoft.com/office/drawing/2014/main" id="{5FC4D2F1-8DD0-A085-F4D2-AFAEFD20E791}"/>
+              </a:ext>
+            </a:extLst>
+          </p:cNvPr>
+          <p:cNvPicPr>
+            <a:picLocks noChangeAspect="1"/>
+          </p:cNvPicPr>
+          <p:nvPr/>
+        </p:nvPicPr>
+        <p:blipFill>
+          <a:blip r:embed="rId3"/>
+          <a:stretch>
+            <a:fillRect/>
+          </a:stretch>
+        </p:blipFill>
+        <p:spPr>
+          <a:xfrm>
+            <a:off x="589352" y="3264409"/>
+            <a:ext cx="1752845" cy="428685"/>
+          </a:xfrm>
+          <a:prstGeom prst="rect">
+            <a:avLst/>
+          </a:prstGeom>
+        </p:spPr>
+      </p:pic>
+      <p:sp>
+        <p:nvSpPr>
+          <p:cNvPr id="13" name="TextBox 12">
+            <a:extLst>
+              <a:ext uri="{FF2B5EF4-FFF2-40B4-BE49-F238E27FC236}">
+                <a16:creationId xmlns:a16="http://schemas.microsoft.com/office/drawing/2014/main" id="{BADC260B-06D0-B885-02F8-59559BA71EFF}"/>
+              </a:ext>
+            </a:extLst>
+          </p:cNvPr>
+          <p:cNvSpPr txBox="1"/>
+          <p:nvPr/>
+        </p:nvSpPr>
+        <p:spPr>
+          <a:xfrm>
+            <a:off x="484632" y="3865211"/>
+            <a:ext cx="6094476" cy="1477328"/>
+          </a:xfrm>
+          <a:prstGeom prst="rect">
+            <a:avLst/>
+          </a:prstGeom>
+          <a:noFill/>
+        </p:spPr>
+        <p:txBody>
+          <a:bodyPr wrap="square">
+            <a:spAutoFit/>
+          </a:bodyPr>
+          <a:lstStyle/>
+          <a:p>
+            <a:r>
+              <a:rPr lang="en-ID" dirty="0"/>
+              <a:t>Yola </a:t>
+            </a:r>
+            <a:r>
+              <a:rPr lang="en-ID" dirty="0" err="1"/>
+              <a:t>hanya</a:t>
+            </a:r>
+            <a:r>
+              <a:rPr lang="en-ID" dirty="0"/>
+              <a:t> </a:t>
+            </a:r>
+            <a:r>
+              <a:rPr lang="en-ID" dirty="0" err="1"/>
+              <a:t>diperbolehkan</a:t>
+            </a:r>
+            <a:r>
+              <a:rPr lang="en-ID" dirty="0"/>
+              <a:t> </a:t>
+            </a:r>
+            <a:r>
+              <a:rPr lang="en-ID" dirty="0" err="1"/>
+              <a:t>menggunakan</a:t>
+            </a:r>
+            <a:r>
+              <a:rPr lang="en-ID" dirty="0"/>
+              <a:t> 8 </a:t>
+            </a:r>
+            <a:r>
+              <a:rPr lang="en-ID" dirty="0" err="1"/>
+              <a:t>buah</a:t>
+            </a:r>
+            <a:r>
+              <a:rPr lang="en-ID" dirty="0"/>
+              <a:t> </a:t>
+            </a:r>
+            <a:r>
+              <a:rPr lang="en-ID" dirty="0" err="1"/>
+              <a:t>tanda</a:t>
+            </a:r>
+            <a:r>
+              <a:rPr lang="en-ID" dirty="0"/>
+              <a:t> </a:t>
+            </a:r>
+            <a:r>
+              <a:rPr lang="en-ID" dirty="0" err="1"/>
+              <a:t>panah</a:t>
+            </a:r>
+            <a:r>
+              <a:rPr lang="en-ID" dirty="0"/>
+              <a:t>. </a:t>
+            </a:r>
+            <a:r>
+              <a:rPr lang="en-ID" dirty="0" err="1"/>
+              <a:t>Sekumpulan</a:t>
+            </a:r>
+            <a:r>
+              <a:rPr lang="en-ID" dirty="0"/>
+              <a:t> </a:t>
+            </a:r>
+            <a:r>
+              <a:rPr lang="en-ID" dirty="0" err="1"/>
+              <a:t>tanda</a:t>
+            </a:r>
+            <a:r>
+              <a:rPr lang="en-ID" dirty="0"/>
+              <a:t> </a:t>
+            </a:r>
+            <a:r>
+              <a:rPr lang="en-ID" dirty="0" err="1"/>
+              <a:t>panah</a:t>
+            </a:r>
+            <a:r>
+              <a:rPr lang="en-ID" dirty="0"/>
+              <a:t> yang </a:t>
+            </a:r>
+            <a:r>
+              <a:rPr lang="en-ID" dirty="0" err="1"/>
+              <a:t>disusun</a:t>
+            </a:r>
+            <a:r>
+              <a:rPr lang="en-ID" dirty="0"/>
+              <a:t> oleh Yola </a:t>
+            </a:r>
+            <a:r>
+              <a:rPr lang="en-ID" dirty="0" err="1"/>
+              <a:t>akan</a:t>
+            </a:r>
+            <a:r>
+              <a:rPr lang="en-ID" dirty="0"/>
+              <a:t> </a:t>
+            </a:r>
+            <a:r>
+              <a:rPr lang="en-ID" dirty="0" err="1"/>
+              <a:t>diulang</a:t>
+            </a:r>
+            <a:r>
+              <a:rPr lang="en-ID" dirty="0"/>
+              <a:t> </a:t>
+            </a:r>
+            <a:r>
+              <a:rPr lang="en-ID" dirty="0" err="1"/>
+              <a:t>sebanyak</a:t>
+            </a:r>
+            <a:r>
+              <a:rPr lang="en-ID" dirty="0"/>
+              <a:t> 4 kali. Bola </a:t>
+            </a:r>
+            <a:r>
+              <a:rPr lang="en-ID" dirty="0" err="1"/>
+              <a:t>hanya</a:t>
+            </a:r>
+            <a:r>
+              <a:rPr lang="en-ID" dirty="0"/>
+              <a:t> </a:t>
+            </a:r>
+            <a:r>
+              <a:rPr lang="en-ID" dirty="0" err="1"/>
+              <a:t>dapat</a:t>
+            </a:r>
+            <a:r>
+              <a:rPr lang="en-ID" dirty="0"/>
+              <a:t> </a:t>
+            </a:r>
+            <a:r>
+              <a:rPr lang="en-ID" dirty="0" err="1"/>
+              <a:t>bergerak</a:t>
+            </a:r>
+            <a:r>
+              <a:rPr lang="en-ID" dirty="0"/>
+              <a:t> di </a:t>
+            </a:r>
+            <a:r>
+              <a:rPr lang="en-ID" dirty="0" err="1"/>
+              <a:t>kotak</a:t>
+            </a:r>
+            <a:r>
+              <a:rPr lang="en-ID" dirty="0"/>
+              <a:t> yang </a:t>
+            </a:r>
+            <a:r>
+              <a:rPr lang="en-ID" dirty="0" err="1"/>
+              <a:t>berwarna</a:t>
+            </a:r>
+            <a:r>
+              <a:rPr lang="en-ID" dirty="0"/>
+              <a:t> </a:t>
+            </a:r>
+            <a:r>
+              <a:rPr lang="en-ID" dirty="0" err="1"/>
+              <a:t>putih</a:t>
+            </a:r>
+            <a:r>
+              <a:rPr lang="en-ID" dirty="0"/>
+              <a:t>. </a:t>
+            </a:r>
+            <a:r>
+              <a:rPr lang="en-ID" dirty="0" err="1"/>
+              <a:t>tanda</a:t>
+            </a:r>
+            <a:r>
+              <a:rPr lang="en-ID" dirty="0"/>
+              <a:t> </a:t>
+            </a:r>
+            <a:r>
+              <a:rPr lang="en-ID" dirty="0" err="1"/>
+              <a:t>panah</a:t>
+            </a:r>
+            <a:r>
+              <a:rPr lang="en-ID" dirty="0"/>
+              <a:t> yang </a:t>
+            </a:r>
+            <a:r>
+              <a:rPr lang="en-ID" dirty="0" err="1"/>
+              <a:t>dapat</a:t>
+            </a:r>
+            <a:r>
+              <a:rPr lang="en-ID" dirty="0"/>
+              <a:t> </a:t>
+            </a:r>
+            <a:r>
+              <a:rPr lang="en-ID" dirty="0" err="1"/>
+              <a:t>mengarahkan</a:t>
+            </a:r>
+            <a:r>
+              <a:rPr lang="en-ID" dirty="0"/>
+              <a:t> bola </a:t>
+            </a:r>
+            <a:r>
+              <a:rPr lang="en-ID" dirty="0" err="1"/>
+              <a:t>hijau</a:t>
+            </a:r>
+            <a:r>
+              <a:rPr lang="en-ID" dirty="0"/>
+              <a:t> </a:t>
+            </a:r>
+            <a:r>
+              <a:rPr lang="en-ID" dirty="0" err="1"/>
+              <a:t>menuju</a:t>
+            </a:r>
+            <a:r>
+              <a:rPr lang="en-ID" dirty="0"/>
+              <a:t> </a:t>
+            </a:r>
+            <a:r>
+              <a:rPr lang="en-ID" dirty="0" err="1"/>
+              <a:t>kotak</a:t>
+            </a:r>
+            <a:r>
+              <a:rPr lang="en-ID" dirty="0"/>
+              <a:t> yang </a:t>
+            </a:r>
+            <a:r>
+              <a:rPr lang="en-ID" dirty="0" err="1"/>
+              <a:t>ditandai</a:t>
+            </a:r>
+            <a:r>
+              <a:rPr lang="en-ID" dirty="0"/>
+              <a:t> </a:t>
+            </a:r>
+            <a:r>
+              <a:rPr lang="en-ID" dirty="0" err="1"/>
+              <a:t>dengan</a:t>
+            </a:r>
+            <a:r>
+              <a:rPr lang="en-ID" dirty="0"/>
+              <a:t> ‘x’ </a:t>
+            </a:r>
+            <a:r>
+              <a:rPr lang="en-ID" dirty="0" err="1"/>
+              <a:t>adalah</a:t>
+            </a:r>
+            <a:r>
+              <a:rPr lang="en-ID" dirty="0"/>
+              <a:t> …</a:t>
+            </a:r>
+          </a:p>
+        </p:txBody>
+      </p:sp>
+      <p:pic>
+        <p:nvPicPr>
+          <p:cNvPr id="15" name="Picture 14">
+            <a:extLst>
+              <a:ext uri="{FF2B5EF4-FFF2-40B4-BE49-F238E27FC236}">
+                <a16:creationId xmlns:a16="http://schemas.microsoft.com/office/drawing/2014/main" id="{61C16064-19BD-232C-755E-CAE9CC6709ED}"/>
+              </a:ext>
+            </a:extLst>
+          </p:cNvPr>
+          <p:cNvPicPr>
+            <a:picLocks noChangeAspect="1"/>
+          </p:cNvPicPr>
+          <p:nvPr/>
+        </p:nvPicPr>
+        <p:blipFill>
+          <a:blip r:embed="rId4"/>
+          <a:stretch>
+            <a:fillRect/>
+          </a:stretch>
+        </p:blipFill>
+        <p:spPr>
+          <a:xfrm>
+            <a:off x="6753938" y="202529"/>
+            <a:ext cx="2563798" cy="1257315"/>
+          </a:xfrm>
+          <a:prstGeom prst="rect">
+            <a:avLst/>
+          </a:prstGeom>
+        </p:spPr>
+      </p:pic>
+    </p:spTree>
+    <p:extLst>
+      <p:ext uri="{BB962C8B-B14F-4D97-AF65-F5344CB8AC3E}">
+        <p14:creationId xmlns:p14="http://schemas.microsoft.com/office/powerpoint/2010/main" val="1545623353"/>
+      </p:ext>
+    </p:extLst>
+  </p:cSld>
+  <p:clrMapOvr>
+    <a:masterClrMapping/>
+  </p:clrMapOvr>
+</p:sld>
+</file>
+
+<file path=ppt/slides/slide11.xml><?xml version="1.0" encoding="utf-8"?>
+<p:sld xmlns:a="http://schemas.openxmlformats.org/drawingml/2006/main" xmlns:r="http://schemas.openxmlformats.org/officeDocument/2006/relationships" xmlns:p="http://schemas.openxmlformats.org/presentationml/2006/main">
+  <p:cSld>
+    <p:spTree>
+      <p:nvGrpSpPr>
+        <p:cNvPr id="1" name=""/>
+        <p:cNvGrpSpPr/>
+        <p:nvPr/>
+      </p:nvGrpSpPr>
+      <p:grpSpPr>
+        <a:xfrm>
+          <a:off x="0" y="0"/>
+          <a:ext cx="0" cy="0"/>
+          <a:chOff x="0" y="0"/>
+          <a:chExt cx="0" cy="0"/>
+        </a:xfrm>
+      </p:grpSpPr>
       <p:pic>
         <p:nvPicPr>
           <p:cNvPr id="5" name="Picture 4">
@@ -3108,7 +3710,7 @@
 </p:sld>
 </file>
 
-<file path=ppt/slides/slide11.xml><?xml version="1.0" encoding="utf-8"?>
+<file path=ppt/slides/slide12.xml><?xml version="1.0" encoding="utf-8"?>
 <p:sld xmlns:a="http://schemas.openxmlformats.org/drawingml/2006/main" xmlns:r="http://schemas.openxmlformats.org/officeDocument/2006/relationships" xmlns:p="http://schemas.openxmlformats.org/presentationml/2006/main">
   <p:cSld>
     <p:spTree>
@@ -3168,7 +3770,7 @@
 </p:sld>
 </file>
 
-<file path=ppt/slides/slide12.xml><?xml version="1.0" encoding="utf-8"?>
+<file path=ppt/slides/slide13.xml><?xml version="1.0" encoding="utf-8"?>
 <p:sld xmlns:a="http://schemas.openxmlformats.org/drawingml/2006/main" xmlns:r="http://schemas.openxmlformats.org/officeDocument/2006/relationships" xmlns:p="http://schemas.openxmlformats.org/presentationml/2006/main">
   <p:cSld>
     <p:spTree>
@@ -3906,12 +4508,18 @@
 </p:sld>
 </file>
 
-<file path=ppt/slides/slide13.xml><?xml version="1.0" encoding="utf-8"?>
+<file path=ppt/slides/slide14.xml><?xml version="1.0" encoding="utf-8"?>
 <p:sld xmlns:a="http://schemas.openxmlformats.org/drawingml/2006/main" xmlns:r="http://schemas.openxmlformats.org/officeDocument/2006/relationships" xmlns:p="http://schemas.openxmlformats.org/presentationml/2006/main">
   <p:cSld>
     <p:spTree>
       <p:nvGrpSpPr>
-        <p:cNvPr id="1" name=""/>
+        <p:cNvPr id="1" name="">
+          <a:extLst>
+            <a:ext uri="{FF2B5EF4-FFF2-40B4-BE49-F238E27FC236}">
+              <a16:creationId xmlns:a16="http://schemas.microsoft.com/office/drawing/2014/main" id="{AE9868AE-8348-D968-89AF-6537D48EA444}"/>
+            </a:ext>
+          </a:extLst>
+        </p:cNvPr>
         <p:cNvGrpSpPr/>
         <p:nvPr/>
       </p:nvGrpSpPr>
@@ -3923,121 +4531,40 @@
           <a:chExt cx="0" cy="0"/>
         </a:xfrm>
       </p:grpSpPr>
-      <p:sp>
-        <p:nvSpPr>
-          <p:cNvPr id="2" name="Title 1">
+      <p:pic>
+        <p:nvPicPr>
+          <p:cNvPr id="3" name="Picture 2">
             <a:extLst>
               <a:ext uri="{FF2B5EF4-FFF2-40B4-BE49-F238E27FC236}">
-                <a16:creationId xmlns:a16="http://schemas.microsoft.com/office/drawing/2014/main" id="{94672444-0EB0-05EA-FFAC-7EDFF06102C1}"/>
+                <a16:creationId xmlns:a16="http://schemas.microsoft.com/office/drawing/2014/main" id="{511FD4F9-AF4D-091A-7795-9E43A57F1641}"/>
               </a:ext>
             </a:extLst>
           </p:cNvPr>
-          <p:cNvSpPr>
-            <a:spLocks noGrp="1"/>
-          </p:cNvSpPr>
-          <p:nvPr>
-            <p:ph type="ctrTitle"/>
-          </p:nvPr>
-        </p:nvSpPr>
-        <p:spPr/>
-        <p:txBody>
-          <a:bodyPr/>
-          <a:lstStyle/>
-          <a:p>
-            <a:r>
-              <a:rPr lang="en-US" dirty="0" err="1"/>
-              <a:t>Aljabar</a:t>
-            </a:r>
-            <a:r>
-              <a:rPr lang="en-US" dirty="0"/>
-              <a:t> Boolean</a:t>
-            </a:r>
-            <a:br>
-              <a:rPr lang="en-US" dirty="0"/>
-            </a:br>
-            <a:r>
-              <a:rPr lang="en-US" dirty="0"/>
-              <a:t>(</a:t>
-            </a:r>
-            <a:r>
-              <a:rPr lang="en-US" dirty="0" err="1"/>
-              <a:t>Logika</a:t>
-            </a:r>
-            <a:r>
-              <a:rPr lang="en-US" dirty="0"/>
-              <a:t> </a:t>
-            </a:r>
-            <a:r>
-              <a:rPr lang="en-US" dirty="0" err="1"/>
-              <a:t>Matematika</a:t>
-            </a:r>
-            <a:r>
-              <a:rPr lang="en-US" dirty="0"/>
-              <a:t>)</a:t>
-            </a:r>
-            <a:endParaRPr lang="en-ID" dirty="0"/>
-          </a:p>
-        </p:txBody>
-      </p:sp>
+          <p:cNvPicPr>
+            <a:picLocks noChangeAspect="1"/>
+          </p:cNvPicPr>
+          <p:nvPr/>
+        </p:nvPicPr>
+        <p:blipFill>
+          <a:blip r:embed="rId2"/>
+          <a:stretch>
+            <a:fillRect/>
+          </a:stretch>
+        </p:blipFill>
+        <p:spPr>
+          <a:xfrm>
+            <a:off x="321872" y="237379"/>
+            <a:ext cx="7068536" cy="4420217"/>
+          </a:xfrm>
+          <a:prstGeom prst="rect">
+            <a:avLst/>
+          </a:prstGeom>
+        </p:spPr>
+      </p:pic>
     </p:spTree>
     <p:extLst>
       <p:ext uri="{BB962C8B-B14F-4D97-AF65-F5344CB8AC3E}">
-        <p14:creationId xmlns:p14="http://schemas.microsoft.com/office/powerpoint/2010/main" val="4193628659"/>
-      </p:ext>
-    </p:extLst>
-  </p:cSld>
-  <p:clrMapOvr>
-    <a:masterClrMapping/>
-  </p:clrMapOvr>
-</p:sld>
-</file>
-
-<file path=ppt/slides/slide14.xml><?xml version="1.0" encoding="utf-8"?>
-<p:sld xmlns:a="http://schemas.openxmlformats.org/drawingml/2006/main" xmlns:r="http://schemas.openxmlformats.org/officeDocument/2006/relationships" xmlns:p="http://schemas.openxmlformats.org/presentationml/2006/main">
-  <p:cSld>
-    <p:spTree>
-      <p:nvGrpSpPr>
-        <p:cNvPr id="1" name=""/>
-        <p:cNvGrpSpPr/>
-        <p:nvPr/>
-      </p:nvGrpSpPr>
-      <p:grpSpPr>
-        <a:xfrm>
-          <a:off x="0" y="0"/>
-          <a:ext cx="0" cy="0"/>
-          <a:chOff x="0" y="0"/>
-          <a:chExt cx="0" cy="0"/>
-        </a:xfrm>
-      </p:grpSpPr>
-      <p:sp>
-        <p:nvSpPr>
-          <p:cNvPr id="4" name="Title 3">
-            <a:extLst>
-              <a:ext uri="{FF2B5EF4-FFF2-40B4-BE49-F238E27FC236}">
-                <a16:creationId xmlns:a16="http://schemas.microsoft.com/office/drawing/2014/main" id="{C58216EF-8A12-6D95-16EF-1B77E069A52B}"/>
-              </a:ext>
-            </a:extLst>
-          </p:cNvPr>
-          <p:cNvSpPr>
-            <a:spLocks noGrp="1"/>
-          </p:cNvSpPr>
-          <p:nvPr>
-            <p:ph type="ctrTitle"/>
-          </p:nvPr>
-        </p:nvSpPr>
-        <p:spPr/>
-        <p:txBody>
-          <a:bodyPr/>
-          <a:lstStyle/>
-          <a:p>
-            <a:endParaRPr lang="en-ID"/>
-          </a:p>
-        </p:txBody>
-      </p:sp>
-    </p:spTree>
-    <p:extLst>
-      <p:ext uri="{BB962C8B-B14F-4D97-AF65-F5344CB8AC3E}">
-        <p14:creationId xmlns:p14="http://schemas.microsoft.com/office/powerpoint/2010/main" val="448971241"/>
+        <p14:creationId xmlns:p14="http://schemas.microsoft.com/office/powerpoint/2010/main" val="2314535211"/>
       </p:ext>
     </p:extLst>
   </p:cSld>
@@ -4052,7 +4579,13 @@
   <p:cSld>
     <p:spTree>
       <p:nvGrpSpPr>
-        <p:cNvPr id="1" name=""/>
+        <p:cNvPr id="1" name="">
+          <a:extLst>
+            <a:ext uri="{FF2B5EF4-FFF2-40B4-BE49-F238E27FC236}">
+              <a16:creationId xmlns:a16="http://schemas.microsoft.com/office/drawing/2014/main" id="{F8D66019-B9BE-151C-26D4-91AA0D656C0B}"/>
+            </a:ext>
+          </a:extLst>
+        </p:cNvPr>
         <p:cNvGrpSpPr/>
         <p:nvPr/>
       </p:nvGrpSpPr>
@@ -4064,35 +4597,10 @@
           <a:chExt cx="0" cy="0"/>
         </a:xfrm>
       </p:grpSpPr>
-      <p:sp>
-        <p:nvSpPr>
-          <p:cNvPr id="4" name="Title 3">
-            <a:extLst>
-              <a:ext uri="{FF2B5EF4-FFF2-40B4-BE49-F238E27FC236}">
-                <a16:creationId xmlns:a16="http://schemas.microsoft.com/office/drawing/2014/main" id="{C58216EF-8A12-6D95-16EF-1B77E069A52B}"/>
-              </a:ext>
-            </a:extLst>
-          </p:cNvPr>
-          <p:cNvSpPr>
-            <a:spLocks noGrp="1"/>
-          </p:cNvSpPr>
-          <p:nvPr>
-            <p:ph type="ctrTitle"/>
-          </p:nvPr>
-        </p:nvSpPr>
-        <p:spPr/>
-        <p:txBody>
-          <a:bodyPr/>
-          <a:lstStyle/>
-          <a:p>
-            <a:endParaRPr lang="en-ID"/>
-          </a:p>
-        </p:txBody>
-      </p:sp>
     </p:spTree>
     <p:extLst>
       <p:ext uri="{BB962C8B-B14F-4D97-AF65-F5344CB8AC3E}">
-        <p14:creationId xmlns:p14="http://schemas.microsoft.com/office/powerpoint/2010/main" val="653376531"/>
+        <p14:creationId xmlns:p14="http://schemas.microsoft.com/office/powerpoint/2010/main" val="1675998732"/>
       </p:ext>
     </p:extLst>
   </p:cSld>
@@ -4107,7 +4615,13 @@
   <p:cSld>
     <p:spTree>
       <p:nvGrpSpPr>
-        <p:cNvPr id="1" name=""/>
+        <p:cNvPr id="1" name="">
+          <a:extLst>
+            <a:ext uri="{FF2B5EF4-FFF2-40B4-BE49-F238E27FC236}">
+              <a16:creationId xmlns:a16="http://schemas.microsoft.com/office/drawing/2014/main" id="{87A030BC-3C5F-3B94-755F-61057295F578}"/>
+            </a:ext>
+          </a:extLst>
+        </p:cNvPr>
         <p:cNvGrpSpPr/>
         <p:nvPr/>
       </p:nvGrpSpPr>
@@ -4119,200 +4633,40 @@
           <a:chExt cx="0" cy="0"/>
         </a:xfrm>
       </p:grpSpPr>
-      <p:sp>
-        <p:nvSpPr>
-          <p:cNvPr id="4" name="Title 3">
+      <p:pic>
+        <p:nvPicPr>
+          <p:cNvPr id="3" name="Picture 2">
             <a:extLst>
               <a:ext uri="{FF2B5EF4-FFF2-40B4-BE49-F238E27FC236}">
-                <a16:creationId xmlns:a16="http://schemas.microsoft.com/office/drawing/2014/main" id="{C58216EF-8A12-6D95-16EF-1B77E069A52B}"/>
+                <a16:creationId xmlns:a16="http://schemas.microsoft.com/office/drawing/2014/main" id="{CDF8AD69-2989-05E6-FAFD-1EDCDB26170B}"/>
               </a:ext>
             </a:extLst>
           </p:cNvPr>
-          <p:cNvSpPr>
-            <a:spLocks noGrp="1"/>
-          </p:cNvSpPr>
-          <p:nvPr>
-            <p:ph type="ctrTitle"/>
-          </p:nvPr>
-        </p:nvSpPr>
-        <p:spPr/>
-        <p:txBody>
-          <a:bodyPr/>
-          <a:lstStyle/>
-          <a:p>
-            <a:endParaRPr lang="en-ID"/>
-          </a:p>
-        </p:txBody>
-      </p:sp>
+          <p:cNvPicPr>
+            <a:picLocks noChangeAspect="1"/>
+          </p:cNvPicPr>
+          <p:nvPr/>
+        </p:nvPicPr>
+        <p:blipFill>
+          <a:blip r:embed="rId2"/>
+          <a:stretch>
+            <a:fillRect/>
+          </a:stretch>
+        </p:blipFill>
+        <p:spPr>
+          <a:xfrm>
+            <a:off x="233432" y="206012"/>
+            <a:ext cx="7144747" cy="2486372"/>
+          </a:xfrm>
+          <a:prstGeom prst="rect">
+            <a:avLst/>
+          </a:prstGeom>
+        </p:spPr>
+      </p:pic>
     </p:spTree>
     <p:extLst>
       <p:ext uri="{BB962C8B-B14F-4D97-AF65-F5344CB8AC3E}">
-        <p14:creationId xmlns:p14="http://schemas.microsoft.com/office/powerpoint/2010/main" val="3640719328"/>
-      </p:ext>
-    </p:extLst>
-  </p:cSld>
-  <p:clrMapOvr>
-    <a:masterClrMapping/>
-  </p:clrMapOvr>
-</p:sld>
-</file>
-
-<file path=ppt/slides/slide17.xml><?xml version="1.0" encoding="utf-8"?>
-<p:sld xmlns:a="http://schemas.openxmlformats.org/drawingml/2006/main" xmlns:r="http://schemas.openxmlformats.org/officeDocument/2006/relationships" xmlns:p="http://schemas.openxmlformats.org/presentationml/2006/main">
-  <p:cSld>
-    <p:spTree>
-      <p:nvGrpSpPr>
-        <p:cNvPr id="1" name=""/>
-        <p:cNvGrpSpPr/>
-        <p:nvPr/>
-      </p:nvGrpSpPr>
-      <p:grpSpPr>
-        <a:xfrm>
-          <a:off x="0" y="0"/>
-          <a:ext cx="0" cy="0"/>
-          <a:chOff x="0" y="0"/>
-          <a:chExt cx="0" cy="0"/>
-        </a:xfrm>
-      </p:grpSpPr>
-      <p:sp>
-        <p:nvSpPr>
-          <p:cNvPr id="4" name="Title 3">
-            <a:extLst>
-              <a:ext uri="{FF2B5EF4-FFF2-40B4-BE49-F238E27FC236}">
-                <a16:creationId xmlns:a16="http://schemas.microsoft.com/office/drawing/2014/main" id="{C58216EF-8A12-6D95-16EF-1B77E069A52B}"/>
-              </a:ext>
-            </a:extLst>
-          </p:cNvPr>
-          <p:cNvSpPr>
-            <a:spLocks noGrp="1"/>
-          </p:cNvSpPr>
-          <p:nvPr>
-            <p:ph type="ctrTitle"/>
-          </p:nvPr>
-        </p:nvSpPr>
-        <p:spPr/>
-        <p:txBody>
-          <a:bodyPr/>
-          <a:lstStyle/>
-          <a:p>
-            <a:endParaRPr lang="en-ID"/>
-          </a:p>
-        </p:txBody>
-      </p:sp>
-    </p:spTree>
-    <p:extLst>
-      <p:ext uri="{BB962C8B-B14F-4D97-AF65-F5344CB8AC3E}">
-        <p14:creationId xmlns:p14="http://schemas.microsoft.com/office/powerpoint/2010/main" val="3467282619"/>
-      </p:ext>
-    </p:extLst>
-  </p:cSld>
-  <p:clrMapOvr>
-    <a:masterClrMapping/>
-  </p:clrMapOvr>
-</p:sld>
-</file>
-
-<file path=ppt/slides/slide18.xml><?xml version="1.0" encoding="utf-8"?>
-<p:sld xmlns:a="http://schemas.openxmlformats.org/drawingml/2006/main" xmlns:r="http://schemas.openxmlformats.org/officeDocument/2006/relationships" xmlns:p="http://schemas.openxmlformats.org/presentationml/2006/main">
-  <p:cSld>
-    <p:spTree>
-      <p:nvGrpSpPr>
-        <p:cNvPr id="1" name=""/>
-        <p:cNvGrpSpPr/>
-        <p:nvPr/>
-      </p:nvGrpSpPr>
-      <p:grpSpPr>
-        <a:xfrm>
-          <a:off x="0" y="0"/>
-          <a:ext cx="0" cy="0"/>
-          <a:chOff x="0" y="0"/>
-          <a:chExt cx="0" cy="0"/>
-        </a:xfrm>
-      </p:grpSpPr>
-      <p:sp>
-        <p:nvSpPr>
-          <p:cNvPr id="4" name="Title 3">
-            <a:extLst>
-              <a:ext uri="{FF2B5EF4-FFF2-40B4-BE49-F238E27FC236}">
-                <a16:creationId xmlns:a16="http://schemas.microsoft.com/office/drawing/2014/main" id="{C58216EF-8A12-6D95-16EF-1B77E069A52B}"/>
-              </a:ext>
-            </a:extLst>
-          </p:cNvPr>
-          <p:cNvSpPr>
-            <a:spLocks noGrp="1"/>
-          </p:cNvSpPr>
-          <p:nvPr>
-            <p:ph type="ctrTitle"/>
-          </p:nvPr>
-        </p:nvSpPr>
-        <p:spPr/>
-        <p:txBody>
-          <a:bodyPr/>
-          <a:lstStyle/>
-          <a:p>
-            <a:endParaRPr lang="en-ID"/>
-          </a:p>
-        </p:txBody>
-      </p:sp>
-    </p:spTree>
-    <p:extLst>
-      <p:ext uri="{BB962C8B-B14F-4D97-AF65-F5344CB8AC3E}">
-        <p14:creationId xmlns:p14="http://schemas.microsoft.com/office/powerpoint/2010/main" val="1320763149"/>
-      </p:ext>
-    </p:extLst>
-  </p:cSld>
-  <p:clrMapOvr>
-    <a:masterClrMapping/>
-  </p:clrMapOvr>
-</p:sld>
-</file>
-
-<file path=ppt/slides/slide19.xml><?xml version="1.0" encoding="utf-8"?>
-<p:sld xmlns:a="http://schemas.openxmlformats.org/drawingml/2006/main" xmlns:r="http://schemas.openxmlformats.org/officeDocument/2006/relationships" xmlns:p="http://schemas.openxmlformats.org/presentationml/2006/main">
-  <p:cSld>
-    <p:spTree>
-      <p:nvGrpSpPr>
-        <p:cNvPr id="1" name=""/>
-        <p:cNvGrpSpPr/>
-        <p:nvPr/>
-      </p:nvGrpSpPr>
-      <p:grpSpPr>
-        <a:xfrm>
-          <a:off x="0" y="0"/>
-          <a:ext cx="0" cy="0"/>
-          <a:chOff x="0" y="0"/>
-          <a:chExt cx="0" cy="0"/>
-        </a:xfrm>
-      </p:grpSpPr>
-      <p:sp>
-        <p:nvSpPr>
-          <p:cNvPr id="4" name="Title 3">
-            <a:extLst>
-              <a:ext uri="{FF2B5EF4-FFF2-40B4-BE49-F238E27FC236}">
-                <a16:creationId xmlns:a16="http://schemas.microsoft.com/office/drawing/2014/main" id="{C58216EF-8A12-6D95-16EF-1B77E069A52B}"/>
-              </a:ext>
-            </a:extLst>
-          </p:cNvPr>
-          <p:cNvSpPr>
-            <a:spLocks noGrp="1"/>
-          </p:cNvSpPr>
-          <p:nvPr>
-            <p:ph type="ctrTitle"/>
-          </p:nvPr>
-        </p:nvSpPr>
-        <p:spPr/>
-        <p:txBody>
-          <a:bodyPr/>
-          <a:lstStyle/>
-          <a:p>
-            <a:endParaRPr lang="en-ID"/>
-          </a:p>
-        </p:txBody>
-      </p:sp>
-    </p:spTree>
-    <p:extLst>
-      <p:ext uri="{BB962C8B-B14F-4D97-AF65-F5344CB8AC3E}">
-        <p14:creationId xmlns:p14="http://schemas.microsoft.com/office/powerpoint/2010/main" val="932387597"/>
+        <p14:creationId xmlns:p14="http://schemas.microsoft.com/office/powerpoint/2010/main" val="3469742941"/>
       </p:ext>
     </p:extLst>
   </p:cSld>
@@ -4585,2125 +4939,57 @@
           </a:p>
         </p:txBody>
       </p:sp>
-    </p:spTree>
-    <p:extLst>
-      <p:ext uri="{BB962C8B-B14F-4D97-AF65-F5344CB8AC3E}">
-        <p14:creationId xmlns:p14="http://schemas.microsoft.com/office/powerpoint/2010/main" val="1033943289"/>
-      </p:ext>
-    </p:extLst>
-  </p:cSld>
-  <p:clrMapOvr>
-    <a:masterClrMapping/>
-  </p:clrMapOvr>
-</p:sld>
-</file>
-
-<file path=ppt/slides/slide20.xml><?xml version="1.0" encoding="utf-8"?>
-<p:sld xmlns:a="http://schemas.openxmlformats.org/drawingml/2006/main" xmlns:r="http://schemas.openxmlformats.org/officeDocument/2006/relationships" xmlns:p="http://schemas.openxmlformats.org/presentationml/2006/main">
-  <p:cSld>
-    <p:spTree>
-      <p:nvGrpSpPr>
-        <p:cNvPr id="1" name=""/>
-        <p:cNvGrpSpPr/>
-        <p:nvPr/>
-      </p:nvGrpSpPr>
-      <p:grpSpPr>
-        <a:xfrm>
-          <a:off x="0" y="0"/>
-          <a:ext cx="0" cy="0"/>
-          <a:chOff x="0" y="0"/>
-          <a:chExt cx="0" cy="0"/>
-        </a:xfrm>
-      </p:grpSpPr>
-      <p:sp>
-        <p:nvSpPr>
-          <p:cNvPr id="4" name="Title 3">
+      <p:pic>
+        <p:nvPicPr>
+          <p:cNvPr id="1026" name="Picture 2" descr="Computational Thinking – Biro Bebras UC">
             <a:extLst>
               <a:ext uri="{FF2B5EF4-FFF2-40B4-BE49-F238E27FC236}">
-                <a16:creationId xmlns:a16="http://schemas.microsoft.com/office/drawing/2014/main" id="{C58216EF-8A12-6D95-16EF-1B77E069A52B}"/>
-              </a:ext>
-            </a:extLst>
-          </p:cNvPr>
-          <p:cNvSpPr>
-            <a:spLocks noGrp="1"/>
-          </p:cNvSpPr>
-          <p:nvPr>
-            <p:ph type="ctrTitle"/>
-          </p:nvPr>
-        </p:nvSpPr>
-        <p:spPr/>
-        <p:txBody>
-          <a:bodyPr/>
-          <a:lstStyle/>
-          <a:p>
-            <a:endParaRPr lang="en-ID"/>
-          </a:p>
-        </p:txBody>
-      </p:sp>
-    </p:spTree>
-    <p:extLst>
-      <p:ext uri="{BB962C8B-B14F-4D97-AF65-F5344CB8AC3E}">
-        <p14:creationId xmlns:p14="http://schemas.microsoft.com/office/powerpoint/2010/main" val="2680594247"/>
-      </p:ext>
-    </p:extLst>
-  </p:cSld>
-  <p:clrMapOvr>
-    <a:masterClrMapping/>
-  </p:clrMapOvr>
-</p:sld>
-</file>
-
-<file path=ppt/slides/slide21.xml><?xml version="1.0" encoding="utf-8"?>
-<p:sld xmlns:a="http://schemas.openxmlformats.org/drawingml/2006/main" xmlns:r="http://schemas.openxmlformats.org/officeDocument/2006/relationships" xmlns:p="http://schemas.openxmlformats.org/presentationml/2006/main">
-  <p:cSld>
-    <p:spTree>
-      <p:nvGrpSpPr>
-        <p:cNvPr id="1" name=""/>
-        <p:cNvGrpSpPr/>
-        <p:nvPr/>
-      </p:nvGrpSpPr>
-      <p:grpSpPr>
-        <a:xfrm>
-          <a:off x="0" y="0"/>
-          <a:ext cx="0" cy="0"/>
-          <a:chOff x="0" y="0"/>
-          <a:chExt cx="0" cy="0"/>
-        </a:xfrm>
-      </p:grpSpPr>
-      <p:sp>
-        <p:nvSpPr>
-          <p:cNvPr id="4" name="Title 3">
-            <a:extLst>
-              <a:ext uri="{FF2B5EF4-FFF2-40B4-BE49-F238E27FC236}">
-                <a16:creationId xmlns:a16="http://schemas.microsoft.com/office/drawing/2014/main" id="{C58216EF-8A12-6D95-16EF-1B77E069A52B}"/>
-              </a:ext>
-            </a:extLst>
-          </p:cNvPr>
-          <p:cNvSpPr>
-            <a:spLocks noGrp="1"/>
-          </p:cNvSpPr>
-          <p:nvPr>
-            <p:ph type="ctrTitle"/>
-          </p:nvPr>
-        </p:nvSpPr>
-        <p:spPr/>
-        <p:txBody>
-          <a:bodyPr/>
-          <a:lstStyle/>
-          <a:p>
-            <a:endParaRPr lang="en-ID"/>
-          </a:p>
-        </p:txBody>
-      </p:sp>
-    </p:spTree>
-    <p:extLst>
-      <p:ext uri="{BB962C8B-B14F-4D97-AF65-F5344CB8AC3E}">
-        <p14:creationId xmlns:p14="http://schemas.microsoft.com/office/powerpoint/2010/main" val="2981373249"/>
-      </p:ext>
-    </p:extLst>
-  </p:cSld>
-  <p:clrMapOvr>
-    <a:masterClrMapping/>
-  </p:clrMapOvr>
-</p:sld>
-</file>
-
-<file path=ppt/slides/slide22.xml><?xml version="1.0" encoding="utf-8"?>
-<p:sld xmlns:a="http://schemas.openxmlformats.org/drawingml/2006/main" xmlns:r="http://schemas.openxmlformats.org/officeDocument/2006/relationships" xmlns:p="http://schemas.openxmlformats.org/presentationml/2006/main">
-  <p:cSld>
-    <p:spTree>
-      <p:nvGrpSpPr>
-        <p:cNvPr id="1" name=""/>
-        <p:cNvGrpSpPr/>
-        <p:nvPr/>
-      </p:nvGrpSpPr>
-      <p:grpSpPr>
-        <a:xfrm>
-          <a:off x="0" y="0"/>
-          <a:ext cx="0" cy="0"/>
-          <a:chOff x="0" y="0"/>
-          <a:chExt cx="0" cy="0"/>
-        </a:xfrm>
-      </p:grpSpPr>
-      <p:sp>
-        <p:nvSpPr>
-          <p:cNvPr id="4" name="Title 3">
-            <a:extLst>
-              <a:ext uri="{FF2B5EF4-FFF2-40B4-BE49-F238E27FC236}">
-                <a16:creationId xmlns:a16="http://schemas.microsoft.com/office/drawing/2014/main" id="{C58216EF-8A12-6D95-16EF-1B77E069A52B}"/>
-              </a:ext>
-            </a:extLst>
-          </p:cNvPr>
-          <p:cNvSpPr>
-            <a:spLocks noGrp="1"/>
-          </p:cNvSpPr>
-          <p:nvPr>
-            <p:ph type="ctrTitle"/>
-          </p:nvPr>
-        </p:nvSpPr>
-        <p:spPr/>
-        <p:txBody>
-          <a:bodyPr/>
-          <a:lstStyle/>
-          <a:p>
-            <a:endParaRPr lang="en-ID"/>
-          </a:p>
-        </p:txBody>
-      </p:sp>
-    </p:spTree>
-    <p:extLst>
-      <p:ext uri="{BB962C8B-B14F-4D97-AF65-F5344CB8AC3E}">
-        <p14:creationId xmlns:p14="http://schemas.microsoft.com/office/powerpoint/2010/main" val="2916912203"/>
-      </p:ext>
-    </p:extLst>
-  </p:cSld>
-  <p:clrMapOvr>
-    <a:masterClrMapping/>
-  </p:clrMapOvr>
-</p:sld>
-</file>
-
-<file path=ppt/slides/slide23.xml><?xml version="1.0" encoding="utf-8"?>
-<p:sld xmlns:a="http://schemas.openxmlformats.org/drawingml/2006/main" xmlns:r="http://schemas.openxmlformats.org/officeDocument/2006/relationships" xmlns:p="http://schemas.openxmlformats.org/presentationml/2006/main">
-  <p:cSld>
-    <p:spTree>
-      <p:nvGrpSpPr>
-        <p:cNvPr id="1" name=""/>
-        <p:cNvGrpSpPr/>
-        <p:nvPr/>
-      </p:nvGrpSpPr>
-      <p:grpSpPr>
-        <a:xfrm>
-          <a:off x="0" y="0"/>
-          <a:ext cx="0" cy="0"/>
-          <a:chOff x="0" y="0"/>
-          <a:chExt cx="0" cy="0"/>
-        </a:xfrm>
-      </p:grpSpPr>
-      <p:sp>
-        <p:nvSpPr>
-          <p:cNvPr id="4" name="Title 3">
-            <a:extLst>
-              <a:ext uri="{FF2B5EF4-FFF2-40B4-BE49-F238E27FC236}">
-                <a16:creationId xmlns:a16="http://schemas.microsoft.com/office/drawing/2014/main" id="{C58216EF-8A12-6D95-16EF-1B77E069A52B}"/>
-              </a:ext>
-            </a:extLst>
-          </p:cNvPr>
-          <p:cNvSpPr>
-            <a:spLocks noGrp="1"/>
-          </p:cNvSpPr>
-          <p:nvPr>
-            <p:ph type="ctrTitle"/>
-          </p:nvPr>
-        </p:nvSpPr>
-        <p:spPr/>
-        <p:txBody>
-          <a:bodyPr/>
-          <a:lstStyle/>
-          <a:p>
-            <a:endParaRPr lang="en-ID"/>
-          </a:p>
-        </p:txBody>
-      </p:sp>
-    </p:spTree>
-    <p:extLst>
-      <p:ext uri="{BB962C8B-B14F-4D97-AF65-F5344CB8AC3E}">
-        <p14:creationId xmlns:p14="http://schemas.microsoft.com/office/powerpoint/2010/main" val="3402794330"/>
-      </p:ext>
-    </p:extLst>
-  </p:cSld>
-  <p:clrMapOvr>
-    <a:masterClrMapping/>
-  </p:clrMapOvr>
-</p:sld>
-</file>
-
-<file path=ppt/slides/slide24.xml><?xml version="1.0" encoding="utf-8"?>
-<p:sld xmlns:a="http://schemas.openxmlformats.org/drawingml/2006/main" xmlns:r="http://schemas.openxmlformats.org/officeDocument/2006/relationships" xmlns:p="http://schemas.openxmlformats.org/presentationml/2006/main">
-  <p:cSld>
-    <p:spTree>
-      <p:nvGrpSpPr>
-        <p:cNvPr id="1" name=""/>
-        <p:cNvGrpSpPr/>
-        <p:nvPr/>
-      </p:nvGrpSpPr>
-      <p:grpSpPr>
-        <a:xfrm>
-          <a:off x="0" y="0"/>
-          <a:ext cx="0" cy="0"/>
-          <a:chOff x="0" y="0"/>
-          <a:chExt cx="0" cy="0"/>
-        </a:xfrm>
-      </p:grpSpPr>
-      <p:pic>
-        <p:nvPicPr>
-          <p:cNvPr id="3" name="Picture 2">
-            <a:extLst>
-              <a:ext uri="{FF2B5EF4-FFF2-40B4-BE49-F238E27FC236}">
-                <a16:creationId xmlns:a16="http://schemas.microsoft.com/office/drawing/2014/main" id="{F849A116-90F9-D7D5-CCE1-4C24A928DBC2}"/>
+                <a16:creationId xmlns:a16="http://schemas.microsoft.com/office/drawing/2014/main" id="{97B0A898-EA4E-B4C9-C4E7-940658199D9A}"/>
               </a:ext>
             </a:extLst>
           </p:cNvPr>
           <p:cNvPicPr>
-            <a:picLocks noChangeAspect="1"/>
+            <a:picLocks noChangeAspect="1" noChangeArrowheads="1"/>
           </p:cNvPicPr>
           <p:nvPr/>
         </p:nvPicPr>
         <p:blipFill>
-          <a:blip r:embed="rId2"/>
+          <a:blip r:embed="rId2">
+            <a:extLst>
+              <a:ext uri="{28A0092B-C50C-407E-A947-70E740481C1C}">
+                <a14:useLocalDpi xmlns:a14="http://schemas.microsoft.com/office/drawing/2010/main" val="0"/>
+              </a:ext>
+            </a:extLst>
+          </a:blip>
+          <a:srcRect/>
           <a:stretch>
             <a:fillRect/>
           </a:stretch>
         </p:blipFill>
-        <p:spPr>
+        <p:spPr bwMode="auto">
           <a:xfrm>
-            <a:off x="406811" y="210312"/>
-            <a:ext cx="5456106" cy="6272784"/>
-          </a:xfrm>
-          <a:prstGeom prst="rect">
-            <a:avLst/>
-          </a:prstGeom>
-        </p:spPr>
-      </p:pic>
-      <p:sp>
-        <p:nvSpPr>
-          <p:cNvPr id="6" name="TextBox 5">
-            <a:extLst>
-              <a:ext uri="{FF2B5EF4-FFF2-40B4-BE49-F238E27FC236}">
-                <a16:creationId xmlns:a16="http://schemas.microsoft.com/office/drawing/2014/main" id="{CD599059-F6FA-113D-7835-350155DD0031}"/>
-              </a:ext>
-            </a:extLst>
-          </p:cNvPr>
-          <p:cNvSpPr txBox="1"/>
-          <p:nvPr/>
-        </p:nvSpPr>
-        <p:spPr>
-          <a:xfrm>
-            <a:off x="6096000" y="210312"/>
-            <a:ext cx="3911346" cy="2585323"/>
+            <a:off x="569490" y="1016699"/>
+            <a:ext cx="7143750" cy="4362450"/>
           </a:xfrm>
           <a:prstGeom prst="rect">
             <a:avLst/>
           </a:prstGeom>
           <a:noFill/>
-        </p:spPr>
-        <p:txBody>
-          <a:bodyPr wrap="square">
-            <a:spAutoFit/>
-          </a:bodyPr>
-          <a:lstStyle/>
-          <a:p>
-            <a:r>
-              <a:rPr lang="en-US" dirty="0"/>
-              <a:t>Dari </a:t>
-            </a:r>
-            <a:r>
-              <a:rPr lang="en-US" dirty="0" err="1"/>
-              <a:t>permasalahan</a:t>
-            </a:r>
-            <a:r>
-              <a:rPr lang="en-US" dirty="0"/>
-              <a:t> di </a:t>
-            </a:r>
-            <a:r>
-              <a:rPr lang="en-US" dirty="0" err="1"/>
-              <a:t>atas</a:t>
-            </a:r>
-            <a:r>
-              <a:rPr lang="en-US" dirty="0"/>
-              <a:t> </a:t>
-            </a:r>
-            <a:r>
-              <a:rPr lang="en-US" dirty="0" err="1"/>
-              <a:t>penekanan</a:t>
-            </a:r>
-            <a:r>
-              <a:rPr lang="en-US" dirty="0"/>
-              <a:t> </a:t>
-            </a:r>
-            <a:r>
-              <a:rPr lang="en-US" dirty="0" err="1"/>
-              <a:t>tombol</a:t>
-            </a:r>
-            <a:r>
-              <a:rPr lang="en-US" dirty="0"/>
-              <a:t> 1 – 2 – 3 – 4 – 5 – 6 </a:t>
-            </a:r>
-            <a:r>
-              <a:rPr lang="en-US" dirty="0" err="1"/>
-              <a:t>secara</a:t>
-            </a:r>
-            <a:r>
-              <a:rPr lang="en-US" dirty="0"/>
-              <a:t> </a:t>
-            </a:r>
-            <a:r>
-              <a:rPr lang="en-US" dirty="0" err="1"/>
-              <a:t>berurutan</a:t>
-            </a:r>
-            <a:r>
-              <a:rPr lang="en-US" dirty="0"/>
-              <a:t> yang </a:t>
-            </a:r>
-            <a:r>
-              <a:rPr lang="en-US" dirty="0" err="1"/>
-              <a:t>benar</a:t>
-            </a:r>
-            <a:r>
-              <a:rPr lang="en-US" dirty="0"/>
-              <a:t> </a:t>
-            </a:r>
-            <a:r>
-              <a:rPr lang="en-US" dirty="0" err="1"/>
-              <a:t>sehingga</a:t>
-            </a:r>
-            <a:r>
-              <a:rPr lang="en-US" dirty="0"/>
-              <a:t> </a:t>
-            </a:r>
-            <a:r>
-              <a:rPr lang="en-US" dirty="0" err="1"/>
-              <a:t>lampu</a:t>
-            </a:r>
-            <a:r>
-              <a:rPr lang="en-US" dirty="0"/>
-              <a:t> </a:t>
-            </a:r>
-            <a:r>
-              <a:rPr lang="en-US" dirty="0" err="1"/>
-              <a:t>dapat</a:t>
-            </a:r>
-            <a:r>
-              <a:rPr lang="en-US" dirty="0"/>
-              <a:t> </a:t>
-            </a:r>
-            <a:r>
-              <a:rPr lang="en-US" dirty="0" err="1"/>
-              <a:t>menyala</a:t>
-            </a:r>
-            <a:r>
-              <a:rPr lang="en-US" dirty="0"/>
-              <a:t> </a:t>
-            </a:r>
-            <a:r>
-              <a:rPr lang="en-US" dirty="0" err="1"/>
-              <a:t>adalah</a:t>
-            </a:r>
-            <a:r>
-              <a:rPr lang="en-US" dirty="0"/>
-              <a:t> … </a:t>
-            </a:r>
-          </a:p>
-          <a:p>
-            <a:pPr marL="342900" indent="-342900">
-              <a:buAutoNum type="alphaLcPeriod"/>
-            </a:pPr>
-            <a:r>
-              <a:rPr lang="en-US" dirty="0"/>
-              <a:t>ON – OFF – OFF – ON – ON – ON </a:t>
-            </a:r>
-          </a:p>
-          <a:p>
-            <a:pPr marL="342900" indent="-342900">
-              <a:buAutoNum type="alphaLcPeriod"/>
-            </a:pPr>
-            <a:r>
-              <a:rPr lang="en-US" dirty="0"/>
-              <a:t>ON – OFF – OFF – OFF – ON – ON </a:t>
-            </a:r>
-          </a:p>
-          <a:p>
-            <a:pPr marL="342900" indent="-342900">
-              <a:buAutoNum type="alphaLcPeriod"/>
-            </a:pPr>
-            <a:r>
-              <a:rPr lang="en-US" dirty="0"/>
-              <a:t>ON – ON – OFF – ON – OFF – ON </a:t>
-            </a:r>
-          </a:p>
-          <a:p>
-            <a:pPr marL="342900" indent="-342900">
-              <a:buAutoNum type="alphaLcPeriod"/>
-            </a:pPr>
-            <a:r>
-              <a:rPr lang="en-US" dirty="0"/>
-              <a:t>ON – ON – ON – OFF – OFF – OFF </a:t>
-            </a:r>
-          </a:p>
-          <a:p>
-            <a:pPr marL="342900" indent="-342900">
-              <a:buAutoNum type="alphaLcPeriod"/>
-            </a:pPr>
-            <a:r>
-              <a:rPr lang="en-US" dirty="0"/>
-              <a:t>OFF – ON – OFF – OFF – OFF – OFF</a:t>
-            </a:r>
-            <a:endParaRPr lang="en-ID" dirty="0"/>
-          </a:p>
-        </p:txBody>
-      </p:sp>
-    </p:spTree>
-    <p:extLst>
-      <p:ext uri="{BB962C8B-B14F-4D97-AF65-F5344CB8AC3E}">
-        <p14:creationId xmlns:p14="http://schemas.microsoft.com/office/powerpoint/2010/main" val="1281905475"/>
-      </p:ext>
-    </p:extLst>
-  </p:cSld>
-  <p:clrMapOvr>
-    <a:masterClrMapping/>
-  </p:clrMapOvr>
-</p:sld>
-</file>
-
-<file path=ppt/slides/slide25.xml><?xml version="1.0" encoding="utf-8"?>
-<p:sld xmlns:a="http://schemas.openxmlformats.org/drawingml/2006/main" xmlns:r="http://schemas.openxmlformats.org/officeDocument/2006/relationships" xmlns:p="http://schemas.openxmlformats.org/presentationml/2006/main">
-  <p:cSld>
-    <p:spTree>
-      <p:nvGrpSpPr>
-        <p:cNvPr id="1" name=""/>
-        <p:cNvGrpSpPr/>
-        <p:nvPr/>
-      </p:nvGrpSpPr>
-      <p:grpSpPr>
-        <a:xfrm>
-          <a:off x="0" y="0"/>
-          <a:ext cx="0" cy="0"/>
-          <a:chOff x="0" y="0"/>
-          <a:chExt cx="0" cy="0"/>
-        </a:xfrm>
-      </p:grpSpPr>
-      <p:sp>
-        <p:nvSpPr>
-          <p:cNvPr id="4" name="TextBox 3">
-            <a:extLst>
-              <a:ext uri="{FF2B5EF4-FFF2-40B4-BE49-F238E27FC236}">
-                <a16:creationId xmlns:a16="http://schemas.microsoft.com/office/drawing/2014/main" id="{DC54FFDB-6F31-11D8-15ED-DE1C21494D35}"/>
-              </a:ext>
-            </a:extLst>
-          </p:cNvPr>
-          <p:cNvSpPr txBox="1"/>
-          <p:nvPr/>
-        </p:nvSpPr>
-        <p:spPr>
-          <a:xfrm>
-            <a:off x="368046" y="0"/>
-            <a:ext cx="6005322" cy="5355312"/>
-          </a:xfrm>
-          <a:prstGeom prst="rect">
-            <a:avLst/>
-          </a:prstGeom>
-          <a:noFill/>
-        </p:spPr>
-        <p:txBody>
-          <a:bodyPr wrap="square">
-            <a:spAutoFit/>
-          </a:bodyPr>
-          <a:lstStyle/>
-          <a:p>
-            <a:r>
-              <a:rPr lang="en-ID" dirty="0"/>
-              <a:t>Di dunia </a:t>
-            </a:r>
-            <a:r>
-              <a:rPr lang="en-ID" dirty="0" err="1"/>
-              <a:t>Dengklekers</a:t>
-            </a:r>
-            <a:r>
-              <a:rPr lang="en-ID" dirty="0"/>
-              <a:t> </a:t>
-            </a:r>
-            <a:r>
-              <a:rPr lang="en-ID" dirty="0" err="1"/>
-              <a:t>setiap</a:t>
-            </a:r>
-            <a:r>
-              <a:rPr lang="en-ID" dirty="0"/>
-              <a:t> orang </a:t>
-            </a:r>
-            <a:r>
-              <a:rPr lang="en-ID" dirty="0" err="1"/>
-              <a:t>mempunyai</a:t>
-            </a:r>
-            <a:r>
-              <a:rPr lang="en-ID" dirty="0"/>
-              <a:t> </a:t>
-            </a:r>
-            <a:r>
-              <a:rPr lang="en-ID" dirty="0" err="1"/>
-              <a:t>kepribadian</a:t>
-            </a:r>
-            <a:r>
-              <a:rPr lang="en-ID" dirty="0"/>
-              <a:t> yang </a:t>
-            </a:r>
-            <a:r>
-              <a:rPr lang="en-ID" dirty="0" err="1"/>
-              <a:t>berbeda</a:t>
-            </a:r>
-            <a:r>
-              <a:rPr lang="en-ID" dirty="0"/>
-              <a:t> – </a:t>
-            </a:r>
-            <a:r>
-              <a:rPr lang="en-ID" dirty="0" err="1"/>
-              <a:t>beda</a:t>
-            </a:r>
-            <a:r>
-              <a:rPr lang="en-ID" dirty="0"/>
-              <a:t>. </a:t>
-            </a:r>
-            <a:r>
-              <a:rPr lang="en-ID" dirty="0" err="1"/>
-              <a:t>Perhatikan</a:t>
-            </a:r>
-            <a:r>
-              <a:rPr lang="en-ID" dirty="0"/>
-              <a:t> </a:t>
-            </a:r>
-            <a:r>
-              <a:rPr lang="en-ID" dirty="0" err="1"/>
-              <a:t>pernyataan</a:t>
-            </a:r>
-            <a:r>
-              <a:rPr lang="en-ID" dirty="0"/>
-              <a:t> – </a:t>
-            </a:r>
-            <a:r>
-              <a:rPr lang="en-ID" dirty="0" err="1"/>
-              <a:t>pernyataan</a:t>
-            </a:r>
-            <a:r>
-              <a:rPr lang="en-ID" dirty="0"/>
-              <a:t> di </a:t>
-            </a:r>
-            <a:r>
-              <a:rPr lang="en-ID" dirty="0" err="1"/>
-              <a:t>bawah</a:t>
-            </a:r>
-            <a:r>
-              <a:rPr lang="en-ID" dirty="0"/>
-              <a:t> </a:t>
-            </a:r>
-            <a:r>
-              <a:rPr lang="en-ID" dirty="0" err="1"/>
-              <a:t>ini</a:t>
-            </a:r>
-            <a:r>
-              <a:rPr lang="en-ID" dirty="0"/>
-              <a:t>! </a:t>
-            </a:r>
-            <a:r>
-              <a:rPr lang="en-ID" dirty="0" err="1"/>
-              <a:t>Semua</a:t>
-            </a:r>
-            <a:r>
-              <a:rPr lang="en-ID" dirty="0"/>
-              <a:t> orang yang </a:t>
-            </a:r>
-            <a:r>
-              <a:rPr lang="en-ID" dirty="0" err="1"/>
-              <a:t>penyendiri</a:t>
-            </a:r>
-            <a:r>
-              <a:rPr lang="en-ID" dirty="0"/>
-              <a:t> </a:t>
-            </a:r>
-            <a:r>
-              <a:rPr lang="en-ID" dirty="0" err="1"/>
-              <a:t>adalah</a:t>
-            </a:r>
-            <a:r>
-              <a:rPr lang="en-ID" dirty="0"/>
-              <a:t> orang yang </a:t>
-            </a:r>
-            <a:r>
-              <a:rPr lang="en-ID" dirty="0" err="1"/>
-              <a:t>tidak</a:t>
-            </a:r>
-            <a:r>
-              <a:rPr lang="en-ID" dirty="0"/>
-              <a:t> </a:t>
-            </a:r>
-            <a:r>
-              <a:rPr lang="en-ID" dirty="0" err="1"/>
-              <a:t>pandai</a:t>
-            </a:r>
-            <a:r>
-              <a:rPr lang="en-ID" dirty="0"/>
-              <a:t> </a:t>
-            </a:r>
-            <a:r>
-              <a:rPr lang="en-ID" dirty="0" err="1"/>
-              <a:t>bergaul</a:t>
-            </a:r>
-            <a:r>
-              <a:rPr lang="en-ID" dirty="0"/>
-              <a:t> Orang </a:t>
-            </a:r>
-            <a:r>
-              <a:rPr lang="en-ID" dirty="0" err="1"/>
-              <a:t>suka</a:t>
-            </a:r>
-            <a:r>
-              <a:rPr lang="en-ID" dirty="0"/>
-              <a:t> </a:t>
-            </a:r>
-            <a:r>
-              <a:rPr lang="en-ID" dirty="0" err="1"/>
-              <a:t>bercanda</a:t>
-            </a:r>
-            <a:r>
-              <a:rPr lang="en-ID" dirty="0"/>
-              <a:t> </a:t>
-            </a:r>
-            <a:r>
-              <a:rPr lang="en-ID" dirty="0" err="1"/>
-              <a:t>karena</a:t>
-            </a:r>
-            <a:r>
-              <a:rPr lang="en-ID" dirty="0"/>
-              <a:t> </a:t>
-            </a:r>
-            <a:r>
-              <a:rPr lang="en-ID" dirty="0" err="1"/>
-              <a:t>ia</a:t>
-            </a:r>
-            <a:r>
-              <a:rPr lang="en-ID" dirty="0"/>
-              <a:t> </a:t>
-            </a:r>
-            <a:r>
-              <a:rPr lang="en-ID" dirty="0" err="1"/>
-              <a:t>pandai</a:t>
-            </a:r>
-            <a:r>
-              <a:rPr lang="en-ID" dirty="0"/>
-              <a:t> </a:t>
-            </a:r>
-            <a:r>
-              <a:rPr lang="en-ID" dirty="0" err="1"/>
-              <a:t>bergaul</a:t>
-            </a:r>
-            <a:r>
-              <a:rPr lang="en-ID" dirty="0"/>
-              <a:t> </a:t>
-            </a:r>
-            <a:r>
-              <a:rPr lang="en-ID" dirty="0" err="1"/>
-              <a:t>Setiap</a:t>
-            </a:r>
-            <a:r>
-              <a:rPr lang="en-ID" dirty="0"/>
-              <a:t> orang </a:t>
-            </a:r>
-            <a:r>
-              <a:rPr lang="en-ID" dirty="0" err="1"/>
-              <a:t>pandai</a:t>
-            </a:r>
-            <a:r>
-              <a:rPr lang="en-ID" dirty="0"/>
-              <a:t> </a:t>
-            </a:r>
-            <a:r>
-              <a:rPr lang="en-ID" dirty="0" err="1"/>
-              <a:t>bergaul</a:t>
-            </a:r>
-            <a:r>
-              <a:rPr lang="en-ID" dirty="0"/>
-              <a:t> </a:t>
-            </a:r>
-            <a:r>
-              <a:rPr lang="en-ID" dirty="0" err="1"/>
-              <a:t>atau</a:t>
-            </a:r>
-            <a:r>
-              <a:rPr lang="en-ID" dirty="0"/>
-              <a:t> </a:t>
-            </a:r>
-            <a:r>
-              <a:rPr lang="en-ID" dirty="0" err="1"/>
-              <a:t>menyendiri</a:t>
-            </a:r>
-            <a:r>
-              <a:rPr lang="en-ID" dirty="0"/>
-              <a:t> Jika </a:t>
-            </a:r>
-            <a:r>
-              <a:rPr lang="en-ID" dirty="0" err="1"/>
-              <a:t>seseorang</a:t>
-            </a:r>
-            <a:r>
-              <a:rPr lang="en-ID" dirty="0"/>
-              <a:t> </a:t>
-            </a:r>
-            <a:r>
-              <a:rPr lang="en-ID" dirty="0" err="1"/>
-              <a:t>pandai</a:t>
-            </a:r>
-            <a:r>
-              <a:rPr lang="en-ID" dirty="0"/>
-              <a:t> </a:t>
-            </a:r>
-            <a:r>
-              <a:rPr lang="en-ID" dirty="0" err="1"/>
-              <a:t>bergaul</a:t>
-            </a:r>
-            <a:r>
-              <a:rPr lang="en-ID" dirty="0"/>
-              <a:t> </a:t>
-            </a:r>
-            <a:r>
-              <a:rPr lang="en-ID" dirty="0" err="1"/>
-              <a:t>maka</a:t>
-            </a:r>
-            <a:r>
-              <a:rPr lang="en-ID" dirty="0"/>
-              <a:t> </a:t>
-            </a:r>
-            <a:r>
-              <a:rPr lang="en-ID" dirty="0" err="1"/>
-              <a:t>ia</a:t>
-            </a:r>
-            <a:r>
-              <a:rPr lang="en-ID" dirty="0"/>
-              <a:t> </a:t>
-            </a:r>
-            <a:r>
-              <a:rPr lang="en-ID" dirty="0" err="1"/>
-              <a:t>akan</a:t>
-            </a:r>
-            <a:r>
-              <a:rPr lang="en-ID" dirty="0"/>
-              <a:t> </a:t>
-            </a:r>
-            <a:r>
-              <a:rPr lang="en-ID" dirty="0" err="1"/>
-              <a:t>disenangi</a:t>
-            </a:r>
-            <a:r>
-              <a:rPr lang="en-ID" dirty="0"/>
-              <a:t> </a:t>
-            </a:r>
-            <a:r>
-              <a:rPr lang="en-ID" dirty="0" err="1"/>
-              <a:t>banyak</a:t>
-            </a:r>
-            <a:r>
-              <a:rPr lang="en-ID" dirty="0"/>
-              <a:t> orang Orang </a:t>
-            </a:r>
-            <a:r>
-              <a:rPr lang="en-ID" dirty="0" err="1"/>
-              <a:t>akan</a:t>
-            </a:r>
-            <a:r>
-              <a:rPr lang="en-ID" dirty="0"/>
-              <a:t> </a:t>
-            </a:r>
-            <a:r>
-              <a:rPr lang="en-ID" dirty="0" err="1"/>
-              <a:t>sukses</a:t>
-            </a:r>
-            <a:r>
-              <a:rPr lang="en-ID" dirty="0"/>
-              <a:t> </a:t>
-            </a:r>
-            <a:r>
-              <a:rPr lang="en-ID" dirty="0" err="1"/>
-              <a:t>jika</a:t>
-            </a:r>
-            <a:r>
-              <a:rPr lang="en-ID" dirty="0"/>
-              <a:t> </a:t>
-            </a:r>
-            <a:r>
-              <a:rPr lang="en-ID" dirty="0" err="1"/>
-              <a:t>disenangi</a:t>
-            </a:r>
-            <a:r>
-              <a:rPr lang="en-ID" dirty="0"/>
-              <a:t> </a:t>
-            </a:r>
-            <a:r>
-              <a:rPr lang="en-ID" dirty="0" err="1"/>
-              <a:t>banyak</a:t>
-            </a:r>
-            <a:r>
-              <a:rPr lang="en-ID" dirty="0"/>
-              <a:t> orang </a:t>
-            </a:r>
-            <a:r>
-              <a:rPr lang="en-ID" dirty="0" err="1"/>
-              <a:t>Berdasarkan</a:t>
-            </a:r>
-            <a:r>
-              <a:rPr lang="en-ID" dirty="0"/>
-              <a:t> </a:t>
-            </a:r>
-            <a:r>
-              <a:rPr lang="en-ID" dirty="0" err="1"/>
-              <a:t>pernyataan</a:t>
-            </a:r>
-            <a:r>
-              <a:rPr lang="en-ID" dirty="0"/>
-              <a:t> – </a:t>
-            </a:r>
-            <a:r>
-              <a:rPr lang="en-ID" dirty="0" err="1"/>
-              <a:t>pernyataan</a:t>
-            </a:r>
-            <a:r>
-              <a:rPr lang="en-ID" dirty="0"/>
-              <a:t> di </a:t>
-            </a:r>
-            <a:r>
-              <a:rPr lang="en-ID" dirty="0" err="1"/>
-              <a:t>atas</a:t>
-            </a:r>
-            <a:r>
-              <a:rPr lang="en-ID" dirty="0"/>
-              <a:t> </a:t>
-            </a:r>
-            <a:r>
-              <a:rPr lang="en-ID" dirty="0" err="1"/>
-              <a:t>jika</a:t>
-            </a:r>
-            <a:r>
-              <a:rPr lang="en-ID" dirty="0"/>
-              <a:t> Pak </a:t>
-            </a:r>
-            <a:r>
-              <a:rPr lang="en-ID" dirty="0" err="1"/>
-              <a:t>Dengklek</a:t>
-            </a:r>
-            <a:r>
-              <a:rPr lang="en-ID" dirty="0"/>
-              <a:t> </a:t>
-            </a:r>
-            <a:r>
-              <a:rPr lang="en-ID" dirty="0" err="1"/>
-              <a:t>adalah</a:t>
-            </a:r>
-            <a:r>
-              <a:rPr lang="en-ID" dirty="0"/>
-              <a:t> orang yang </a:t>
-            </a:r>
-            <a:r>
-              <a:rPr lang="en-ID" dirty="0" err="1"/>
-              <a:t>tidak</a:t>
-            </a:r>
-            <a:r>
-              <a:rPr lang="en-ID" dirty="0"/>
-              <a:t> </a:t>
-            </a:r>
-            <a:r>
-              <a:rPr lang="en-ID" dirty="0" err="1"/>
-              <a:t>pandai</a:t>
-            </a:r>
-            <a:r>
-              <a:rPr lang="en-ID" dirty="0"/>
-              <a:t> </a:t>
-            </a:r>
-            <a:r>
-              <a:rPr lang="en-ID" dirty="0" err="1"/>
-              <a:t>bergaul</a:t>
-            </a:r>
-            <a:r>
-              <a:rPr lang="en-ID" dirty="0"/>
-              <a:t> </a:t>
-            </a:r>
-            <a:r>
-              <a:rPr lang="en-ID" dirty="0" err="1"/>
-              <a:t>maka</a:t>
-            </a:r>
-            <a:r>
-              <a:rPr lang="en-ID" dirty="0"/>
-              <a:t> </a:t>
-            </a:r>
-            <a:r>
-              <a:rPr lang="en-ID" dirty="0" err="1"/>
-              <a:t>manakah</a:t>
-            </a:r>
-            <a:r>
-              <a:rPr lang="en-ID" dirty="0"/>
-              <a:t> </a:t>
-            </a:r>
-            <a:r>
-              <a:rPr lang="en-ID" dirty="0" err="1"/>
-              <a:t>simpulan</a:t>
-            </a:r>
-            <a:r>
-              <a:rPr lang="en-ID" dirty="0"/>
-              <a:t> di </a:t>
-            </a:r>
-            <a:r>
-              <a:rPr lang="en-ID" dirty="0" err="1"/>
-              <a:t>bawah</a:t>
-            </a:r>
-            <a:r>
-              <a:rPr lang="en-ID" dirty="0"/>
-              <a:t> </a:t>
-            </a:r>
-            <a:r>
-              <a:rPr lang="en-ID" dirty="0" err="1"/>
-              <a:t>ini</a:t>
-            </a:r>
-            <a:r>
-              <a:rPr lang="en-ID" dirty="0"/>
-              <a:t> yang </a:t>
-            </a:r>
-            <a:r>
-              <a:rPr lang="en-ID" dirty="0" err="1"/>
-              <a:t>pasti</a:t>
-            </a:r>
-            <a:r>
-              <a:rPr lang="en-ID" dirty="0"/>
-              <a:t> </a:t>
-            </a:r>
-            <a:r>
-              <a:rPr lang="en-ID" dirty="0" err="1"/>
-              <a:t>benar</a:t>
-            </a:r>
-            <a:r>
-              <a:rPr lang="en-ID" dirty="0"/>
-              <a:t>? </a:t>
-            </a:r>
-          </a:p>
-          <a:p>
-            <a:pPr marL="342900" indent="-342900">
-              <a:buAutoNum type="arabicParenR"/>
-            </a:pPr>
-            <a:r>
-              <a:rPr lang="en-ID" dirty="0"/>
-              <a:t>Pak </a:t>
-            </a:r>
-            <a:r>
-              <a:rPr lang="en-ID" dirty="0" err="1"/>
-              <a:t>Dengklek</a:t>
-            </a:r>
-            <a:r>
-              <a:rPr lang="en-ID" dirty="0"/>
-              <a:t> </a:t>
-            </a:r>
-            <a:r>
-              <a:rPr lang="en-ID" dirty="0" err="1"/>
-              <a:t>tidak</a:t>
-            </a:r>
-            <a:r>
-              <a:rPr lang="en-ID" dirty="0"/>
-              <a:t> </a:t>
-            </a:r>
-            <a:r>
-              <a:rPr lang="en-ID" dirty="0" err="1"/>
-              <a:t>suka</a:t>
-            </a:r>
-            <a:r>
-              <a:rPr lang="en-ID" dirty="0"/>
-              <a:t> </a:t>
-            </a:r>
-            <a:r>
-              <a:rPr lang="en-ID" dirty="0" err="1"/>
-              <a:t>bercanda</a:t>
-            </a:r>
-            <a:r>
-              <a:rPr lang="en-ID" dirty="0"/>
-              <a:t> </a:t>
-            </a:r>
-          </a:p>
-          <a:p>
-            <a:pPr marL="342900" indent="-342900">
-              <a:buAutoNum type="arabicParenR"/>
-            </a:pPr>
-            <a:r>
-              <a:rPr lang="en-ID" dirty="0"/>
-              <a:t>Pak </a:t>
-            </a:r>
-            <a:r>
-              <a:rPr lang="en-ID" dirty="0" err="1"/>
-              <a:t>Dengklek</a:t>
-            </a:r>
-            <a:r>
-              <a:rPr lang="en-ID" dirty="0"/>
-              <a:t> </a:t>
-            </a:r>
-            <a:r>
-              <a:rPr lang="en-ID" dirty="0" err="1"/>
-              <a:t>tidak</a:t>
-            </a:r>
-            <a:r>
-              <a:rPr lang="en-ID" dirty="0"/>
-              <a:t> </a:t>
-            </a:r>
-            <a:r>
-              <a:rPr lang="en-ID" dirty="0" err="1"/>
-              <a:t>sukses</a:t>
-            </a:r>
-            <a:r>
-              <a:rPr lang="en-ID" dirty="0"/>
-              <a:t> </a:t>
-            </a:r>
-          </a:p>
-          <a:p>
-            <a:pPr marL="342900" indent="-342900">
-              <a:buAutoNum type="arabicParenR"/>
-            </a:pPr>
-            <a:r>
-              <a:rPr lang="en-ID" dirty="0"/>
-              <a:t>Pak </a:t>
-            </a:r>
-            <a:r>
-              <a:rPr lang="en-ID" dirty="0" err="1"/>
-              <a:t>Dengklek</a:t>
-            </a:r>
-            <a:r>
-              <a:rPr lang="en-ID" dirty="0"/>
-              <a:t> </a:t>
-            </a:r>
-            <a:r>
-              <a:rPr lang="en-ID" dirty="0" err="1"/>
-              <a:t>tidak</a:t>
-            </a:r>
-            <a:r>
-              <a:rPr lang="en-ID" dirty="0"/>
-              <a:t> </a:t>
-            </a:r>
-            <a:r>
-              <a:rPr lang="en-ID" dirty="0" err="1"/>
-              <a:t>disenangi</a:t>
-            </a:r>
-            <a:r>
-              <a:rPr lang="en-ID" dirty="0"/>
-              <a:t> </a:t>
-            </a:r>
-            <a:r>
-              <a:rPr lang="en-ID" dirty="0" err="1"/>
-              <a:t>banyak</a:t>
-            </a:r>
-            <a:r>
-              <a:rPr lang="en-ID" dirty="0"/>
-              <a:t> orang </a:t>
-            </a:r>
-          </a:p>
-          <a:p>
-            <a:pPr marL="342900" indent="-342900">
-              <a:buAutoNum type="arabicParenR"/>
-            </a:pPr>
-            <a:r>
-              <a:rPr lang="en-ID" dirty="0"/>
-              <a:t>Pak </a:t>
-            </a:r>
-            <a:r>
-              <a:rPr lang="en-ID" dirty="0" err="1"/>
-              <a:t>Dengklek</a:t>
-            </a:r>
-            <a:r>
-              <a:rPr lang="en-ID" dirty="0"/>
-              <a:t> </a:t>
-            </a:r>
-            <a:r>
-              <a:rPr lang="en-ID" dirty="0" err="1"/>
-              <a:t>adalah</a:t>
-            </a:r>
-            <a:r>
-              <a:rPr lang="en-ID" dirty="0"/>
-              <a:t> orang yang </a:t>
-            </a:r>
-            <a:r>
-              <a:rPr lang="en-ID" dirty="0" err="1"/>
-              <a:t>suka</a:t>
-            </a:r>
-            <a:r>
-              <a:rPr lang="en-ID" dirty="0"/>
-              <a:t> </a:t>
-            </a:r>
-            <a:r>
-              <a:rPr lang="en-ID" dirty="0" err="1"/>
-              <a:t>menyendiri</a:t>
-            </a:r>
-            <a:r>
-              <a:rPr lang="en-ID" dirty="0"/>
-              <a:t> </a:t>
-            </a:r>
-          </a:p>
-          <a:p>
-            <a:pPr marL="342900" indent="-342900">
-              <a:buAutoNum type="alphaLcPeriod"/>
-            </a:pPr>
-            <a:r>
-              <a:rPr lang="en-ID" dirty="0"/>
-              <a:t>1,2,3 </a:t>
-            </a:r>
-          </a:p>
-          <a:p>
-            <a:pPr marL="342900" indent="-342900">
-              <a:buAutoNum type="alphaLcPeriod"/>
-            </a:pPr>
-            <a:r>
-              <a:rPr lang="en-ID" dirty="0"/>
-              <a:t>1,3 </a:t>
-            </a:r>
-          </a:p>
-          <a:p>
-            <a:pPr marL="342900" indent="-342900">
-              <a:buAutoNum type="alphaLcPeriod"/>
-            </a:pPr>
-            <a:r>
-              <a:rPr lang="en-ID" dirty="0"/>
-              <a:t>2,4 </a:t>
-            </a:r>
-          </a:p>
-          <a:p>
-            <a:pPr marL="342900" indent="-342900">
-              <a:buAutoNum type="alphaLcPeriod"/>
-            </a:pPr>
-            <a:r>
-              <a:rPr lang="en-ID" dirty="0"/>
-              <a:t>4 </a:t>
-            </a:r>
-          </a:p>
-          <a:p>
-            <a:pPr marL="342900" indent="-342900">
-              <a:buAutoNum type="alphaLcPeriod"/>
-            </a:pPr>
-            <a:r>
-              <a:rPr lang="en-ID" dirty="0" err="1"/>
-              <a:t>Tidak</a:t>
-            </a:r>
-            <a:r>
-              <a:rPr lang="en-ID" dirty="0"/>
-              <a:t> </a:t>
-            </a:r>
-            <a:r>
-              <a:rPr lang="en-ID" dirty="0" err="1"/>
-              <a:t>ada</a:t>
-            </a:r>
-            <a:r>
-              <a:rPr lang="en-ID" dirty="0"/>
-              <a:t> </a:t>
-            </a:r>
-            <a:r>
-              <a:rPr lang="en-ID" dirty="0" err="1"/>
-              <a:t>kesimpulan</a:t>
-            </a:r>
-            <a:endParaRPr lang="en-ID" dirty="0"/>
-          </a:p>
-        </p:txBody>
-      </p:sp>
-    </p:spTree>
-    <p:extLst>
-      <p:ext uri="{BB962C8B-B14F-4D97-AF65-F5344CB8AC3E}">
-        <p14:creationId xmlns:p14="http://schemas.microsoft.com/office/powerpoint/2010/main" val="633252510"/>
-      </p:ext>
-    </p:extLst>
-  </p:cSld>
-  <p:clrMapOvr>
-    <a:masterClrMapping/>
-  </p:clrMapOvr>
-</p:sld>
-</file>
-
-<file path=ppt/slides/slide26.xml><?xml version="1.0" encoding="utf-8"?>
-<p:sld xmlns:a="http://schemas.openxmlformats.org/drawingml/2006/main" xmlns:r="http://schemas.openxmlformats.org/officeDocument/2006/relationships" xmlns:p="http://schemas.openxmlformats.org/presentationml/2006/main">
-  <p:cSld>
-    <p:spTree>
-      <p:nvGrpSpPr>
-        <p:cNvPr id="1" name=""/>
-        <p:cNvGrpSpPr/>
-        <p:nvPr/>
-      </p:nvGrpSpPr>
-      <p:grpSpPr>
-        <a:xfrm>
-          <a:off x="0" y="0"/>
-          <a:ext cx="0" cy="0"/>
-          <a:chOff x="0" y="0"/>
-          <a:chExt cx="0" cy="0"/>
-        </a:xfrm>
-      </p:grpSpPr>
-      <p:sp>
-        <p:nvSpPr>
-          <p:cNvPr id="3" name="TextBox 2">
-            <a:extLst>
-              <a:ext uri="{FF2B5EF4-FFF2-40B4-BE49-F238E27FC236}">
-                <a16:creationId xmlns:a16="http://schemas.microsoft.com/office/drawing/2014/main" id="{E51EAD08-3771-9B32-9E7E-7163CCFBE39C}"/>
-              </a:ext>
-            </a:extLst>
-          </p:cNvPr>
-          <p:cNvSpPr txBox="1"/>
-          <p:nvPr/>
-        </p:nvSpPr>
-        <p:spPr>
-          <a:xfrm>
-            <a:off x="258318" y="77599"/>
-            <a:ext cx="6094476" cy="3139321"/>
-          </a:xfrm>
-          <a:prstGeom prst="rect">
-            <a:avLst/>
-          </a:prstGeom>
-          <a:noFill/>
-        </p:spPr>
-        <p:txBody>
-          <a:bodyPr wrap="square">
-            <a:spAutoFit/>
-          </a:bodyPr>
-          <a:lstStyle/>
-          <a:p>
-            <a:r>
-              <a:rPr lang="en-ID" dirty="0" err="1"/>
-              <a:t>Perhatikan</a:t>
-            </a:r>
-            <a:r>
-              <a:rPr lang="en-ID" dirty="0"/>
-              <a:t> </a:t>
-            </a:r>
-            <a:r>
-              <a:rPr lang="en-ID" dirty="0" err="1"/>
-              <a:t>pernyataan</a:t>
-            </a:r>
-            <a:r>
-              <a:rPr lang="en-ID" dirty="0"/>
-              <a:t> – </a:t>
-            </a:r>
-            <a:r>
-              <a:rPr lang="en-ID" dirty="0" err="1"/>
-              <a:t>pernyataan</a:t>
-            </a:r>
-            <a:r>
-              <a:rPr lang="en-ID" dirty="0"/>
-              <a:t> </a:t>
-            </a:r>
-            <a:r>
-              <a:rPr lang="en-ID" dirty="0" err="1"/>
-              <a:t>berikut</a:t>
-            </a:r>
-            <a:r>
-              <a:rPr lang="en-ID" dirty="0"/>
-              <a:t> </a:t>
-            </a:r>
-            <a:r>
-              <a:rPr lang="en-ID" dirty="0" err="1"/>
-              <a:t>berlaku</a:t>
-            </a:r>
-            <a:r>
-              <a:rPr lang="en-ID" dirty="0"/>
-              <a:t> </a:t>
-            </a:r>
-            <a:r>
-              <a:rPr lang="en-ID" dirty="0" err="1"/>
-              <a:t>untuk</a:t>
-            </a:r>
-            <a:r>
-              <a:rPr lang="en-ID" dirty="0"/>
-              <a:t> </a:t>
-            </a:r>
-            <a:r>
-              <a:rPr lang="en-ID" dirty="0" err="1"/>
-              <a:t>semua</a:t>
-            </a:r>
-            <a:r>
-              <a:rPr lang="en-ID" dirty="0"/>
-              <a:t> </a:t>
-            </a:r>
-            <a:r>
-              <a:rPr lang="en-ID" dirty="0" err="1"/>
-              <a:t>bebek</a:t>
-            </a:r>
-            <a:r>
-              <a:rPr lang="en-ID" dirty="0"/>
-              <a:t>! - Jika </a:t>
-            </a:r>
-            <a:r>
-              <a:rPr lang="en-ID" dirty="0" err="1"/>
-              <a:t>kwak</a:t>
-            </a:r>
-            <a:r>
-              <a:rPr lang="en-ID" dirty="0"/>
-              <a:t> </a:t>
-            </a:r>
-            <a:r>
-              <a:rPr lang="en-ID" dirty="0" err="1"/>
-              <a:t>maka</a:t>
-            </a:r>
-            <a:r>
-              <a:rPr lang="en-ID" dirty="0"/>
-              <a:t> </a:t>
-            </a:r>
-            <a:r>
-              <a:rPr lang="en-ID" dirty="0" err="1"/>
-              <a:t>kwek</a:t>
-            </a:r>
-            <a:r>
-              <a:rPr lang="en-ID" dirty="0"/>
-              <a:t> - Jika </a:t>
-            </a:r>
-            <a:r>
-              <a:rPr lang="en-ID" dirty="0" err="1"/>
-              <a:t>kwok</a:t>
-            </a:r>
-            <a:r>
-              <a:rPr lang="en-ID" dirty="0"/>
-              <a:t> </a:t>
-            </a:r>
-            <a:r>
-              <a:rPr lang="en-ID" dirty="0" err="1"/>
-              <a:t>maka</a:t>
-            </a:r>
-            <a:r>
-              <a:rPr lang="en-ID" dirty="0"/>
-              <a:t> </a:t>
-            </a:r>
-            <a:r>
-              <a:rPr lang="en-ID" dirty="0" err="1"/>
-              <a:t>kwek</a:t>
-            </a:r>
-            <a:r>
-              <a:rPr lang="en-ID" dirty="0"/>
-              <a:t> - Jika </a:t>
-            </a:r>
-            <a:r>
-              <a:rPr lang="en-ID" dirty="0" err="1"/>
-              <a:t>kwek</a:t>
-            </a:r>
-            <a:r>
-              <a:rPr lang="en-ID" dirty="0"/>
-              <a:t> </a:t>
-            </a:r>
-            <a:r>
-              <a:rPr lang="en-ID" dirty="0" err="1"/>
-              <a:t>maka</a:t>
-            </a:r>
-            <a:r>
-              <a:rPr lang="en-ID" dirty="0"/>
-              <a:t> </a:t>
-            </a:r>
-            <a:r>
-              <a:rPr lang="en-ID" dirty="0" err="1"/>
-              <a:t>kwik</a:t>
-            </a:r>
-            <a:r>
-              <a:rPr lang="en-ID" dirty="0"/>
-              <a:t> - Jika </a:t>
-            </a:r>
-            <a:r>
-              <a:rPr lang="en-ID" dirty="0" err="1"/>
-              <a:t>tidak</a:t>
-            </a:r>
-            <a:r>
-              <a:rPr lang="en-ID" dirty="0"/>
-              <a:t> </a:t>
-            </a:r>
-            <a:r>
-              <a:rPr lang="en-ID" dirty="0" err="1"/>
-              <a:t>kwik</a:t>
-            </a:r>
-            <a:r>
-              <a:rPr lang="en-ID" dirty="0"/>
-              <a:t> </a:t>
-            </a:r>
-            <a:r>
-              <a:rPr lang="en-ID" dirty="0" err="1"/>
-              <a:t>maka</a:t>
-            </a:r>
-            <a:r>
-              <a:rPr lang="en-ID" dirty="0"/>
-              <a:t> </a:t>
-            </a:r>
-            <a:r>
-              <a:rPr lang="en-ID" dirty="0" err="1"/>
-              <a:t>tidak</a:t>
-            </a:r>
-            <a:r>
-              <a:rPr lang="en-ID" dirty="0"/>
-              <a:t> </a:t>
-            </a:r>
-            <a:r>
-              <a:rPr lang="en-ID" dirty="0" err="1"/>
-              <a:t>kwak</a:t>
-            </a:r>
-            <a:r>
-              <a:rPr lang="en-ID" dirty="0"/>
-              <a:t> - </a:t>
-            </a:r>
-            <a:r>
-              <a:rPr lang="en-ID" dirty="0" err="1"/>
-              <a:t>Bebek</a:t>
-            </a:r>
-            <a:r>
-              <a:rPr lang="en-ID" dirty="0"/>
-              <a:t> Pak </a:t>
-            </a:r>
-            <a:r>
-              <a:rPr lang="en-ID" dirty="0" err="1"/>
-              <a:t>Dengklek</a:t>
-            </a:r>
-            <a:r>
-              <a:rPr lang="en-ID" dirty="0"/>
-              <a:t> </a:t>
-            </a:r>
-            <a:r>
-              <a:rPr lang="en-ID" dirty="0" err="1"/>
-              <a:t>kwok</a:t>
-            </a:r>
-            <a:r>
-              <a:rPr lang="en-ID" dirty="0"/>
-              <a:t> </a:t>
-            </a:r>
-            <a:r>
-              <a:rPr lang="en-ID" dirty="0" err="1"/>
-              <a:t>atau</a:t>
-            </a:r>
-            <a:r>
-              <a:rPr lang="en-ID" dirty="0"/>
-              <a:t> </a:t>
-            </a:r>
-            <a:r>
-              <a:rPr lang="en-ID" dirty="0" err="1"/>
-              <a:t>kwik</a:t>
-            </a:r>
-            <a:r>
-              <a:rPr lang="en-ID" dirty="0"/>
-              <a:t> </a:t>
-            </a:r>
-            <a:r>
-              <a:rPr lang="en-ID" dirty="0" err="1"/>
-              <a:t>Maka</a:t>
-            </a:r>
-            <a:r>
-              <a:rPr lang="en-ID" dirty="0"/>
-              <a:t> </a:t>
-            </a:r>
-            <a:r>
-              <a:rPr lang="en-ID" dirty="0" err="1"/>
-              <a:t>banyak</a:t>
-            </a:r>
-            <a:r>
-              <a:rPr lang="en-ID" dirty="0"/>
-              <a:t> </a:t>
-            </a:r>
-            <a:r>
-              <a:rPr lang="en-ID" dirty="0" err="1"/>
-              <a:t>pernyataan</a:t>
-            </a:r>
-            <a:r>
-              <a:rPr lang="en-ID" dirty="0"/>
-              <a:t> yang </a:t>
-            </a:r>
-            <a:r>
-              <a:rPr lang="en-ID" dirty="0" err="1"/>
-              <a:t>pasti</a:t>
-            </a:r>
-            <a:r>
-              <a:rPr lang="en-ID" dirty="0"/>
-              <a:t> </a:t>
-            </a:r>
-            <a:r>
-              <a:rPr lang="en-ID" dirty="0" err="1"/>
-              <a:t>benar</a:t>
-            </a:r>
-            <a:r>
-              <a:rPr lang="en-ID" dirty="0"/>
-              <a:t> di </a:t>
-            </a:r>
-            <a:r>
-              <a:rPr lang="en-ID" dirty="0" err="1"/>
-              <a:t>bawah</a:t>
-            </a:r>
-            <a:r>
-              <a:rPr lang="en-ID" dirty="0"/>
-              <a:t> </a:t>
-            </a:r>
-            <a:r>
-              <a:rPr lang="en-ID" dirty="0" err="1"/>
-              <a:t>ini</a:t>
-            </a:r>
-            <a:r>
-              <a:rPr lang="en-ID" dirty="0"/>
-              <a:t> </a:t>
-            </a:r>
-            <a:r>
-              <a:rPr lang="en-ID" dirty="0" err="1"/>
-              <a:t>adalah</a:t>
-            </a:r>
-            <a:r>
-              <a:rPr lang="en-ID" dirty="0"/>
-              <a:t> … </a:t>
-            </a:r>
-          </a:p>
-          <a:p>
-            <a:pPr marL="342900" indent="-342900">
-              <a:buAutoNum type="arabicParenR"/>
-            </a:pPr>
-            <a:r>
-              <a:rPr lang="en-ID" dirty="0"/>
-              <a:t>Jika </a:t>
-            </a:r>
-            <a:r>
-              <a:rPr lang="en-ID" dirty="0" err="1"/>
-              <a:t>Bebek</a:t>
-            </a:r>
-            <a:r>
-              <a:rPr lang="en-ID" dirty="0"/>
-              <a:t> Pak </a:t>
-            </a:r>
-            <a:r>
-              <a:rPr lang="en-ID" dirty="0" err="1"/>
-              <a:t>Dengklek</a:t>
-            </a:r>
-            <a:r>
-              <a:rPr lang="en-ID" dirty="0"/>
-              <a:t> </a:t>
-            </a:r>
-            <a:r>
-              <a:rPr lang="en-ID" dirty="0" err="1"/>
-              <a:t>tidak</a:t>
-            </a:r>
-            <a:r>
-              <a:rPr lang="en-ID" dirty="0"/>
-              <a:t> </a:t>
-            </a:r>
-            <a:r>
-              <a:rPr lang="en-ID" dirty="0" err="1"/>
-              <a:t>kwak</a:t>
-            </a:r>
-            <a:r>
-              <a:rPr lang="en-ID" dirty="0"/>
-              <a:t> </a:t>
-            </a:r>
-            <a:r>
-              <a:rPr lang="en-ID" dirty="0" err="1"/>
-              <a:t>maka</a:t>
-            </a:r>
-            <a:r>
-              <a:rPr lang="en-ID" dirty="0"/>
-              <a:t> </a:t>
-            </a:r>
-            <a:r>
-              <a:rPr lang="en-ID" dirty="0" err="1"/>
-              <a:t>ia</a:t>
-            </a:r>
-            <a:r>
-              <a:rPr lang="en-ID" dirty="0"/>
-              <a:t> juga </a:t>
-            </a:r>
-            <a:r>
-              <a:rPr lang="en-ID" dirty="0" err="1"/>
-              <a:t>tidak</a:t>
-            </a:r>
-            <a:r>
-              <a:rPr lang="en-ID" dirty="0"/>
-              <a:t> </a:t>
-            </a:r>
-            <a:r>
-              <a:rPr lang="en-ID" dirty="0" err="1"/>
-              <a:t>kwik</a:t>
-            </a:r>
-            <a:endParaRPr lang="en-ID" dirty="0"/>
-          </a:p>
-          <a:p>
-            <a:pPr marL="342900" indent="-342900">
-              <a:buAutoNum type="arabicParenR"/>
-            </a:pPr>
-            <a:r>
-              <a:rPr lang="en-ID" dirty="0"/>
-              <a:t> </a:t>
-            </a:r>
-            <a:r>
-              <a:rPr lang="en-ID" dirty="0" err="1"/>
-              <a:t>Bebek</a:t>
-            </a:r>
-            <a:r>
-              <a:rPr lang="en-ID" dirty="0"/>
-              <a:t> Pak </a:t>
-            </a:r>
-            <a:r>
-              <a:rPr lang="en-ID" dirty="0" err="1"/>
-              <a:t>Dengklek</a:t>
-            </a:r>
-            <a:r>
-              <a:rPr lang="en-ID" dirty="0"/>
-              <a:t> </a:t>
-            </a:r>
-            <a:r>
-              <a:rPr lang="en-ID" dirty="0" err="1"/>
-              <a:t>tidak</a:t>
-            </a:r>
-            <a:r>
-              <a:rPr lang="en-ID" dirty="0"/>
-              <a:t> </a:t>
-            </a:r>
-            <a:r>
-              <a:rPr lang="en-ID" dirty="0" err="1"/>
-              <a:t>kwak</a:t>
-            </a:r>
-            <a:r>
-              <a:rPr lang="en-ID" dirty="0"/>
-              <a:t> </a:t>
-            </a:r>
-            <a:r>
-              <a:rPr lang="en-ID" dirty="0" err="1"/>
-              <a:t>atau</a:t>
-            </a:r>
-            <a:r>
-              <a:rPr lang="en-ID" dirty="0"/>
-              <a:t> </a:t>
-            </a:r>
-            <a:r>
-              <a:rPr lang="en-ID" dirty="0" err="1"/>
-              <a:t>kwik</a:t>
-            </a:r>
-            <a:r>
-              <a:rPr lang="en-ID" dirty="0"/>
-              <a:t> </a:t>
-            </a:r>
-          </a:p>
-          <a:p>
-            <a:pPr marL="342900" indent="-342900">
-              <a:buAutoNum type="arabicParenR"/>
-            </a:pPr>
-            <a:r>
-              <a:rPr lang="en-ID" dirty="0"/>
-              <a:t>Jika </a:t>
-            </a:r>
-            <a:r>
-              <a:rPr lang="en-ID" dirty="0" err="1"/>
-              <a:t>Bebek</a:t>
-            </a:r>
-            <a:r>
-              <a:rPr lang="en-ID" dirty="0"/>
-              <a:t> Pak </a:t>
-            </a:r>
-            <a:r>
-              <a:rPr lang="en-ID" dirty="0" err="1"/>
-              <a:t>Dengklek</a:t>
-            </a:r>
-            <a:r>
-              <a:rPr lang="en-ID" dirty="0"/>
-              <a:t> </a:t>
-            </a:r>
-            <a:r>
-              <a:rPr lang="en-ID" dirty="0" err="1"/>
-              <a:t>tidak</a:t>
-            </a:r>
-            <a:r>
-              <a:rPr lang="en-ID" dirty="0"/>
-              <a:t> </a:t>
-            </a:r>
-            <a:r>
-              <a:rPr lang="en-ID" dirty="0" err="1"/>
-              <a:t>kwik</a:t>
-            </a:r>
-            <a:r>
-              <a:rPr lang="en-ID" dirty="0"/>
-              <a:t> </a:t>
-            </a:r>
-            <a:r>
-              <a:rPr lang="en-ID" dirty="0" err="1"/>
-              <a:t>maka</a:t>
-            </a:r>
-            <a:r>
-              <a:rPr lang="en-ID" dirty="0"/>
-              <a:t> </a:t>
-            </a:r>
-            <a:r>
-              <a:rPr lang="en-ID" dirty="0" err="1"/>
-              <a:t>ia</a:t>
-            </a:r>
-            <a:r>
-              <a:rPr lang="en-ID" dirty="0"/>
-              <a:t> </a:t>
-            </a:r>
-            <a:r>
-              <a:rPr lang="en-ID" dirty="0" err="1"/>
-              <a:t>tidak</a:t>
-            </a:r>
-            <a:r>
-              <a:rPr lang="en-ID" dirty="0"/>
-              <a:t> </a:t>
-            </a:r>
-            <a:r>
-              <a:rPr lang="en-ID" dirty="0" err="1"/>
-              <a:t>kwok</a:t>
-            </a:r>
-            <a:r>
-              <a:rPr lang="en-ID" dirty="0"/>
-              <a:t> </a:t>
-            </a:r>
-          </a:p>
-          <a:p>
-            <a:pPr marL="342900" indent="-342900">
-              <a:buAutoNum type="arabicParenR"/>
-            </a:pPr>
-            <a:r>
-              <a:rPr lang="en-ID" dirty="0"/>
-              <a:t>Jika </a:t>
-            </a:r>
-            <a:r>
-              <a:rPr lang="en-ID" dirty="0" err="1"/>
-              <a:t>Bebek</a:t>
-            </a:r>
-            <a:r>
-              <a:rPr lang="en-ID" dirty="0"/>
-              <a:t> Pak </a:t>
-            </a:r>
-            <a:r>
-              <a:rPr lang="en-ID" dirty="0" err="1"/>
-              <a:t>Dengklek</a:t>
-            </a:r>
-            <a:r>
-              <a:rPr lang="en-ID" dirty="0"/>
-              <a:t> </a:t>
-            </a:r>
-            <a:r>
-              <a:rPr lang="en-ID" dirty="0" err="1"/>
-              <a:t>tidak</a:t>
-            </a:r>
-            <a:r>
-              <a:rPr lang="en-ID" dirty="0"/>
-              <a:t> </a:t>
-            </a:r>
-            <a:r>
-              <a:rPr lang="en-ID" dirty="0" err="1"/>
-              <a:t>kwik</a:t>
-            </a:r>
-            <a:r>
-              <a:rPr lang="en-ID" dirty="0"/>
-              <a:t> </a:t>
-            </a:r>
-            <a:r>
-              <a:rPr lang="en-ID" dirty="0" err="1"/>
-              <a:t>maka</a:t>
-            </a:r>
-            <a:r>
-              <a:rPr lang="en-ID" dirty="0"/>
-              <a:t> </a:t>
-            </a:r>
-            <a:r>
-              <a:rPr lang="en-ID" dirty="0" err="1"/>
-              <a:t>ia</a:t>
-            </a:r>
-            <a:r>
-              <a:rPr lang="en-ID" dirty="0"/>
-              <a:t> juga </a:t>
-            </a:r>
-            <a:r>
-              <a:rPr lang="en-ID" dirty="0" err="1"/>
-              <a:t>tidak</a:t>
-            </a:r>
-            <a:r>
-              <a:rPr lang="en-ID" dirty="0"/>
-              <a:t> </a:t>
-            </a:r>
-            <a:r>
-              <a:rPr lang="en-ID" dirty="0" err="1"/>
-              <a:t>kwak</a:t>
-            </a:r>
-            <a:r>
-              <a:rPr lang="en-ID" dirty="0"/>
-              <a:t> dan </a:t>
-            </a:r>
-            <a:r>
-              <a:rPr lang="en-ID" dirty="0" err="1"/>
-              <a:t>tidak</a:t>
-            </a:r>
-            <a:r>
-              <a:rPr lang="en-ID" dirty="0"/>
-              <a:t> </a:t>
-            </a:r>
-            <a:r>
-              <a:rPr lang="en-ID" dirty="0" err="1"/>
-              <a:t>kwok</a:t>
-            </a:r>
-            <a:r>
-              <a:rPr lang="en-ID" dirty="0"/>
-              <a:t> </a:t>
-            </a:r>
-          </a:p>
-          <a:p>
-            <a:pPr marL="342900" indent="-342900">
-              <a:buAutoNum type="arabicParenR"/>
-            </a:pPr>
-            <a:r>
-              <a:rPr lang="en-ID" dirty="0" err="1"/>
-              <a:t>Pernyataan</a:t>
-            </a:r>
-            <a:r>
-              <a:rPr lang="en-ID" dirty="0"/>
-              <a:t> 2 dan 3 </a:t>
-            </a:r>
-            <a:r>
-              <a:rPr lang="en-ID" dirty="0" err="1"/>
-              <a:t>benar</a:t>
-            </a:r>
-            <a:r>
-              <a:rPr lang="en-ID" dirty="0"/>
-              <a:t> </a:t>
-            </a:r>
-          </a:p>
-        </p:txBody>
-      </p:sp>
-    </p:spTree>
-    <p:extLst>
-      <p:ext uri="{BB962C8B-B14F-4D97-AF65-F5344CB8AC3E}">
-        <p14:creationId xmlns:p14="http://schemas.microsoft.com/office/powerpoint/2010/main" val="82957255"/>
-      </p:ext>
-    </p:extLst>
-  </p:cSld>
-  <p:clrMapOvr>
-    <a:masterClrMapping/>
-  </p:clrMapOvr>
-</p:sld>
-</file>
-
-<file path=ppt/slides/slide27.xml><?xml version="1.0" encoding="utf-8"?>
-<p:sld xmlns:a="http://schemas.openxmlformats.org/drawingml/2006/main" xmlns:r="http://schemas.openxmlformats.org/officeDocument/2006/relationships" xmlns:p="http://schemas.openxmlformats.org/presentationml/2006/main">
-  <p:cSld>
-    <p:spTree>
-      <p:nvGrpSpPr>
-        <p:cNvPr id="1" name=""/>
-        <p:cNvGrpSpPr/>
-        <p:nvPr/>
-      </p:nvGrpSpPr>
-      <p:grpSpPr>
-        <a:xfrm>
-          <a:off x="0" y="0"/>
-          <a:ext cx="0" cy="0"/>
-          <a:chOff x="0" y="0"/>
-          <a:chExt cx="0" cy="0"/>
-        </a:xfrm>
-      </p:grpSpPr>
-      <p:pic>
-        <p:nvPicPr>
-          <p:cNvPr id="4" name="Picture 3">
-            <a:extLst>
-              <a:ext uri="{FF2B5EF4-FFF2-40B4-BE49-F238E27FC236}">
-                <a16:creationId xmlns:a16="http://schemas.microsoft.com/office/drawing/2014/main" id="{61A832C2-467C-8B88-CCDE-A2A5DC263C24}"/>
-              </a:ext>
-            </a:extLst>
-          </p:cNvPr>
-          <p:cNvPicPr>
-            <a:picLocks noChangeAspect="1"/>
-          </p:cNvPicPr>
-          <p:nvPr/>
-        </p:nvPicPr>
-        <p:blipFill>
-          <a:blip r:embed="rId2"/>
-          <a:stretch>
-            <a:fillRect/>
-          </a:stretch>
-        </p:blipFill>
-        <p:spPr>
-          <a:xfrm>
-            <a:off x="407667" y="136236"/>
-            <a:ext cx="5506218" cy="2324424"/>
-          </a:xfrm>
-          <a:prstGeom prst="rect">
-            <a:avLst/>
-          </a:prstGeom>
+          <a:extLst>
+            <a:ext uri="{909E8E84-426E-40DD-AFC4-6F175D3DCCD1}">
+              <a14:hiddenFill xmlns:a14="http://schemas.microsoft.com/office/drawing/2010/main">
+                <a:solidFill>
+                  <a:srgbClr val="FFFFFF"/>
+                </a:solidFill>
+              </a14:hiddenFill>
+            </a:ext>
+          </a:extLst>
         </p:spPr>
       </p:pic>
     </p:spTree>
     <p:extLst>
       <p:ext uri="{BB962C8B-B14F-4D97-AF65-F5344CB8AC3E}">
-        <p14:creationId xmlns:p14="http://schemas.microsoft.com/office/powerpoint/2010/main" val="2754423218"/>
-      </p:ext>
-    </p:extLst>
-  </p:cSld>
-  <p:clrMapOvr>
-    <a:masterClrMapping/>
-  </p:clrMapOvr>
-</p:sld>
-</file>
-
-<file path=ppt/slides/slide28.xml><?xml version="1.0" encoding="utf-8"?>
-<p:sld xmlns:a="http://schemas.openxmlformats.org/drawingml/2006/main" xmlns:r="http://schemas.openxmlformats.org/officeDocument/2006/relationships" xmlns:p="http://schemas.openxmlformats.org/presentationml/2006/main">
-  <p:cSld>
-    <p:spTree>
-      <p:nvGrpSpPr>
-        <p:cNvPr id="1" name=""/>
-        <p:cNvGrpSpPr/>
-        <p:nvPr/>
-      </p:nvGrpSpPr>
-      <p:grpSpPr>
-        <a:xfrm>
-          <a:off x="0" y="0"/>
-          <a:ext cx="0" cy="0"/>
-          <a:chOff x="0" y="0"/>
-          <a:chExt cx="0" cy="0"/>
-        </a:xfrm>
-      </p:grpSpPr>
-      <p:pic>
-        <p:nvPicPr>
-          <p:cNvPr id="3" name="Picture 2">
-            <a:extLst>
-              <a:ext uri="{FF2B5EF4-FFF2-40B4-BE49-F238E27FC236}">
-                <a16:creationId xmlns:a16="http://schemas.microsoft.com/office/drawing/2014/main" id="{A09CD8DC-A706-892C-DEB8-593B53F99676}"/>
-              </a:ext>
-            </a:extLst>
-          </p:cNvPr>
-          <p:cNvPicPr>
-            <a:picLocks noChangeAspect="1"/>
-          </p:cNvPicPr>
-          <p:nvPr/>
-        </p:nvPicPr>
-        <p:blipFill>
-          <a:blip r:embed="rId2"/>
-          <a:stretch>
-            <a:fillRect/>
-          </a:stretch>
-        </p:blipFill>
-        <p:spPr>
-          <a:xfrm>
-            <a:off x="465557" y="193409"/>
-            <a:ext cx="5811061" cy="4715533"/>
-          </a:xfrm>
-          <a:prstGeom prst="rect">
-            <a:avLst/>
-          </a:prstGeom>
-        </p:spPr>
-      </p:pic>
-    </p:spTree>
-    <p:extLst>
-      <p:ext uri="{BB962C8B-B14F-4D97-AF65-F5344CB8AC3E}">
-        <p14:creationId xmlns:p14="http://schemas.microsoft.com/office/powerpoint/2010/main" val="3582897641"/>
-      </p:ext>
-    </p:extLst>
-  </p:cSld>
-  <p:clrMapOvr>
-    <a:masterClrMapping/>
-  </p:clrMapOvr>
-</p:sld>
-</file>
-
-<file path=ppt/slides/slide29.xml><?xml version="1.0" encoding="utf-8"?>
-<p:sld xmlns:a="http://schemas.openxmlformats.org/drawingml/2006/main" xmlns:r="http://schemas.openxmlformats.org/officeDocument/2006/relationships" xmlns:p="http://schemas.openxmlformats.org/presentationml/2006/main">
-  <p:cSld>
-    <p:spTree>
-      <p:nvGrpSpPr>
-        <p:cNvPr id="1" name=""/>
-        <p:cNvGrpSpPr/>
-        <p:nvPr/>
-      </p:nvGrpSpPr>
-      <p:grpSpPr>
-        <a:xfrm>
-          <a:off x="0" y="0"/>
-          <a:ext cx="0" cy="0"/>
-          <a:chOff x="0" y="0"/>
-          <a:chExt cx="0" cy="0"/>
-        </a:xfrm>
-      </p:grpSpPr>
-      <p:sp>
-        <p:nvSpPr>
-          <p:cNvPr id="2" name="TextBox 1">
-            <a:extLst>
-              <a:ext uri="{FF2B5EF4-FFF2-40B4-BE49-F238E27FC236}">
-                <a16:creationId xmlns:a16="http://schemas.microsoft.com/office/drawing/2014/main" id="{402FE9BB-B4B2-D1C3-F218-3A413444E841}"/>
-              </a:ext>
-            </a:extLst>
-          </p:cNvPr>
-          <p:cNvSpPr txBox="1"/>
-          <p:nvPr/>
-        </p:nvSpPr>
-        <p:spPr>
-          <a:xfrm>
-            <a:off x="475488" y="256032"/>
-            <a:ext cx="5541264" cy="1200329"/>
-          </a:xfrm>
-          <a:prstGeom prst="rect">
-            <a:avLst/>
-          </a:prstGeom>
-          <a:noFill/>
-          <a:ln w="28575">
-            <a:solidFill>
-              <a:schemeClr val="tx1"/>
-            </a:solidFill>
-          </a:ln>
-        </p:spPr>
-        <p:txBody>
-          <a:bodyPr wrap="square" rtlCol="0">
-            <a:spAutoFit/>
-          </a:bodyPr>
-          <a:lstStyle/>
-          <a:p>
-            <a:r>
-              <a:rPr lang="en-US">
-                <a:latin typeface="Courier New" panose="02070309020205020404" pitchFamily="49" charset="0"/>
-                <a:cs typeface="Courier New" panose="02070309020205020404" pitchFamily="49" charset="0"/>
-              </a:rPr>
-              <a:t>int A,B;</a:t>
-            </a:r>
-          </a:p>
-          <a:p>
-            <a:r>
-              <a:rPr lang="en-US">
-                <a:latin typeface="Courier New" panose="02070309020205020404" pitchFamily="49" charset="0"/>
-                <a:cs typeface="Courier New" panose="02070309020205020404" pitchFamily="49" charset="0"/>
-              </a:rPr>
-              <a:t>A = 5;</a:t>
-            </a:r>
-          </a:p>
-          <a:p>
-            <a:r>
-              <a:rPr lang="en-US">
-                <a:latin typeface="Courier New" panose="02070309020205020404" pitchFamily="49" charset="0"/>
-                <a:cs typeface="Courier New" panose="02070309020205020404" pitchFamily="49" charset="0"/>
-              </a:rPr>
-              <a:t>B = 3;</a:t>
-            </a:r>
-          </a:p>
-          <a:p>
-            <a:r>
-              <a:rPr lang="en-US">
-                <a:latin typeface="Courier New" panose="02070309020205020404" pitchFamily="49" charset="0"/>
-                <a:cs typeface="Courier New" panose="02070309020205020404" pitchFamily="49" charset="0"/>
-              </a:rPr>
-              <a:t>int C = A + 2 * B – A;</a:t>
-            </a:r>
-            <a:endParaRPr lang="en-ID" dirty="0">
-              <a:latin typeface="Courier New" panose="02070309020205020404" pitchFamily="49" charset="0"/>
-              <a:cs typeface="Courier New" panose="02070309020205020404" pitchFamily="49" charset="0"/>
-            </a:endParaRPr>
-          </a:p>
-        </p:txBody>
-      </p:sp>
-      <p:sp>
-        <p:nvSpPr>
-          <p:cNvPr id="5" name="TextBox 4">
-            <a:extLst>
-              <a:ext uri="{FF2B5EF4-FFF2-40B4-BE49-F238E27FC236}">
-                <a16:creationId xmlns:a16="http://schemas.microsoft.com/office/drawing/2014/main" id="{CCF04310-C50F-E391-0FF8-53152B1F7E4B}"/>
-              </a:ext>
-            </a:extLst>
-          </p:cNvPr>
-          <p:cNvSpPr txBox="1"/>
-          <p:nvPr/>
-        </p:nvSpPr>
-        <p:spPr>
-          <a:xfrm>
-            <a:off x="386334" y="1587931"/>
-            <a:ext cx="6094476" cy="646331"/>
-          </a:xfrm>
-          <a:prstGeom prst="rect">
-            <a:avLst/>
-          </a:prstGeom>
-          <a:noFill/>
-        </p:spPr>
-        <p:txBody>
-          <a:bodyPr wrap="square">
-            <a:spAutoFit/>
-          </a:bodyPr>
-          <a:lstStyle/>
-          <a:p>
-            <a:r>
-              <a:rPr lang="sv-SE" dirty="0"/>
-              <a:t>Tentukan berapa nilai akhir C {tuliskan jawaban dalam bentuk ANGKA saja</a:t>
-            </a:r>
-            <a:endParaRPr lang="en-ID" dirty="0"/>
-          </a:p>
-        </p:txBody>
-      </p:sp>
-    </p:spTree>
-    <p:extLst>
-      <p:ext uri="{BB962C8B-B14F-4D97-AF65-F5344CB8AC3E}">
-        <p14:creationId xmlns:p14="http://schemas.microsoft.com/office/powerpoint/2010/main" val="839651841"/>
+        <p14:creationId xmlns:p14="http://schemas.microsoft.com/office/powerpoint/2010/main" val="1033943289"/>
       </p:ext>
     </p:extLst>
   </p:cSld>
@@ -6944,12 +5230,18 @@
 </p:sld>
 </file>
 
-<file path=ppt/slides/slide30.xml><?xml version="1.0" encoding="utf-8"?>
+<file path=ppt/slides/slide4.xml><?xml version="1.0" encoding="utf-8"?>
 <p:sld xmlns:a="http://schemas.openxmlformats.org/drawingml/2006/main" xmlns:r="http://schemas.openxmlformats.org/officeDocument/2006/relationships" xmlns:p="http://schemas.openxmlformats.org/presentationml/2006/main">
   <p:cSld>
     <p:spTree>
       <p:nvGrpSpPr>
-        <p:cNvPr id="1" name=""/>
+        <p:cNvPr id="1" name="">
+          <a:extLst>
+            <a:ext uri="{FF2B5EF4-FFF2-40B4-BE49-F238E27FC236}">
+              <a16:creationId xmlns:a16="http://schemas.microsoft.com/office/drawing/2014/main" id="{34D28DFC-CE37-CE72-67ED-6ED40B98964D}"/>
+            </a:ext>
+          </a:extLst>
+        </p:cNvPr>
         <p:cNvGrpSpPr/>
         <p:nvPr/>
       </p:nvGrpSpPr>
@@ -6963,317 +5255,209 @@
       </p:grpSpPr>
       <p:sp>
         <p:nvSpPr>
-          <p:cNvPr id="5" name="TextBox 4">
+          <p:cNvPr id="8" name="Subtitle 2">
             <a:extLst>
               <a:ext uri="{FF2B5EF4-FFF2-40B4-BE49-F238E27FC236}">
-                <a16:creationId xmlns:a16="http://schemas.microsoft.com/office/drawing/2014/main" id="{CCF04310-C50F-E391-0FF8-53152B1F7E4B}"/>
+                <a16:creationId xmlns:a16="http://schemas.microsoft.com/office/drawing/2014/main" id="{D4FB3EB2-324D-66EE-1429-6E76555B29D8}"/>
               </a:ext>
             </a:extLst>
           </p:cNvPr>
-          <p:cNvSpPr txBox="1"/>
+          <p:cNvSpPr txBox="1">
+            <a:spLocks/>
+          </p:cNvSpPr>
           <p:nvPr/>
         </p:nvSpPr>
         <p:spPr>
           <a:xfrm>
-            <a:off x="203454" y="5666155"/>
-            <a:ext cx="6094476" cy="369332"/>
+            <a:off x="545183" y="511617"/>
+            <a:ext cx="9144000" cy="503618"/>
           </a:xfrm>
           <a:prstGeom prst="rect">
             <a:avLst/>
           </a:prstGeom>
-          <a:noFill/>
         </p:spPr>
         <p:txBody>
-          <a:bodyPr wrap="square">
-            <a:spAutoFit/>
+          <a:bodyPr vert="horz" lIns="91440" tIns="45720" rIns="91440" bIns="45720" rtlCol="0">
+            <a:normAutofit/>
           </a:bodyPr>
-          <a:lstStyle/>
-          <a:p>
-            <a:r>
-              <a:rPr lang="sv-SE" dirty="0"/>
-              <a:t>Tentukan Keluaran program di atas!</a:t>
+          <a:lstStyle>
+            <a:lvl1pPr marL="0" indent="0" algn="ctr" defTabSz="914400" rtl="0" eaLnBrk="1" latinLnBrk="0" hangingPunct="1">
+              <a:lnSpc>
+                <a:spcPct val="90000"/>
+              </a:lnSpc>
+              <a:spcBef>
+                <a:spcPts val="1000"/>
+              </a:spcBef>
+              <a:buFont typeface="Arial" panose="020B0604020202020204" pitchFamily="34" charset="0"/>
+              <a:buNone/>
+              <a:defRPr sz="2400" kern="1200">
+                <a:solidFill>
+                  <a:schemeClr val="tx1"/>
+                </a:solidFill>
+                <a:latin typeface="+mn-lt"/>
+                <a:ea typeface="+mn-ea"/>
+                <a:cs typeface="+mn-cs"/>
+              </a:defRPr>
+            </a:lvl1pPr>
+            <a:lvl2pPr marL="457200" indent="0" algn="ctr" defTabSz="914400" rtl="0" eaLnBrk="1" latinLnBrk="0" hangingPunct="1">
+              <a:lnSpc>
+                <a:spcPct val="90000"/>
+              </a:lnSpc>
+              <a:spcBef>
+                <a:spcPts val="500"/>
+              </a:spcBef>
+              <a:buFont typeface="Arial" panose="020B0604020202020204" pitchFamily="34" charset="0"/>
+              <a:buNone/>
+              <a:defRPr sz="2000" kern="1200">
+                <a:solidFill>
+                  <a:schemeClr val="tx1"/>
+                </a:solidFill>
+                <a:latin typeface="+mn-lt"/>
+                <a:ea typeface="+mn-ea"/>
+                <a:cs typeface="+mn-cs"/>
+              </a:defRPr>
+            </a:lvl2pPr>
+            <a:lvl3pPr marL="914400" indent="0" algn="ctr" defTabSz="914400" rtl="0" eaLnBrk="1" latinLnBrk="0" hangingPunct="1">
+              <a:lnSpc>
+                <a:spcPct val="90000"/>
+              </a:lnSpc>
+              <a:spcBef>
+                <a:spcPts val="500"/>
+              </a:spcBef>
+              <a:buFont typeface="Arial" panose="020B0604020202020204" pitchFamily="34" charset="0"/>
+              <a:buNone/>
+              <a:defRPr sz="1800" kern="1200">
+                <a:solidFill>
+                  <a:schemeClr val="tx1"/>
+                </a:solidFill>
+                <a:latin typeface="+mn-lt"/>
+                <a:ea typeface="+mn-ea"/>
+                <a:cs typeface="+mn-cs"/>
+              </a:defRPr>
+            </a:lvl3pPr>
+            <a:lvl4pPr marL="1371600" indent="0" algn="ctr" defTabSz="914400" rtl="0" eaLnBrk="1" latinLnBrk="0" hangingPunct="1">
+              <a:lnSpc>
+                <a:spcPct val="90000"/>
+              </a:lnSpc>
+              <a:spcBef>
+                <a:spcPts val="500"/>
+              </a:spcBef>
+              <a:buFont typeface="Arial" panose="020B0604020202020204" pitchFamily="34" charset="0"/>
+              <a:buNone/>
+              <a:defRPr sz="1600" kern="1200">
+                <a:solidFill>
+                  <a:schemeClr val="tx1"/>
+                </a:solidFill>
+                <a:latin typeface="+mn-lt"/>
+                <a:ea typeface="+mn-ea"/>
+                <a:cs typeface="+mn-cs"/>
+              </a:defRPr>
+            </a:lvl4pPr>
+            <a:lvl5pPr marL="1828800" indent="0" algn="ctr" defTabSz="914400" rtl="0" eaLnBrk="1" latinLnBrk="0" hangingPunct="1">
+              <a:lnSpc>
+                <a:spcPct val="90000"/>
+              </a:lnSpc>
+              <a:spcBef>
+                <a:spcPts val="500"/>
+              </a:spcBef>
+              <a:buFont typeface="Arial" panose="020B0604020202020204" pitchFamily="34" charset="0"/>
+              <a:buNone/>
+              <a:defRPr sz="1600" kern="1200">
+                <a:solidFill>
+                  <a:schemeClr val="tx1"/>
+                </a:solidFill>
+                <a:latin typeface="+mn-lt"/>
+                <a:ea typeface="+mn-ea"/>
+                <a:cs typeface="+mn-cs"/>
+              </a:defRPr>
+            </a:lvl5pPr>
+            <a:lvl6pPr marL="2286000" indent="0" algn="ctr" defTabSz="914400" rtl="0" eaLnBrk="1" latinLnBrk="0" hangingPunct="1">
+              <a:lnSpc>
+                <a:spcPct val="90000"/>
+              </a:lnSpc>
+              <a:spcBef>
+                <a:spcPts val="500"/>
+              </a:spcBef>
+              <a:buFont typeface="Arial" panose="020B0604020202020204" pitchFamily="34" charset="0"/>
+              <a:buNone/>
+              <a:defRPr sz="1600" kern="1200">
+                <a:solidFill>
+                  <a:schemeClr val="tx1"/>
+                </a:solidFill>
+                <a:latin typeface="+mn-lt"/>
+                <a:ea typeface="+mn-ea"/>
+                <a:cs typeface="+mn-cs"/>
+              </a:defRPr>
+            </a:lvl6pPr>
+            <a:lvl7pPr marL="2743200" indent="0" algn="ctr" defTabSz="914400" rtl="0" eaLnBrk="1" latinLnBrk="0" hangingPunct="1">
+              <a:lnSpc>
+                <a:spcPct val="90000"/>
+              </a:lnSpc>
+              <a:spcBef>
+                <a:spcPts val="500"/>
+              </a:spcBef>
+              <a:buFont typeface="Arial" panose="020B0604020202020204" pitchFamily="34" charset="0"/>
+              <a:buNone/>
+              <a:defRPr sz="1600" kern="1200">
+                <a:solidFill>
+                  <a:schemeClr val="tx1"/>
+                </a:solidFill>
+                <a:latin typeface="+mn-lt"/>
+                <a:ea typeface="+mn-ea"/>
+                <a:cs typeface="+mn-cs"/>
+              </a:defRPr>
+            </a:lvl7pPr>
+            <a:lvl8pPr marL="3200400" indent="0" algn="ctr" defTabSz="914400" rtl="0" eaLnBrk="1" latinLnBrk="0" hangingPunct="1">
+              <a:lnSpc>
+                <a:spcPct val="90000"/>
+              </a:lnSpc>
+              <a:spcBef>
+                <a:spcPts val="500"/>
+              </a:spcBef>
+              <a:buFont typeface="Arial" panose="020B0604020202020204" pitchFamily="34" charset="0"/>
+              <a:buNone/>
+              <a:defRPr sz="1600" kern="1200">
+                <a:solidFill>
+                  <a:schemeClr val="tx1"/>
+                </a:solidFill>
+                <a:latin typeface="+mn-lt"/>
+                <a:ea typeface="+mn-ea"/>
+                <a:cs typeface="+mn-cs"/>
+              </a:defRPr>
+            </a:lvl8pPr>
+            <a:lvl9pPr marL="3657600" indent="0" algn="ctr" defTabSz="914400" rtl="0" eaLnBrk="1" latinLnBrk="0" hangingPunct="1">
+              <a:lnSpc>
+                <a:spcPct val="90000"/>
+              </a:lnSpc>
+              <a:spcBef>
+                <a:spcPts val="500"/>
+              </a:spcBef>
+              <a:buFont typeface="Arial" panose="020B0604020202020204" pitchFamily="34" charset="0"/>
+              <a:buNone/>
+              <a:defRPr sz="1600" kern="1200">
+                <a:solidFill>
+                  <a:schemeClr val="tx1"/>
+                </a:solidFill>
+                <a:latin typeface="+mn-lt"/>
+                <a:ea typeface="+mn-ea"/>
+                <a:cs typeface="+mn-cs"/>
+              </a:defRPr>
+            </a:lvl9pPr>
+          </a:lstStyle>
+          <a:p>
+            <a:pPr algn="l"/>
+            <a:r>
+              <a:rPr lang="en-US" dirty="0"/>
+              <a:t>Decomposition – Pattern Recognition – Abstraction – Algorithm</a:t>
             </a:r>
             <a:endParaRPr lang="en-ID" dirty="0"/>
-          </a:p>
-        </p:txBody>
-      </p:sp>
-      <p:sp>
-        <p:nvSpPr>
-          <p:cNvPr id="6" name="TextBox 5">
-            <a:extLst>
-              <a:ext uri="{FF2B5EF4-FFF2-40B4-BE49-F238E27FC236}">
-                <a16:creationId xmlns:a16="http://schemas.microsoft.com/office/drawing/2014/main" id="{C1928BF6-DAB9-3112-337D-C75CA0913733}"/>
-              </a:ext>
-            </a:extLst>
-          </p:cNvPr>
-          <p:cNvSpPr txBox="1"/>
-          <p:nvPr/>
-        </p:nvSpPr>
-        <p:spPr>
-          <a:xfrm>
-            <a:off x="386334" y="451182"/>
-            <a:ext cx="4709160" cy="5078313"/>
-          </a:xfrm>
-          <a:prstGeom prst="rect">
-            <a:avLst/>
-          </a:prstGeom>
-          <a:noFill/>
-          <a:ln w="28575">
-            <a:solidFill>
-              <a:schemeClr val="tx1"/>
-            </a:solidFill>
-          </a:ln>
-        </p:spPr>
-        <p:txBody>
-          <a:bodyPr wrap="square" rtlCol="0">
-            <a:spAutoFit/>
-          </a:bodyPr>
-          <a:lstStyle/>
-          <a:p>
-            <a:r>
-              <a:rPr lang="en-US" dirty="0">
-                <a:latin typeface="Courier New" panose="02070309020205020404" pitchFamily="49" charset="0"/>
-                <a:cs typeface="Courier New" panose="02070309020205020404" pitchFamily="49" charset="0"/>
-              </a:rPr>
-              <a:t>int A = 3*9 – 2 / 5;</a:t>
-            </a:r>
-            <a:endParaRPr lang="en-ID" dirty="0">
-              <a:latin typeface="Courier New" panose="02070309020205020404" pitchFamily="49" charset="0"/>
-              <a:cs typeface="Courier New" panose="02070309020205020404" pitchFamily="49" charset="0"/>
-            </a:endParaRPr>
-          </a:p>
-          <a:p>
-            <a:r>
-              <a:rPr lang="en-ID" dirty="0">
-                <a:latin typeface="Courier New" panose="02070309020205020404" pitchFamily="49" charset="0"/>
-                <a:cs typeface="Courier New" panose="02070309020205020404" pitchFamily="49" charset="0"/>
-              </a:rPr>
-              <a:t>int B = A;</a:t>
-            </a:r>
-          </a:p>
-          <a:p>
-            <a:r>
-              <a:rPr lang="en-ID" dirty="0">
-                <a:latin typeface="Courier New" panose="02070309020205020404" pitchFamily="49" charset="0"/>
-                <a:cs typeface="Courier New" panose="02070309020205020404" pitchFamily="49" charset="0"/>
-              </a:rPr>
-              <a:t>B = B + 1;</a:t>
-            </a:r>
-          </a:p>
-          <a:p>
-            <a:r>
-              <a:rPr lang="en-US" dirty="0">
-                <a:latin typeface="Courier New" panose="02070309020205020404" pitchFamily="49" charset="0"/>
-                <a:cs typeface="Courier New" panose="02070309020205020404" pitchFamily="49" charset="0"/>
-              </a:rPr>
-              <a:t>bool C = A &gt; B;</a:t>
-            </a:r>
-          </a:p>
-          <a:p>
-            <a:r>
-              <a:rPr lang="en-US" dirty="0">
-                <a:latin typeface="Courier New" panose="02070309020205020404" pitchFamily="49" charset="0"/>
-                <a:cs typeface="Courier New" panose="02070309020205020404" pitchFamily="49" charset="0"/>
-              </a:rPr>
-              <a:t>bool D = A * 2 &gt; B / 2;</a:t>
-            </a:r>
-          </a:p>
-          <a:p>
-            <a:pPr lvl="1"/>
-            <a:r>
-              <a:rPr lang="en-US" dirty="0">
-                <a:latin typeface="Courier New" panose="02070309020205020404" pitchFamily="49" charset="0"/>
-                <a:cs typeface="Courier New" panose="02070309020205020404" pitchFamily="49" charset="0"/>
-              </a:rPr>
-              <a:t>if(C){</a:t>
-            </a:r>
-          </a:p>
-          <a:p>
-            <a:pPr lvl="1"/>
-            <a:r>
-              <a:rPr lang="en-US" dirty="0">
-                <a:latin typeface="Courier New" panose="02070309020205020404" pitchFamily="49" charset="0"/>
-                <a:cs typeface="Courier New" panose="02070309020205020404" pitchFamily="49" charset="0"/>
-              </a:rPr>
-              <a:t>   if(D &amp;&amp; !C){</a:t>
-            </a:r>
-          </a:p>
-          <a:p>
-            <a:pPr lvl="1"/>
-            <a:r>
-              <a:rPr lang="en-US" dirty="0">
-                <a:latin typeface="Courier New" panose="02070309020205020404" pitchFamily="49" charset="0"/>
-                <a:cs typeface="Courier New" panose="02070309020205020404" pitchFamily="49" charset="0"/>
-              </a:rPr>
-              <a:t>     </a:t>
-            </a:r>
-            <a:r>
-              <a:rPr lang="en-US" dirty="0" err="1">
-                <a:latin typeface="Courier New" panose="02070309020205020404" pitchFamily="49" charset="0"/>
-                <a:cs typeface="Courier New" panose="02070309020205020404" pitchFamily="49" charset="0"/>
-              </a:rPr>
-              <a:t>cout</a:t>
-            </a:r>
-            <a:r>
-              <a:rPr lang="en-US" dirty="0">
-                <a:latin typeface="Courier New" panose="02070309020205020404" pitchFamily="49" charset="0"/>
-                <a:cs typeface="Courier New" panose="02070309020205020404" pitchFamily="49" charset="0"/>
-              </a:rPr>
-              <a:t>&lt;&lt;1;</a:t>
-            </a:r>
-          </a:p>
-          <a:p>
-            <a:pPr lvl="1"/>
-            <a:r>
-              <a:rPr lang="en-US" dirty="0">
-                <a:latin typeface="Courier New" panose="02070309020205020404" pitchFamily="49" charset="0"/>
-                <a:cs typeface="Courier New" panose="02070309020205020404" pitchFamily="49" charset="0"/>
-              </a:rPr>
-              <a:t>   }else{</a:t>
-            </a:r>
-          </a:p>
-          <a:p>
-            <a:pPr lvl="1"/>
-            <a:r>
-              <a:rPr lang="en-US" dirty="0">
-                <a:latin typeface="Courier New" panose="02070309020205020404" pitchFamily="49" charset="0"/>
-                <a:cs typeface="Courier New" panose="02070309020205020404" pitchFamily="49" charset="0"/>
-              </a:rPr>
-              <a:t>     </a:t>
-            </a:r>
-            <a:r>
-              <a:rPr lang="en-US" dirty="0" err="1">
-                <a:latin typeface="Courier New" panose="02070309020205020404" pitchFamily="49" charset="0"/>
-                <a:cs typeface="Courier New" panose="02070309020205020404" pitchFamily="49" charset="0"/>
-              </a:rPr>
-              <a:t>cout</a:t>
-            </a:r>
-            <a:r>
-              <a:rPr lang="en-US" dirty="0">
-                <a:latin typeface="Courier New" panose="02070309020205020404" pitchFamily="49" charset="0"/>
-                <a:cs typeface="Courier New" panose="02070309020205020404" pitchFamily="49" charset="0"/>
-              </a:rPr>
-              <a:t>&lt;&lt;2;</a:t>
-            </a:r>
-          </a:p>
-          <a:p>
-            <a:pPr lvl="1"/>
-            <a:r>
-              <a:rPr lang="en-US" dirty="0">
-                <a:latin typeface="Courier New" panose="02070309020205020404" pitchFamily="49" charset="0"/>
-                <a:cs typeface="Courier New" panose="02070309020205020404" pitchFamily="49" charset="0"/>
-              </a:rPr>
-              <a:t>   }</a:t>
-            </a:r>
-          </a:p>
-          <a:p>
-            <a:pPr lvl="1"/>
-            <a:r>
-              <a:rPr lang="en-US" dirty="0">
-                <a:latin typeface="Courier New" panose="02070309020205020404" pitchFamily="49" charset="0"/>
-                <a:cs typeface="Courier New" panose="02070309020205020404" pitchFamily="49" charset="0"/>
-              </a:rPr>
-              <a:t>}else{</a:t>
-            </a:r>
-          </a:p>
-          <a:p>
-            <a:pPr lvl="1"/>
-            <a:r>
-              <a:rPr lang="en-US" dirty="0">
-                <a:latin typeface="Courier New" panose="02070309020205020404" pitchFamily="49" charset="0"/>
-                <a:cs typeface="Courier New" panose="02070309020205020404" pitchFamily="49" charset="0"/>
-              </a:rPr>
-              <a:t>   if(D || C){</a:t>
-            </a:r>
-          </a:p>
-          <a:p>
-            <a:pPr lvl="1"/>
-            <a:r>
-              <a:rPr lang="en-US" dirty="0">
-                <a:latin typeface="Courier New" panose="02070309020205020404" pitchFamily="49" charset="0"/>
-                <a:cs typeface="Courier New" panose="02070309020205020404" pitchFamily="49" charset="0"/>
-              </a:rPr>
-              <a:t>      </a:t>
-            </a:r>
-            <a:r>
-              <a:rPr lang="en-US" dirty="0" err="1">
-                <a:latin typeface="Courier New" panose="02070309020205020404" pitchFamily="49" charset="0"/>
-                <a:cs typeface="Courier New" panose="02070309020205020404" pitchFamily="49" charset="0"/>
-              </a:rPr>
-              <a:t>cout</a:t>
-            </a:r>
-            <a:r>
-              <a:rPr lang="en-US" dirty="0">
-                <a:latin typeface="Courier New" panose="02070309020205020404" pitchFamily="49" charset="0"/>
-                <a:cs typeface="Courier New" panose="02070309020205020404" pitchFamily="49" charset="0"/>
-              </a:rPr>
-              <a:t>&lt;&lt;3;</a:t>
-            </a:r>
-          </a:p>
-          <a:p>
-            <a:pPr lvl="1"/>
-            <a:r>
-              <a:rPr lang="en-US" dirty="0">
-                <a:latin typeface="Courier New" panose="02070309020205020404" pitchFamily="49" charset="0"/>
-                <a:cs typeface="Courier New" panose="02070309020205020404" pitchFamily="49" charset="0"/>
-              </a:rPr>
-              <a:t>   }else{</a:t>
-            </a:r>
-          </a:p>
-          <a:p>
-            <a:pPr lvl="1"/>
-            <a:r>
-              <a:rPr lang="en-US" dirty="0">
-                <a:latin typeface="Courier New" panose="02070309020205020404" pitchFamily="49" charset="0"/>
-                <a:cs typeface="Courier New" panose="02070309020205020404" pitchFamily="49" charset="0"/>
-              </a:rPr>
-              <a:t>	  </a:t>
-            </a:r>
-            <a:r>
-              <a:rPr lang="en-US" dirty="0" err="1">
-                <a:latin typeface="Courier New" panose="02070309020205020404" pitchFamily="49" charset="0"/>
-                <a:cs typeface="Courier New" panose="02070309020205020404" pitchFamily="49" charset="0"/>
-              </a:rPr>
-              <a:t>cout</a:t>
-            </a:r>
-            <a:r>
-              <a:rPr lang="en-US" dirty="0">
-                <a:latin typeface="Courier New" panose="02070309020205020404" pitchFamily="49" charset="0"/>
-                <a:cs typeface="Courier New" panose="02070309020205020404" pitchFamily="49" charset="0"/>
-              </a:rPr>
-              <a:t>&lt;&lt;4;</a:t>
-            </a:r>
-          </a:p>
-          <a:p>
-            <a:pPr lvl="1"/>
-            <a:r>
-              <a:rPr lang="en-US" dirty="0">
-                <a:latin typeface="Courier New" panose="02070309020205020404" pitchFamily="49" charset="0"/>
-                <a:cs typeface="Courier New" panose="02070309020205020404" pitchFamily="49" charset="0"/>
-              </a:rPr>
-              <a:t>	}</a:t>
-            </a:r>
-          </a:p>
-          <a:p>
-            <a:pPr lvl="1"/>
-            <a:r>
-              <a:rPr lang="en-US" dirty="0">
-                <a:latin typeface="Courier New" panose="02070309020205020404" pitchFamily="49" charset="0"/>
-                <a:cs typeface="Courier New" panose="02070309020205020404" pitchFamily="49" charset="0"/>
-              </a:rPr>
-              <a:t>}</a:t>
-            </a:r>
-            <a:endParaRPr lang="en-ID" dirty="0">
-              <a:latin typeface="Courier New" panose="02070309020205020404" pitchFamily="49" charset="0"/>
-              <a:cs typeface="Courier New" panose="02070309020205020404" pitchFamily="49" charset="0"/>
-            </a:endParaRPr>
           </a:p>
         </p:txBody>
       </p:sp>
     </p:spTree>
     <p:extLst>
       <p:ext uri="{BB962C8B-B14F-4D97-AF65-F5344CB8AC3E}">
-        <p14:creationId xmlns:p14="http://schemas.microsoft.com/office/powerpoint/2010/main" val="2539081583"/>
+        <p14:creationId xmlns:p14="http://schemas.microsoft.com/office/powerpoint/2010/main" val="2199927811"/>
       </p:ext>
     </p:extLst>
   </p:cSld>
@@ -7283,364 +5467,7 @@
 </p:sld>
 </file>
 
-<file path=ppt/slides/slide31.xml><?xml version="1.0" encoding="utf-8"?>
-<p:sld xmlns:a="http://schemas.openxmlformats.org/drawingml/2006/main" xmlns:r="http://schemas.openxmlformats.org/officeDocument/2006/relationships" xmlns:p="http://schemas.openxmlformats.org/presentationml/2006/main">
-  <p:cSld>
-    <p:spTree>
-      <p:nvGrpSpPr>
-        <p:cNvPr id="1" name=""/>
-        <p:cNvGrpSpPr/>
-        <p:nvPr/>
-      </p:nvGrpSpPr>
-      <p:grpSpPr>
-        <a:xfrm>
-          <a:off x="0" y="0"/>
-          <a:ext cx="0" cy="0"/>
-          <a:chOff x="0" y="0"/>
-          <a:chExt cx="0" cy="0"/>
-        </a:xfrm>
-      </p:grpSpPr>
-      <p:sp>
-        <p:nvSpPr>
-          <p:cNvPr id="5" name="TextBox 4">
-            <a:extLst>
-              <a:ext uri="{FF2B5EF4-FFF2-40B4-BE49-F238E27FC236}">
-                <a16:creationId xmlns:a16="http://schemas.microsoft.com/office/drawing/2014/main" id="{CCF04310-C50F-E391-0FF8-53152B1F7E4B}"/>
-              </a:ext>
-            </a:extLst>
-          </p:cNvPr>
-          <p:cNvSpPr txBox="1"/>
-          <p:nvPr/>
-        </p:nvSpPr>
-        <p:spPr>
-          <a:xfrm>
-            <a:off x="276606" y="5529495"/>
-            <a:ext cx="6094476" cy="1200329"/>
-          </a:xfrm>
-          <a:prstGeom prst="rect">
-            <a:avLst/>
-          </a:prstGeom>
-          <a:noFill/>
-        </p:spPr>
-        <p:txBody>
-          <a:bodyPr wrap="square">
-            <a:spAutoFit/>
-          </a:bodyPr>
-          <a:lstStyle/>
-          <a:p>
-            <a:r>
-              <a:rPr lang="sv-SE" dirty="0"/>
-              <a:t>Jika nilai C diganti manakah di bawah ini yang menyebabkan keluaran bernilai 2?</a:t>
-            </a:r>
-          </a:p>
-          <a:p>
-            <a:pPr marL="342900" indent="-342900">
-              <a:buAutoNum type="alphaLcPeriod"/>
-            </a:pPr>
-            <a:r>
-              <a:rPr lang="sv-SE" dirty="0"/>
-              <a:t>C = A &lt; B		c. C = 2*A*A &lt; B + 1</a:t>
-            </a:r>
-          </a:p>
-          <a:p>
-            <a:pPr marL="342900" indent="-342900">
-              <a:buAutoNum type="alphaLcPeriod"/>
-            </a:pPr>
-            <a:r>
-              <a:rPr lang="sv-SE" dirty="0"/>
-              <a:t>C = (A == B)        d. Tidak ada yang memenuhi</a:t>
-            </a:r>
-            <a:endParaRPr lang="en-ID" dirty="0"/>
-          </a:p>
-        </p:txBody>
-      </p:sp>
-      <p:sp>
-        <p:nvSpPr>
-          <p:cNvPr id="6" name="TextBox 5">
-            <a:extLst>
-              <a:ext uri="{FF2B5EF4-FFF2-40B4-BE49-F238E27FC236}">
-                <a16:creationId xmlns:a16="http://schemas.microsoft.com/office/drawing/2014/main" id="{C1928BF6-DAB9-3112-337D-C75CA0913733}"/>
-              </a:ext>
-            </a:extLst>
-          </p:cNvPr>
-          <p:cNvSpPr txBox="1"/>
-          <p:nvPr/>
-        </p:nvSpPr>
-        <p:spPr>
-          <a:xfrm>
-            <a:off x="386334" y="451182"/>
-            <a:ext cx="4709160" cy="5078313"/>
-          </a:xfrm>
-          <a:prstGeom prst="rect">
-            <a:avLst/>
-          </a:prstGeom>
-          <a:noFill/>
-          <a:ln w="28575">
-            <a:solidFill>
-              <a:schemeClr val="tx1"/>
-            </a:solidFill>
-          </a:ln>
-        </p:spPr>
-        <p:txBody>
-          <a:bodyPr wrap="square" rtlCol="0">
-            <a:spAutoFit/>
-          </a:bodyPr>
-          <a:lstStyle/>
-          <a:p>
-            <a:r>
-              <a:rPr lang="en-US" dirty="0">
-                <a:latin typeface="Courier New" panose="02070309020205020404" pitchFamily="49" charset="0"/>
-                <a:cs typeface="Courier New" panose="02070309020205020404" pitchFamily="49" charset="0"/>
-              </a:rPr>
-              <a:t>int A = 3*9 – 2 / 5;</a:t>
-            </a:r>
-            <a:endParaRPr lang="en-ID" dirty="0">
-              <a:latin typeface="Courier New" panose="02070309020205020404" pitchFamily="49" charset="0"/>
-              <a:cs typeface="Courier New" panose="02070309020205020404" pitchFamily="49" charset="0"/>
-            </a:endParaRPr>
-          </a:p>
-          <a:p>
-            <a:r>
-              <a:rPr lang="en-ID" dirty="0">
-                <a:latin typeface="Courier New" panose="02070309020205020404" pitchFamily="49" charset="0"/>
-                <a:cs typeface="Courier New" panose="02070309020205020404" pitchFamily="49" charset="0"/>
-              </a:rPr>
-              <a:t>int B = A;</a:t>
-            </a:r>
-          </a:p>
-          <a:p>
-            <a:r>
-              <a:rPr lang="en-ID" dirty="0">
-                <a:latin typeface="Courier New" panose="02070309020205020404" pitchFamily="49" charset="0"/>
-                <a:cs typeface="Courier New" panose="02070309020205020404" pitchFamily="49" charset="0"/>
-              </a:rPr>
-              <a:t>B = B + 1;</a:t>
-            </a:r>
-          </a:p>
-          <a:p>
-            <a:r>
-              <a:rPr lang="en-US" dirty="0">
-                <a:latin typeface="Courier New" panose="02070309020205020404" pitchFamily="49" charset="0"/>
-                <a:cs typeface="Courier New" panose="02070309020205020404" pitchFamily="49" charset="0"/>
-              </a:rPr>
-              <a:t>bool C = A &gt; B;</a:t>
-            </a:r>
-          </a:p>
-          <a:p>
-            <a:r>
-              <a:rPr lang="en-US" dirty="0">
-                <a:latin typeface="Courier New" panose="02070309020205020404" pitchFamily="49" charset="0"/>
-                <a:cs typeface="Courier New" panose="02070309020205020404" pitchFamily="49" charset="0"/>
-              </a:rPr>
-              <a:t>bool D = A * 2 &gt; B / 2;</a:t>
-            </a:r>
-          </a:p>
-          <a:p>
-            <a:pPr lvl="1"/>
-            <a:r>
-              <a:rPr lang="en-US" dirty="0">
-                <a:latin typeface="Courier New" panose="02070309020205020404" pitchFamily="49" charset="0"/>
-                <a:cs typeface="Courier New" panose="02070309020205020404" pitchFamily="49" charset="0"/>
-              </a:rPr>
-              <a:t>if(C){</a:t>
-            </a:r>
-          </a:p>
-          <a:p>
-            <a:pPr lvl="1"/>
-            <a:r>
-              <a:rPr lang="en-US" dirty="0">
-                <a:latin typeface="Courier New" panose="02070309020205020404" pitchFamily="49" charset="0"/>
-                <a:cs typeface="Courier New" panose="02070309020205020404" pitchFamily="49" charset="0"/>
-              </a:rPr>
-              <a:t>   if(D &amp;&amp; !C){</a:t>
-            </a:r>
-          </a:p>
-          <a:p>
-            <a:pPr lvl="1"/>
-            <a:r>
-              <a:rPr lang="en-US" dirty="0">
-                <a:latin typeface="Courier New" panose="02070309020205020404" pitchFamily="49" charset="0"/>
-                <a:cs typeface="Courier New" panose="02070309020205020404" pitchFamily="49" charset="0"/>
-              </a:rPr>
-              <a:t>     </a:t>
-            </a:r>
-            <a:r>
-              <a:rPr lang="en-US" dirty="0" err="1">
-                <a:latin typeface="Courier New" panose="02070309020205020404" pitchFamily="49" charset="0"/>
-                <a:cs typeface="Courier New" panose="02070309020205020404" pitchFamily="49" charset="0"/>
-              </a:rPr>
-              <a:t>cout</a:t>
-            </a:r>
-            <a:r>
-              <a:rPr lang="en-US" dirty="0">
-                <a:latin typeface="Courier New" panose="02070309020205020404" pitchFamily="49" charset="0"/>
-                <a:cs typeface="Courier New" panose="02070309020205020404" pitchFamily="49" charset="0"/>
-              </a:rPr>
-              <a:t>&lt;&lt;1;</a:t>
-            </a:r>
-          </a:p>
-          <a:p>
-            <a:pPr lvl="1"/>
-            <a:r>
-              <a:rPr lang="en-US" dirty="0">
-                <a:latin typeface="Courier New" panose="02070309020205020404" pitchFamily="49" charset="0"/>
-                <a:cs typeface="Courier New" panose="02070309020205020404" pitchFamily="49" charset="0"/>
-              </a:rPr>
-              <a:t>   }else{</a:t>
-            </a:r>
-          </a:p>
-          <a:p>
-            <a:pPr lvl="1"/>
-            <a:r>
-              <a:rPr lang="en-US" dirty="0">
-                <a:latin typeface="Courier New" panose="02070309020205020404" pitchFamily="49" charset="0"/>
-                <a:cs typeface="Courier New" panose="02070309020205020404" pitchFamily="49" charset="0"/>
-              </a:rPr>
-              <a:t>     </a:t>
-            </a:r>
-            <a:r>
-              <a:rPr lang="en-US" dirty="0" err="1">
-                <a:latin typeface="Courier New" panose="02070309020205020404" pitchFamily="49" charset="0"/>
-                <a:cs typeface="Courier New" panose="02070309020205020404" pitchFamily="49" charset="0"/>
-              </a:rPr>
-              <a:t>cout</a:t>
-            </a:r>
-            <a:r>
-              <a:rPr lang="en-US" dirty="0">
-                <a:latin typeface="Courier New" panose="02070309020205020404" pitchFamily="49" charset="0"/>
-                <a:cs typeface="Courier New" panose="02070309020205020404" pitchFamily="49" charset="0"/>
-              </a:rPr>
-              <a:t>&lt;&lt;2;</a:t>
-            </a:r>
-          </a:p>
-          <a:p>
-            <a:pPr lvl="1"/>
-            <a:r>
-              <a:rPr lang="en-US" dirty="0">
-                <a:latin typeface="Courier New" panose="02070309020205020404" pitchFamily="49" charset="0"/>
-                <a:cs typeface="Courier New" panose="02070309020205020404" pitchFamily="49" charset="0"/>
-              </a:rPr>
-              <a:t>   }</a:t>
-            </a:r>
-          </a:p>
-          <a:p>
-            <a:pPr lvl="1"/>
-            <a:r>
-              <a:rPr lang="en-US" dirty="0">
-                <a:latin typeface="Courier New" panose="02070309020205020404" pitchFamily="49" charset="0"/>
-                <a:cs typeface="Courier New" panose="02070309020205020404" pitchFamily="49" charset="0"/>
-              </a:rPr>
-              <a:t>}else{</a:t>
-            </a:r>
-          </a:p>
-          <a:p>
-            <a:pPr lvl="1"/>
-            <a:r>
-              <a:rPr lang="en-US" dirty="0">
-                <a:latin typeface="Courier New" panose="02070309020205020404" pitchFamily="49" charset="0"/>
-                <a:cs typeface="Courier New" panose="02070309020205020404" pitchFamily="49" charset="0"/>
-              </a:rPr>
-              <a:t>   if(D || C){</a:t>
-            </a:r>
-          </a:p>
-          <a:p>
-            <a:pPr lvl="1"/>
-            <a:r>
-              <a:rPr lang="en-US" dirty="0">
-                <a:latin typeface="Courier New" panose="02070309020205020404" pitchFamily="49" charset="0"/>
-                <a:cs typeface="Courier New" panose="02070309020205020404" pitchFamily="49" charset="0"/>
-              </a:rPr>
-              <a:t>      </a:t>
-            </a:r>
-            <a:r>
-              <a:rPr lang="en-US" dirty="0" err="1">
-                <a:latin typeface="Courier New" panose="02070309020205020404" pitchFamily="49" charset="0"/>
-                <a:cs typeface="Courier New" panose="02070309020205020404" pitchFamily="49" charset="0"/>
-              </a:rPr>
-              <a:t>cout</a:t>
-            </a:r>
-            <a:r>
-              <a:rPr lang="en-US" dirty="0">
-                <a:latin typeface="Courier New" panose="02070309020205020404" pitchFamily="49" charset="0"/>
-                <a:cs typeface="Courier New" panose="02070309020205020404" pitchFamily="49" charset="0"/>
-              </a:rPr>
-              <a:t>&lt;&lt;3;</a:t>
-            </a:r>
-          </a:p>
-          <a:p>
-            <a:pPr lvl="1"/>
-            <a:r>
-              <a:rPr lang="en-US" dirty="0">
-                <a:latin typeface="Courier New" panose="02070309020205020404" pitchFamily="49" charset="0"/>
-                <a:cs typeface="Courier New" panose="02070309020205020404" pitchFamily="49" charset="0"/>
-              </a:rPr>
-              <a:t>   }else{</a:t>
-            </a:r>
-          </a:p>
-          <a:p>
-            <a:pPr lvl="1"/>
-            <a:r>
-              <a:rPr lang="en-US" dirty="0">
-                <a:latin typeface="Courier New" panose="02070309020205020404" pitchFamily="49" charset="0"/>
-                <a:cs typeface="Courier New" panose="02070309020205020404" pitchFamily="49" charset="0"/>
-              </a:rPr>
-              <a:t>	  </a:t>
-            </a:r>
-            <a:r>
-              <a:rPr lang="en-US" dirty="0" err="1">
-                <a:latin typeface="Courier New" panose="02070309020205020404" pitchFamily="49" charset="0"/>
-                <a:cs typeface="Courier New" panose="02070309020205020404" pitchFamily="49" charset="0"/>
-              </a:rPr>
-              <a:t>cout</a:t>
-            </a:r>
-            <a:r>
-              <a:rPr lang="en-US" dirty="0">
-                <a:latin typeface="Courier New" panose="02070309020205020404" pitchFamily="49" charset="0"/>
-                <a:cs typeface="Courier New" panose="02070309020205020404" pitchFamily="49" charset="0"/>
-              </a:rPr>
-              <a:t>&lt;&lt;4;</a:t>
-            </a:r>
-          </a:p>
-          <a:p>
-            <a:pPr lvl="1"/>
-            <a:r>
-              <a:rPr lang="en-US" dirty="0">
-                <a:latin typeface="Courier New" panose="02070309020205020404" pitchFamily="49" charset="0"/>
-                <a:cs typeface="Courier New" panose="02070309020205020404" pitchFamily="49" charset="0"/>
-              </a:rPr>
-              <a:t>	}</a:t>
-            </a:r>
-          </a:p>
-          <a:p>
-            <a:pPr lvl="1"/>
-            <a:r>
-              <a:rPr lang="en-US" dirty="0">
-                <a:latin typeface="Courier New" panose="02070309020205020404" pitchFamily="49" charset="0"/>
-                <a:cs typeface="Courier New" panose="02070309020205020404" pitchFamily="49" charset="0"/>
-              </a:rPr>
-              <a:t>}</a:t>
-            </a:r>
-            <a:endParaRPr lang="en-ID" dirty="0">
-              <a:latin typeface="Courier New" panose="02070309020205020404" pitchFamily="49" charset="0"/>
-              <a:cs typeface="Courier New" panose="02070309020205020404" pitchFamily="49" charset="0"/>
-            </a:endParaRPr>
-          </a:p>
-        </p:txBody>
-      </p:sp>
-    </p:spTree>
-    <p:extLst>
-      <p:ext uri="{BB962C8B-B14F-4D97-AF65-F5344CB8AC3E}">
-        <p14:creationId xmlns:p14="http://schemas.microsoft.com/office/powerpoint/2010/main" val="3707339006"/>
-      </p:ext>
-    </p:extLst>
-  </p:cSld>
-  <p:clrMapOvr>
-    <a:masterClrMapping/>
-  </p:clrMapOvr>
-</p:sld>
-</file>
-
-<file path=ppt/slides/slide4.xml><?xml version="1.0" encoding="utf-8"?>
+<file path=ppt/slides/slide5.xml><?xml version="1.0" encoding="utf-8"?>
 <p:sld xmlns:a="http://schemas.openxmlformats.org/drawingml/2006/main" xmlns:r="http://schemas.openxmlformats.org/officeDocument/2006/relationships" xmlns:p="http://schemas.openxmlformats.org/presentationml/2006/main">
   <p:cSld>
     <p:spTree>
@@ -8010,7 +5837,7 @@
 </p:sld>
 </file>
 
-<file path=ppt/slides/slide5.xml><?xml version="1.0" encoding="utf-8"?>
+<file path=ppt/slides/slide6.xml><?xml version="1.0" encoding="utf-8"?>
 <p:sld xmlns:a="http://schemas.openxmlformats.org/drawingml/2006/main" xmlns:r="http://schemas.openxmlformats.org/officeDocument/2006/relationships" xmlns:p="http://schemas.openxmlformats.org/presentationml/2006/main">
   <p:cSld>
     <p:spTree>
@@ -8070,7 +5897,7 @@
 </p:sld>
 </file>
 
-<file path=ppt/slides/slide6.xml><?xml version="1.0" encoding="utf-8"?>
+<file path=ppt/slides/slide7.xml><?xml version="1.0" encoding="utf-8"?>
 <p:sld xmlns:a="http://schemas.openxmlformats.org/drawingml/2006/main" xmlns:r="http://schemas.openxmlformats.org/officeDocument/2006/relationships" xmlns:p="http://schemas.openxmlformats.org/presentationml/2006/main">
   <p:cSld>
     <p:spTree>
@@ -8321,7 +6148,7 @@
 </p:sld>
 </file>
 
-<file path=ppt/slides/slide7.xml><?xml version="1.0" encoding="utf-8"?>
+<file path=ppt/slides/slide8.xml><?xml version="1.0" encoding="utf-8"?>
 <p:sld xmlns:a="http://schemas.openxmlformats.org/drawingml/2006/main" xmlns:r="http://schemas.openxmlformats.org/officeDocument/2006/relationships" xmlns:p="http://schemas.openxmlformats.org/presentationml/2006/main">
   <p:cSld>
     <p:spTree>
@@ -8955,474 +6782,6 @@
 </p:sld>
 </file>
 
-<file path=ppt/slides/slide8.xml><?xml version="1.0" encoding="utf-8"?>
-<p:sld xmlns:a="http://schemas.openxmlformats.org/drawingml/2006/main" xmlns:r="http://schemas.openxmlformats.org/officeDocument/2006/relationships" xmlns:p="http://schemas.openxmlformats.org/presentationml/2006/main">
-  <p:cSld>
-    <p:spTree>
-      <p:nvGrpSpPr>
-        <p:cNvPr id="1" name=""/>
-        <p:cNvGrpSpPr/>
-        <p:nvPr/>
-      </p:nvGrpSpPr>
-      <p:grpSpPr>
-        <a:xfrm>
-          <a:off x="0" y="0"/>
-          <a:ext cx="0" cy="0"/>
-          <a:chOff x="0" y="0"/>
-          <a:chExt cx="0" cy="0"/>
-        </a:xfrm>
-      </p:grpSpPr>
-      <p:sp>
-        <p:nvSpPr>
-          <p:cNvPr id="6" name="TextBox 5">
-            <a:extLst>
-              <a:ext uri="{FF2B5EF4-FFF2-40B4-BE49-F238E27FC236}">
-                <a16:creationId xmlns:a16="http://schemas.microsoft.com/office/drawing/2014/main" id="{9E19C704-BB2A-3CFD-3A4A-02453FC19AC3}"/>
-              </a:ext>
-            </a:extLst>
-          </p:cNvPr>
-          <p:cNvSpPr txBox="1"/>
-          <p:nvPr/>
-        </p:nvSpPr>
-        <p:spPr>
-          <a:xfrm>
-            <a:off x="569214" y="306431"/>
-            <a:ext cx="6094476" cy="1200329"/>
-          </a:xfrm>
-          <a:prstGeom prst="rect">
-            <a:avLst/>
-          </a:prstGeom>
-          <a:noFill/>
-        </p:spPr>
-        <p:txBody>
-          <a:bodyPr wrap="square">
-            <a:spAutoFit/>
-          </a:bodyPr>
-          <a:lstStyle/>
-          <a:p>
-            <a:r>
-              <a:rPr lang="en-ID" b="1" dirty="0"/>
-              <a:t>BAHASA </a:t>
-            </a:r>
-            <a:r>
-              <a:rPr lang="en-ID" b="1" dirty="0" err="1"/>
-              <a:t>BEBEK</a:t>
-            </a:r>
-            <a:endParaRPr lang="en-ID" b="1" dirty="0"/>
-          </a:p>
-          <a:p>
-            <a:r>
-              <a:rPr lang="en-ID" dirty="0"/>
-              <a:t>Di negeri </a:t>
-            </a:r>
-            <a:r>
-              <a:rPr lang="en-ID" dirty="0" err="1"/>
-              <a:t>Feez</a:t>
-            </a:r>
-            <a:r>
-              <a:rPr lang="en-ID" dirty="0"/>
-              <a:t> nan </a:t>
-            </a:r>
-            <a:r>
-              <a:rPr lang="en-ID" dirty="0" err="1"/>
-              <a:t>indah</a:t>
-            </a:r>
-            <a:r>
-              <a:rPr lang="en-ID" dirty="0"/>
-              <a:t> </a:t>
-            </a:r>
-            <a:r>
-              <a:rPr lang="en-ID" dirty="0" err="1"/>
-              <a:t>berlakulah</a:t>
-            </a:r>
-            <a:r>
-              <a:rPr lang="en-ID" dirty="0"/>
-              <a:t> </a:t>
-            </a:r>
-            <a:r>
-              <a:rPr lang="en-ID" dirty="0" err="1"/>
-              <a:t>bahasa</a:t>
-            </a:r>
-            <a:r>
-              <a:rPr lang="en-ID" dirty="0"/>
-              <a:t> </a:t>
-            </a:r>
-            <a:r>
-              <a:rPr lang="en-ID" dirty="0" err="1"/>
-              <a:t>Feez</a:t>
-            </a:r>
-            <a:r>
-              <a:rPr lang="en-ID" dirty="0"/>
-              <a:t> yang </a:t>
-            </a:r>
-            <a:r>
-              <a:rPr lang="en-ID" dirty="0" err="1"/>
-              <a:t>digunakan</a:t>
-            </a:r>
-            <a:r>
-              <a:rPr lang="en-ID" dirty="0"/>
-              <a:t> </a:t>
-            </a:r>
-            <a:r>
-              <a:rPr lang="en-ID" dirty="0" err="1"/>
-              <a:t>rakyatnya</a:t>
-            </a:r>
-            <a:r>
-              <a:rPr lang="en-ID" dirty="0"/>
-              <a:t> </a:t>
-            </a:r>
-            <a:r>
-              <a:rPr lang="en-ID" dirty="0" err="1"/>
-              <a:t>untuk</a:t>
-            </a:r>
-            <a:r>
-              <a:rPr lang="en-ID" dirty="0"/>
-              <a:t> </a:t>
-            </a:r>
-            <a:r>
-              <a:rPr lang="en-ID" dirty="0" err="1"/>
-              <a:t>berkomunikasi</a:t>
-            </a:r>
-            <a:r>
-              <a:rPr lang="en-ID" dirty="0"/>
-              <a:t>. </a:t>
-            </a:r>
-            <a:r>
-              <a:rPr lang="en-ID" dirty="0" err="1"/>
-              <a:t>Contohnya</a:t>
-            </a:r>
-            <a:r>
-              <a:rPr lang="en-ID" dirty="0"/>
-              <a:t> </a:t>
-            </a:r>
-            <a:r>
-              <a:rPr lang="en-ID" dirty="0" err="1"/>
-              <a:t>diberikan</a:t>
-            </a:r>
-            <a:r>
-              <a:rPr lang="en-ID" dirty="0"/>
-              <a:t> </a:t>
-            </a:r>
-            <a:r>
-              <a:rPr lang="en-ID" dirty="0" err="1"/>
-              <a:t>suatu</a:t>
-            </a:r>
-            <a:r>
-              <a:rPr lang="en-ID" dirty="0"/>
-              <a:t> </a:t>
-            </a:r>
-            <a:r>
-              <a:rPr lang="en-ID" dirty="0" err="1"/>
-              <a:t>kalimat</a:t>
-            </a:r>
-            <a:r>
-              <a:rPr lang="en-ID" dirty="0"/>
-              <a:t> :</a:t>
-            </a:r>
-          </a:p>
-        </p:txBody>
-      </p:sp>
-      <p:sp>
-        <p:nvSpPr>
-          <p:cNvPr id="12" name="TextBox 11">
-            <a:extLst>
-              <a:ext uri="{FF2B5EF4-FFF2-40B4-BE49-F238E27FC236}">
-                <a16:creationId xmlns:a16="http://schemas.microsoft.com/office/drawing/2014/main" id="{764B1EF3-6520-49AE-84C3-5280D9C16ACB}"/>
-              </a:ext>
-            </a:extLst>
-          </p:cNvPr>
-          <p:cNvSpPr txBox="1"/>
-          <p:nvPr/>
-        </p:nvSpPr>
-        <p:spPr>
-          <a:xfrm>
-            <a:off x="569214" y="1506760"/>
-            <a:ext cx="6094476" cy="2585323"/>
-          </a:xfrm>
-          <a:prstGeom prst="rect">
-            <a:avLst/>
-          </a:prstGeom>
-          <a:noFill/>
-        </p:spPr>
-        <p:txBody>
-          <a:bodyPr wrap="square">
-            <a:spAutoFit/>
-          </a:bodyPr>
-          <a:lstStyle/>
-          <a:p>
-            <a:endParaRPr lang="en-ID" b="1" dirty="0"/>
-          </a:p>
-          <a:p>
-            <a:r>
-              <a:rPr lang="en-ID" b="1" dirty="0" err="1"/>
-              <a:t>FAJEENIKETWAZAALMPSI</a:t>
-            </a:r>
-            <a:r>
-              <a:rPr lang="en-ID" b="1" dirty="0"/>
-              <a:t> , </a:t>
-            </a:r>
-            <a:r>
-              <a:rPr lang="en-ID" b="1" dirty="0" err="1"/>
-              <a:t>m</a:t>
-            </a:r>
-            <a:r>
-              <a:rPr lang="en-ID" dirty="0" err="1"/>
-              <a:t>emiliki</a:t>
-            </a:r>
-            <a:r>
-              <a:rPr lang="en-ID" dirty="0"/>
-              <a:t> arti </a:t>
-            </a:r>
-            <a:r>
-              <a:rPr lang="en-ID" dirty="0" err="1"/>
-              <a:t>dalam</a:t>
-            </a:r>
-            <a:r>
-              <a:rPr lang="en-ID" dirty="0"/>
-              <a:t> </a:t>
-            </a:r>
-            <a:r>
-              <a:rPr lang="en-ID" dirty="0" err="1"/>
-              <a:t>bahasa</a:t>
-            </a:r>
-            <a:r>
-              <a:rPr lang="en-ID" dirty="0"/>
-              <a:t> Indonesia </a:t>
-            </a:r>
-            <a:r>
-              <a:rPr lang="en-ID" dirty="0" err="1"/>
-              <a:t>yaitu</a:t>
-            </a:r>
-            <a:r>
-              <a:rPr lang="en-ID" dirty="0"/>
-              <a:t> : </a:t>
-            </a:r>
-            <a:r>
-              <a:rPr lang="en-ID" b="1" dirty="0" err="1"/>
-              <a:t>FEEZMANTAPJIWASEKALI</a:t>
-            </a:r>
-            <a:r>
-              <a:rPr lang="en-ID" dirty="0"/>
-              <a:t> </a:t>
-            </a:r>
-          </a:p>
-          <a:p>
-            <a:endParaRPr lang="en-ID" dirty="0"/>
-          </a:p>
-          <a:p>
-            <a:r>
-              <a:rPr lang="en-ID" dirty="0" err="1"/>
-              <a:t>Sekarang</a:t>
-            </a:r>
-            <a:r>
-              <a:rPr lang="en-ID" dirty="0"/>
-              <a:t> Arya </a:t>
-            </a:r>
-            <a:r>
-              <a:rPr lang="en-ID" dirty="0" err="1"/>
-              <a:t>ingin</a:t>
-            </a:r>
-            <a:r>
-              <a:rPr lang="en-ID" dirty="0"/>
-              <a:t> </a:t>
-            </a:r>
-            <a:r>
-              <a:rPr lang="en-ID" dirty="0" err="1"/>
-              <a:t>mencari</a:t>
-            </a:r>
-            <a:r>
-              <a:rPr lang="en-ID" dirty="0"/>
-              <a:t> arti </a:t>
-            </a:r>
-            <a:r>
-              <a:rPr lang="en-ID" dirty="0" err="1"/>
-              <a:t>dari</a:t>
-            </a:r>
-            <a:r>
-              <a:rPr lang="en-ID" dirty="0"/>
-              <a:t> </a:t>
-            </a:r>
-            <a:r>
-              <a:rPr lang="en-ID" dirty="0" err="1"/>
-              <a:t>kehidupan</a:t>
-            </a:r>
-            <a:r>
-              <a:rPr lang="en-ID" dirty="0"/>
-              <a:t> </a:t>
-            </a:r>
-            <a:r>
-              <a:rPr lang="en-ID" dirty="0" err="1"/>
-              <a:t>ini</a:t>
-            </a:r>
-            <a:r>
-              <a:rPr lang="en-ID" dirty="0"/>
-              <a:t> dan arti </a:t>
-            </a:r>
-            <a:r>
-              <a:rPr lang="en-ID" dirty="0" err="1"/>
-              <a:t>dari</a:t>
-            </a:r>
-            <a:r>
-              <a:rPr lang="en-ID" dirty="0"/>
-              <a:t> </a:t>
-            </a:r>
-            <a:r>
-              <a:rPr lang="en-ID" dirty="0" err="1"/>
-              <a:t>bahasa</a:t>
-            </a:r>
-            <a:r>
-              <a:rPr lang="en-ID" dirty="0"/>
-              <a:t> </a:t>
-            </a:r>
-            <a:r>
-              <a:rPr lang="en-ID" dirty="0" err="1"/>
-              <a:t>Feez</a:t>
-            </a:r>
-            <a:r>
-              <a:rPr lang="en-ID" dirty="0"/>
-              <a:t> yang </a:t>
-            </a:r>
-            <a:r>
-              <a:rPr lang="en-ID" dirty="0" err="1"/>
-              <a:t>kalimatnya</a:t>
-            </a:r>
-            <a:r>
-              <a:rPr lang="en-ID" dirty="0"/>
-              <a:t> : </a:t>
-            </a:r>
-            <a:r>
-              <a:rPr lang="en-ID" b="1" dirty="0" err="1"/>
-              <a:t>ANIMKTMAUAENCARCINOE</a:t>
-            </a:r>
-            <a:r>
-              <a:rPr lang="en-ID" b="1" dirty="0"/>
-              <a:t> </a:t>
-            </a:r>
-          </a:p>
-          <a:p>
-            <a:endParaRPr lang="en-ID" b="1" dirty="0"/>
-          </a:p>
-          <a:p>
-            <a:r>
-              <a:rPr lang="en-ID" dirty="0" err="1"/>
-              <a:t>Tuliskan</a:t>
-            </a:r>
-            <a:r>
-              <a:rPr lang="en-ID" dirty="0"/>
-              <a:t> arti </a:t>
-            </a:r>
-            <a:r>
-              <a:rPr lang="en-ID" dirty="0" err="1"/>
-              <a:t>kalimat</a:t>
-            </a:r>
-            <a:r>
-              <a:rPr lang="en-ID" dirty="0"/>
-              <a:t> </a:t>
-            </a:r>
-            <a:r>
-              <a:rPr lang="en-ID" dirty="0" err="1"/>
-              <a:t>dalam</a:t>
-            </a:r>
-            <a:r>
-              <a:rPr lang="en-ID" dirty="0"/>
-              <a:t> </a:t>
-            </a:r>
-            <a:r>
-              <a:rPr lang="en-ID" dirty="0" err="1"/>
-              <a:t>bahasa</a:t>
-            </a:r>
-            <a:r>
-              <a:rPr lang="en-ID" dirty="0"/>
-              <a:t> </a:t>
-            </a:r>
-            <a:r>
-              <a:rPr lang="en-ID" dirty="0" err="1"/>
-              <a:t>Feez</a:t>
-            </a:r>
-            <a:r>
-              <a:rPr lang="en-ID" dirty="0"/>
-              <a:t> di </a:t>
-            </a:r>
-            <a:r>
-              <a:rPr lang="en-ID" dirty="0" err="1"/>
-              <a:t>atas</a:t>
-            </a:r>
-            <a:r>
-              <a:rPr lang="en-ID" dirty="0"/>
-              <a:t>!{</a:t>
-            </a:r>
-            <a:r>
-              <a:rPr lang="en-ID" dirty="0" err="1"/>
-              <a:t>tuliskan</a:t>
-            </a:r>
-            <a:r>
-              <a:rPr lang="en-ID" dirty="0"/>
-              <a:t> </a:t>
-            </a:r>
-            <a:r>
-              <a:rPr lang="en-ID" dirty="0" err="1"/>
-              <a:t>kalimat</a:t>
-            </a:r>
-            <a:r>
-              <a:rPr lang="en-ID" dirty="0"/>
-              <a:t> </a:t>
-            </a:r>
-            <a:r>
-              <a:rPr lang="en-ID" dirty="0" err="1"/>
-              <a:t>dalam</a:t>
-            </a:r>
-            <a:r>
-              <a:rPr lang="en-ID" dirty="0"/>
-              <a:t> </a:t>
-            </a:r>
-            <a:r>
-              <a:rPr lang="en-ID" dirty="0" err="1"/>
-              <a:t>huruf</a:t>
-            </a:r>
-            <a:r>
-              <a:rPr lang="en-ID" dirty="0"/>
-              <a:t> </a:t>
-            </a:r>
-            <a:r>
-              <a:rPr lang="en-ID" dirty="0" err="1"/>
-              <a:t>kapital</a:t>
-            </a:r>
-            <a:r>
-              <a:rPr lang="en-ID" dirty="0"/>
-              <a:t> </a:t>
-            </a:r>
-            <a:r>
-              <a:rPr lang="en-ID" dirty="0" err="1"/>
-              <a:t>tanpa</a:t>
-            </a:r>
-            <a:r>
-              <a:rPr lang="en-ID" dirty="0"/>
-              <a:t> </a:t>
-            </a:r>
-            <a:r>
-              <a:rPr lang="en-ID" dirty="0" err="1"/>
-              <a:t>spasi</a:t>
-            </a:r>
-            <a:r>
-              <a:rPr lang="en-ID" dirty="0"/>
-              <a:t>!}</a:t>
-            </a:r>
-          </a:p>
-        </p:txBody>
-      </p:sp>
-    </p:spTree>
-    <p:extLst>
-      <p:ext uri="{BB962C8B-B14F-4D97-AF65-F5344CB8AC3E}">
-        <p14:creationId xmlns:p14="http://schemas.microsoft.com/office/powerpoint/2010/main" val="141832677"/>
-      </p:ext>
-    </p:extLst>
-  </p:cSld>
-  <p:clrMapOvr>
-    <a:masterClrMapping/>
-  </p:clrMapOvr>
-</p:sld>
-</file>
-
 <file path=ppt/slides/slide9.xml><?xml version="1.0" encoding="utf-8"?>
 <p:sld xmlns:a="http://schemas.openxmlformats.org/drawingml/2006/main" xmlns:r="http://schemas.openxmlformats.org/officeDocument/2006/relationships" xmlns:p="http://schemas.openxmlformats.org/presentationml/2006/main">
   <p:cSld>
@@ -9442,10 +6801,10 @@
       </p:grpSpPr>
       <p:sp>
         <p:nvSpPr>
-          <p:cNvPr id="3" name="TextBox 2">
+          <p:cNvPr id="6" name="TextBox 5">
             <a:extLst>
               <a:ext uri="{FF2B5EF4-FFF2-40B4-BE49-F238E27FC236}">
-                <a16:creationId xmlns:a16="http://schemas.microsoft.com/office/drawing/2014/main" id="{CE088E58-9076-7B66-FEB4-FCD64AF0C8EB}"/>
+                <a16:creationId xmlns:a16="http://schemas.microsoft.com/office/drawing/2014/main" id="{9E19C704-BB2A-3CFD-3A4A-02453FC19AC3}"/>
               </a:ext>
             </a:extLst>
           </p:cNvPr>
@@ -9454,7 +6813,7 @@
         </p:nvSpPr>
         <p:spPr>
           <a:xfrm>
-            <a:off x="468630" y="350812"/>
+            <a:off x="569214" y="306431"/>
             <a:ext cx="6094476" cy="1200329"/>
           </a:xfrm>
           <a:prstGeom prst="rect">
@@ -9469,54 +6828,55 @@
           <a:lstStyle/>
           <a:p>
             <a:r>
+              <a:rPr lang="en-ID" b="1" dirty="0"/>
+              <a:t>BAHASA </a:t>
+            </a:r>
+            <a:r>
               <a:rPr lang="en-ID" b="1" dirty="0" err="1"/>
-              <a:t>LABIRIN</a:t>
-            </a:r>
-            <a:r>
-              <a:rPr lang="en-ID" dirty="0"/>
-              <a:t> </a:t>
-            </a:r>
-          </a:p>
-          <a:p>
-            <a:r>
-              <a:rPr lang="en-ID" dirty="0"/>
-              <a:t>Yola </a:t>
-            </a:r>
-            <a:r>
-              <a:rPr lang="en-ID" dirty="0" err="1"/>
-              <a:t>sedang</a:t>
-            </a:r>
-            <a:r>
-              <a:rPr lang="en-ID" dirty="0"/>
-              <a:t> </a:t>
-            </a:r>
-            <a:r>
-              <a:rPr lang="en-ID" dirty="0" err="1"/>
-              <a:t>menyusun</a:t>
-            </a:r>
-            <a:r>
-              <a:rPr lang="en-ID" dirty="0"/>
-              <a:t> </a:t>
-            </a:r>
-            <a:r>
-              <a:rPr lang="en-ID" dirty="0" err="1"/>
-              <a:t>sekumpulan</a:t>
-            </a:r>
-            <a:r>
-              <a:rPr lang="en-ID" dirty="0"/>
-              <a:t> </a:t>
-            </a:r>
-            <a:r>
-              <a:rPr lang="en-ID" dirty="0" err="1"/>
-              <a:t>tanda</a:t>
-            </a:r>
-            <a:r>
-              <a:rPr lang="en-ID" dirty="0"/>
-              <a:t> </a:t>
-            </a:r>
-            <a:r>
-              <a:rPr lang="en-ID" dirty="0" err="1"/>
-              <a:t>panah</a:t>
+              <a:t>BEBEK</a:t>
+            </a:r>
+            <a:endParaRPr lang="en-ID" b="1" dirty="0"/>
+          </a:p>
+          <a:p>
+            <a:r>
+              <a:rPr lang="en-ID" dirty="0"/>
+              <a:t>Di negeri </a:t>
+            </a:r>
+            <a:r>
+              <a:rPr lang="en-ID" dirty="0" err="1"/>
+              <a:t>Feez</a:t>
+            </a:r>
+            <a:r>
+              <a:rPr lang="en-ID" dirty="0"/>
+              <a:t> nan </a:t>
+            </a:r>
+            <a:r>
+              <a:rPr lang="en-ID" dirty="0" err="1"/>
+              <a:t>indah</a:t>
+            </a:r>
+            <a:r>
+              <a:rPr lang="en-ID" dirty="0"/>
+              <a:t> </a:t>
+            </a:r>
+            <a:r>
+              <a:rPr lang="en-ID" dirty="0" err="1"/>
+              <a:t>berlakulah</a:t>
+            </a:r>
+            <a:r>
+              <a:rPr lang="en-ID" dirty="0"/>
+              <a:t> </a:t>
+            </a:r>
+            <a:r>
+              <a:rPr lang="en-ID" dirty="0" err="1"/>
+              <a:t>bahasa</a:t>
+            </a:r>
+            <a:r>
+              <a:rPr lang="en-ID" dirty="0"/>
+              <a:t> </a:t>
+            </a:r>
+            <a:r>
+              <a:rPr lang="en-ID" dirty="0" err="1"/>
+              <a:t>Feez</a:t>
             </a:r>
             <a:r>
               <a:rPr lang="en-ID" dirty="0"/>
@@ -9524,115 +6884,77 @@
             </a:r>
             <a:r>
               <a:rPr lang="en-ID" dirty="0" err="1"/>
-              <a:t>dapat</a:t>
-            </a:r>
-            <a:r>
-              <a:rPr lang="en-ID" dirty="0"/>
-              <a:t> </a:t>
-            </a:r>
-            <a:r>
-              <a:rPr lang="en-ID" dirty="0" err="1"/>
-              <a:t>mengarahkan</a:t>
-            </a:r>
-            <a:r>
-              <a:rPr lang="en-ID" dirty="0"/>
-              <a:t> bola </a:t>
-            </a:r>
-            <a:r>
-              <a:rPr lang="en-ID" dirty="0" err="1"/>
-              <a:t>hijau</a:t>
-            </a:r>
-            <a:r>
-              <a:rPr lang="en-ID" dirty="0"/>
-              <a:t> </a:t>
-            </a:r>
-            <a:r>
-              <a:rPr lang="en-ID" dirty="0" err="1"/>
-              <a:t>tersebut</a:t>
-            </a:r>
-            <a:r>
-              <a:rPr lang="en-ID" dirty="0"/>
-              <a:t> </a:t>
-            </a:r>
-            <a:r>
-              <a:rPr lang="en-ID" dirty="0" err="1"/>
-              <a:t>menuju</a:t>
-            </a:r>
-            <a:r>
-              <a:rPr lang="en-ID" dirty="0"/>
-              <a:t> </a:t>
-            </a:r>
-            <a:r>
-              <a:rPr lang="en-ID" dirty="0" err="1"/>
-              <a:t>pintu</a:t>
-            </a:r>
-            <a:r>
-              <a:rPr lang="en-ID" dirty="0"/>
-              <a:t> </a:t>
-            </a:r>
-            <a:r>
-              <a:rPr lang="en-ID" dirty="0" err="1"/>
-              <a:t>keluar</a:t>
-            </a:r>
-            <a:r>
-              <a:rPr lang="en-ID" dirty="0"/>
-              <a:t> yang </a:t>
-            </a:r>
-            <a:r>
-              <a:rPr lang="en-ID" dirty="0" err="1"/>
-              <a:t>ditandai</a:t>
-            </a:r>
-            <a:r>
-              <a:rPr lang="en-ID" dirty="0"/>
-              <a:t> </a:t>
-            </a:r>
-            <a:r>
-              <a:rPr lang="en-ID" dirty="0" err="1"/>
-              <a:t>dengan</a:t>
-            </a:r>
-            <a:r>
-              <a:rPr lang="en-ID" dirty="0"/>
-              <a:t> x.</a:t>
-            </a:r>
-          </a:p>
-        </p:txBody>
-      </p:sp>
-      <p:pic>
-        <p:nvPicPr>
-          <p:cNvPr id="5" name="Picture 4">
+              <a:t>digunakan</a:t>
+            </a:r>
+            <a:r>
+              <a:rPr lang="en-ID" dirty="0"/>
+              <a:t> </a:t>
+            </a:r>
+            <a:r>
+              <a:rPr lang="en-ID" dirty="0" err="1"/>
+              <a:t>rakyatnya</a:t>
+            </a:r>
+            <a:r>
+              <a:rPr lang="en-ID" dirty="0"/>
+              <a:t> </a:t>
+            </a:r>
+            <a:r>
+              <a:rPr lang="en-ID" dirty="0" err="1"/>
+              <a:t>untuk</a:t>
+            </a:r>
+            <a:r>
+              <a:rPr lang="en-ID" dirty="0"/>
+              <a:t> </a:t>
+            </a:r>
+            <a:r>
+              <a:rPr lang="en-ID" dirty="0" err="1"/>
+              <a:t>berkomunikasi</a:t>
+            </a:r>
+            <a:r>
+              <a:rPr lang="en-ID" dirty="0"/>
+              <a:t>. </a:t>
+            </a:r>
+            <a:r>
+              <a:rPr lang="en-ID" dirty="0" err="1"/>
+              <a:t>Contohnya</a:t>
+            </a:r>
+            <a:r>
+              <a:rPr lang="en-ID" dirty="0"/>
+              <a:t> </a:t>
+            </a:r>
+            <a:r>
+              <a:rPr lang="en-ID" dirty="0" err="1"/>
+              <a:t>diberikan</a:t>
+            </a:r>
+            <a:r>
+              <a:rPr lang="en-ID" dirty="0"/>
+              <a:t> </a:t>
+            </a:r>
+            <a:r>
+              <a:rPr lang="en-ID" dirty="0" err="1"/>
+              <a:t>suatu</a:t>
+            </a:r>
+            <a:r>
+              <a:rPr lang="en-ID" dirty="0"/>
+              <a:t> </a:t>
+            </a:r>
+            <a:r>
+              <a:rPr lang="en-ID" dirty="0" err="1"/>
+              <a:t>kalimat</a:t>
+            </a:r>
+            <a:r>
+              <a:rPr lang="en-ID" dirty="0"/>
+              <a:t> :</a:t>
+            </a:r>
+          </a:p>
+        </p:txBody>
+      </p:sp>
+      <p:sp>
+        <p:nvSpPr>
+          <p:cNvPr id="12" name="TextBox 11">
             <a:extLst>
               <a:ext uri="{FF2B5EF4-FFF2-40B4-BE49-F238E27FC236}">
-                <a16:creationId xmlns:a16="http://schemas.microsoft.com/office/drawing/2014/main" id="{95B6B18D-4B56-9364-8CDE-E70CF479919F}"/>
-              </a:ext>
-            </a:extLst>
-          </p:cNvPr>
-          <p:cNvPicPr>
-            <a:picLocks noChangeAspect="1"/>
-          </p:cNvPicPr>
-          <p:nvPr/>
-        </p:nvPicPr>
-        <p:blipFill>
-          <a:blip r:embed="rId2"/>
-          <a:stretch>
-            <a:fillRect/>
-          </a:stretch>
-        </p:blipFill>
-        <p:spPr>
-          <a:xfrm>
-            <a:off x="589352" y="1683754"/>
-            <a:ext cx="3515216" cy="1076475"/>
-          </a:xfrm>
-          <a:prstGeom prst="rect">
-            <a:avLst/>
-          </a:prstGeom>
-        </p:spPr>
-      </p:pic>
-      <p:sp>
-        <p:nvSpPr>
-          <p:cNvPr id="8" name="TextBox 7">
-            <a:extLst>
-              <a:ext uri="{FF2B5EF4-FFF2-40B4-BE49-F238E27FC236}">
-                <a16:creationId xmlns:a16="http://schemas.microsoft.com/office/drawing/2014/main" id="{8E0D0DEF-202A-5BE6-E2DE-3F30F475167B}"/>
+                <a16:creationId xmlns:a16="http://schemas.microsoft.com/office/drawing/2014/main" id="{764B1EF3-6520-49AE-84C3-5280D9C16ACB}"/>
               </a:ext>
             </a:extLst>
           </p:cNvPr>
@@ -9641,8 +6963,8 @@
         </p:nvSpPr>
         <p:spPr>
           <a:xfrm>
-            <a:off x="468630" y="2892842"/>
-            <a:ext cx="6094476" cy="369332"/>
+            <a:off x="569214" y="1506760"/>
+            <a:ext cx="6094476" cy="2585323"/>
           </a:xfrm>
           <a:prstGeom prst="rect">
             <a:avLst/>
@@ -9655,25 +6977,133 @@
           </a:bodyPr>
           <a:lstStyle/>
           <a:p>
-            <a:r>
-              <a:rPr lang="en-ID" dirty="0" err="1"/>
-              <a:t>Jenis</a:t>
-            </a:r>
-            <a:r>
-              <a:rPr lang="en-ID" dirty="0"/>
-              <a:t> </a:t>
-            </a:r>
-            <a:r>
-              <a:rPr lang="en-ID" dirty="0" err="1"/>
-              <a:t>tanda</a:t>
-            </a:r>
-            <a:r>
-              <a:rPr lang="en-ID" dirty="0"/>
-              <a:t> </a:t>
-            </a:r>
-            <a:r>
-              <a:rPr lang="en-ID" dirty="0" err="1"/>
-              <a:t>panah</a:t>
+            <a:endParaRPr lang="en-ID" b="1" dirty="0"/>
+          </a:p>
+          <a:p>
+            <a:r>
+              <a:rPr lang="en-ID" b="1" dirty="0" err="1"/>
+              <a:t>FAJEENIKETWAZAALMPSI</a:t>
+            </a:r>
+            <a:r>
+              <a:rPr lang="en-ID" b="1" dirty="0"/>
+              <a:t> , </a:t>
+            </a:r>
+            <a:r>
+              <a:rPr lang="en-ID" b="1" dirty="0" err="1"/>
+              <a:t>m</a:t>
+            </a:r>
+            <a:r>
+              <a:rPr lang="en-ID" dirty="0" err="1"/>
+              <a:t>emiliki</a:t>
+            </a:r>
+            <a:r>
+              <a:rPr lang="en-ID" dirty="0"/>
+              <a:t> arti </a:t>
+            </a:r>
+            <a:r>
+              <a:rPr lang="en-ID" dirty="0" err="1"/>
+              <a:t>dalam</a:t>
+            </a:r>
+            <a:r>
+              <a:rPr lang="en-ID" dirty="0"/>
+              <a:t> </a:t>
+            </a:r>
+            <a:r>
+              <a:rPr lang="en-ID" dirty="0" err="1"/>
+              <a:t>bahasa</a:t>
+            </a:r>
+            <a:r>
+              <a:rPr lang="en-ID" dirty="0"/>
+              <a:t> Indonesia </a:t>
+            </a:r>
+            <a:r>
+              <a:rPr lang="en-ID" dirty="0" err="1"/>
+              <a:t>yaitu</a:t>
+            </a:r>
+            <a:r>
+              <a:rPr lang="en-ID" dirty="0"/>
+              <a:t> : </a:t>
+            </a:r>
+            <a:r>
+              <a:rPr lang="en-ID" b="1" dirty="0" err="1"/>
+              <a:t>FEEZMANTAPJIWASEKALI</a:t>
+            </a:r>
+            <a:r>
+              <a:rPr lang="en-ID" dirty="0"/>
+              <a:t> </a:t>
+            </a:r>
+          </a:p>
+          <a:p>
+            <a:endParaRPr lang="en-ID" dirty="0"/>
+          </a:p>
+          <a:p>
+            <a:r>
+              <a:rPr lang="en-ID" dirty="0" err="1"/>
+              <a:t>Sekarang</a:t>
+            </a:r>
+            <a:r>
+              <a:rPr lang="en-ID" dirty="0"/>
+              <a:t> Arya </a:t>
+            </a:r>
+            <a:r>
+              <a:rPr lang="en-ID" dirty="0" err="1"/>
+              <a:t>ingin</a:t>
+            </a:r>
+            <a:r>
+              <a:rPr lang="en-ID" dirty="0"/>
+              <a:t> </a:t>
+            </a:r>
+            <a:r>
+              <a:rPr lang="en-ID" dirty="0" err="1"/>
+              <a:t>mencari</a:t>
+            </a:r>
+            <a:r>
+              <a:rPr lang="en-ID" dirty="0"/>
+              <a:t> arti </a:t>
+            </a:r>
+            <a:r>
+              <a:rPr lang="en-ID" dirty="0" err="1"/>
+              <a:t>dari</a:t>
+            </a:r>
+            <a:r>
+              <a:rPr lang="en-ID" dirty="0"/>
+              <a:t> </a:t>
+            </a:r>
+            <a:r>
+              <a:rPr lang="en-ID" dirty="0" err="1"/>
+              <a:t>kehidupan</a:t>
+            </a:r>
+            <a:r>
+              <a:rPr lang="en-ID" dirty="0"/>
+              <a:t> </a:t>
+            </a:r>
+            <a:r>
+              <a:rPr lang="en-ID" dirty="0" err="1"/>
+              <a:t>ini</a:t>
+            </a:r>
+            <a:r>
+              <a:rPr lang="en-ID" dirty="0"/>
+              <a:t> dan arti </a:t>
+            </a:r>
+            <a:r>
+              <a:rPr lang="en-ID" dirty="0" err="1"/>
+              <a:t>dari</a:t>
+            </a:r>
+            <a:r>
+              <a:rPr lang="en-ID" dirty="0"/>
+              <a:t> </a:t>
+            </a:r>
+            <a:r>
+              <a:rPr lang="en-ID" dirty="0" err="1"/>
+              <a:t>bahasa</a:t>
+            </a:r>
+            <a:r>
+              <a:rPr lang="en-ID" dirty="0"/>
+              <a:t> </a:t>
+            </a:r>
+            <a:r>
+              <a:rPr lang="en-ID" dirty="0" err="1"/>
+              <a:t>Feez</a:t>
             </a:r>
             <a:r>
               <a:rPr lang="en-ID" dirty="0"/>
@@ -9681,205 +7111,60 @@
             </a:r>
             <a:r>
               <a:rPr lang="en-ID" dirty="0" err="1"/>
-              <a:t>dimiliki</a:t>
-            </a:r>
-            <a:r>
-              <a:rPr lang="en-ID" dirty="0"/>
-              <a:t> oleh Yola </a:t>
-            </a:r>
-            <a:r>
-              <a:rPr lang="en-ID" dirty="0" err="1"/>
-              <a:t>adalah</a:t>
-            </a:r>
-            <a:endParaRPr lang="en-ID" dirty="0"/>
-          </a:p>
-        </p:txBody>
-      </p:sp>
-      <p:pic>
-        <p:nvPicPr>
-          <p:cNvPr id="10" name="Picture 9">
-            <a:extLst>
-              <a:ext uri="{FF2B5EF4-FFF2-40B4-BE49-F238E27FC236}">
-                <a16:creationId xmlns:a16="http://schemas.microsoft.com/office/drawing/2014/main" id="{5FC4D2F1-8DD0-A085-F4D2-AFAEFD20E791}"/>
-              </a:ext>
-            </a:extLst>
-          </p:cNvPr>
-          <p:cNvPicPr>
-            <a:picLocks noChangeAspect="1"/>
-          </p:cNvPicPr>
-          <p:nvPr/>
-        </p:nvPicPr>
-        <p:blipFill>
-          <a:blip r:embed="rId3"/>
-          <a:stretch>
-            <a:fillRect/>
-          </a:stretch>
-        </p:blipFill>
-        <p:spPr>
-          <a:xfrm>
-            <a:off x="589352" y="3264409"/>
-            <a:ext cx="1752845" cy="428685"/>
-          </a:xfrm>
-          <a:prstGeom prst="rect">
-            <a:avLst/>
-          </a:prstGeom>
-        </p:spPr>
-      </p:pic>
-      <p:sp>
-        <p:nvSpPr>
-          <p:cNvPr id="13" name="TextBox 12">
-            <a:extLst>
-              <a:ext uri="{FF2B5EF4-FFF2-40B4-BE49-F238E27FC236}">
-                <a16:creationId xmlns:a16="http://schemas.microsoft.com/office/drawing/2014/main" id="{BADC260B-06D0-B885-02F8-59559BA71EFF}"/>
-              </a:ext>
-            </a:extLst>
-          </p:cNvPr>
-          <p:cNvSpPr txBox="1"/>
-          <p:nvPr/>
-        </p:nvSpPr>
-        <p:spPr>
-          <a:xfrm>
-            <a:off x="484632" y="3865211"/>
-            <a:ext cx="6094476" cy="1477328"/>
-          </a:xfrm>
-          <a:prstGeom prst="rect">
-            <a:avLst/>
-          </a:prstGeom>
-          <a:noFill/>
-        </p:spPr>
-        <p:txBody>
-          <a:bodyPr wrap="square">
-            <a:spAutoFit/>
-          </a:bodyPr>
-          <a:lstStyle/>
-          <a:p>
-            <a:r>
-              <a:rPr lang="en-ID" dirty="0"/>
-              <a:t>Yola </a:t>
-            </a:r>
-            <a:r>
-              <a:rPr lang="en-ID" dirty="0" err="1"/>
-              <a:t>hanya</a:t>
-            </a:r>
-            <a:r>
-              <a:rPr lang="en-ID" dirty="0"/>
-              <a:t> </a:t>
-            </a:r>
-            <a:r>
-              <a:rPr lang="en-ID" dirty="0" err="1"/>
-              <a:t>diperbolehkan</a:t>
-            </a:r>
-            <a:r>
-              <a:rPr lang="en-ID" dirty="0"/>
-              <a:t> </a:t>
-            </a:r>
-            <a:r>
-              <a:rPr lang="en-ID" dirty="0" err="1"/>
-              <a:t>menggunakan</a:t>
-            </a:r>
-            <a:r>
-              <a:rPr lang="en-ID" dirty="0"/>
-              <a:t> 8 </a:t>
-            </a:r>
-            <a:r>
-              <a:rPr lang="en-ID" dirty="0" err="1"/>
-              <a:t>buah</a:t>
-            </a:r>
-            <a:r>
-              <a:rPr lang="en-ID" dirty="0"/>
-              <a:t> </a:t>
-            </a:r>
-            <a:r>
-              <a:rPr lang="en-ID" dirty="0" err="1"/>
-              <a:t>tanda</a:t>
-            </a:r>
-            <a:r>
-              <a:rPr lang="en-ID" dirty="0"/>
-              <a:t> </a:t>
-            </a:r>
-            <a:r>
-              <a:rPr lang="en-ID" dirty="0" err="1"/>
-              <a:t>panah</a:t>
-            </a:r>
-            <a:r>
-              <a:rPr lang="en-ID" dirty="0"/>
-              <a:t>. </a:t>
-            </a:r>
-            <a:r>
-              <a:rPr lang="en-ID" dirty="0" err="1"/>
-              <a:t>Sekumpulan</a:t>
-            </a:r>
-            <a:r>
-              <a:rPr lang="en-ID" dirty="0"/>
-              <a:t> </a:t>
-            </a:r>
-            <a:r>
-              <a:rPr lang="en-ID" dirty="0" err="1"/>
-              <a:t>tanda</a:t>
-            </a:r>
-            <a:r>
-              <a:rPr lang="en-ID" dirty="0"/>
-              <a:t> </a:t>
-            </a:r>
-            <a:r>
-              <a:rPr lang="en-ID" dirty="0" err="1"/>
-              <a:t>panah</a:t>
-            </a:r>
-            <a:r>
-              <a:rPr lang="en-ID" dirty="0"/>
-              <a:t> yang </a:t>
-            </a:r>
-            <a:r>
-              <a:rPr lang="en-ID" dirty="0" err="1"/>
-              <a:t>disusun</a:t>
-            </a:r>
-            <a:r>
-              <a:rPr lang="en-ID" dirty="0"/>
-              <a:t> oleh Yola </a:t>
-            </a:r>
-            <a:r>
-              <a:rPr lang="en-ID" dirty="0" err="1"/>
-              <a:t>akan</a:t>
-            </a:r>
-            <a:r>
-              <a:rPr lang="en-ID" dirty="0"/>
-              <a:t> </a:t>
-            </a:r>
-            <a:r>
-              <a:rPr lang="en-ID" dirty="0" err="1"/>
-              <a:t>diulang</a:t>
-            </a:r>
-            <a:r>
-              <a:rPr lang="en-ID" dirty="0"/>
-              <a:t> </a:t>
-            </a:r>
-            <a:r>
-              <a:rPr lang="en-ID" dirty="0" err="1"/>
-              <a:t>sebanyak</a:t>
-            </a:r>
-            <a:r>
-              <a:rPr lang="en-ID" dirty="0"/>
-              <a:t> 4 kali. Bola </a:t>
-            </a:r>
-            <a:r>
-              <a:rPr lang="en-ID" dirty="0" err="1"/>
-              <a:t>hanya</a:t>
-            </a:r>
-            <a:r>
-              <a:rPr lang="en-ID" dirty="0"/>
-              <a:t> </a:t>
-            </a:r>
-            <a:r>
-              <a:rPr lang="en-ID" dirty="0" err="1"/>
-              <a:t>dapat</a:t>
-            </a:r>
-            <a:r>
-              <a:rPr lang="en-ID" dirty="0"/>
-              <a:t> </a:t>
-            </a:r>
-            <a:r>
-              <a:rPr lang="en-ID" dirty="0" err="1"/>
-              <a:t>bergerak</a:t>
+              <a:t>kalimatnya</a:t>
+            </a:r>
+            <a:r>
+              <a:rPr lang="en-ID" dirty="0"/>
+              <a:t> : </a:t>
+            </a:r>
+            <a:r>
+              <a:rPr lang="en-ID" b="1" dirty="0" err="1"/>
+              <a:t>ANIMKTMAUAENCARCINOE</a:t>
+            </a:r>
+            <a:r>
+              <a:rPr lang="en-ID" b="1" dirty="0"/>
+              <a:t> </a:t>
+            </a:r>
+          </a:p>
+          <a:p>
+            <a:endParaRPr lang="en-ID" b="1" dirty="0"/>
+          </a:p>
+          <a:p>
+            <a:r>
+              <a:rPr lang="en-ID" dirty="0" err="1"/>
+              <a:t>Tuliskan</a:t>
+            </a:r>
+            <a:r>
+              <a:rPr lang="en-ID" dirty="0"/>
+              <a:t> arti </a:t>
+            </a:r>
+            <a:r>
+              <a:rPr lang="en-ID" dirty="0" err="1"/>
+              <a:t>kalimat</a:t>
+            </a:r>
+            <a:r>
+              <a:rPr lang="en-ID" dirty="0"/>
+              <a:t> </a:t>
+            </a:r>
+            <a:r>
+              <a:rPr lang="en-ID" dirty="0" err="1"/>
+              <a:t>dalam</a:t>
+            </a:r>
+            <a:r>
+              <a:rPr lang="en-ID" dirty="0"/>
+              <a:t> </a:t>
+            </a:r>
+            <a:r>
+              <a:rPr lang="en-ID" dirty="0" err="1"/>
+              <a:t>bahasa</a:t>
+            </a:r>
+            <a:r>
+              <a:rPr lang="en-ID" dirty="0"/>
+              <a:t> </a:t>
+            </a:r>
+            <a:r>
+              <a:rPr lang="en-ID" dirty="0" err="1"/>
+              <a:t>Feez</a:t>
             </a:r>
             <a:r>
               <a:rPr lang="en-ID" dirty="0"/>
@@ -9887,145 +7172,75 @@
             </a:r>
             <a:r>
               <a:rPr lang="en-ID" dirty="0" err="1"/>
-              <a:t>kotak</a:t>
-            </a:r>
-            <a:r>
-              <a:rPr lang="en-ID" dirty="0"/>
-              <a:t> yang </a:t>
-            </a:r>
-            <a:r>
-              <a:rPr lang="en-ID" dirty="0" err="1"/>
-              <a:t>berwarna</a:t>
-            </a:r>
-            <a:r>
-              <a:rPr lang="en-ID" dirty="0"/>
-              <a:t> </a:t>
-            </a:r>
-            <a:r>
-              <a:rPr lang="en-ID" dirty="0" err="1"/>
-              <a:t>putih</a:t>
-            </a:r>
-            <a:r>
-              <a:rPr lang="en-ID" dirty="0"/>
-              <a:t>. </a:t>
-            </a:r>
-            <a:r>
-              <a:rPr lang="en-ID" dirty="0" err="1"/>
-              <a:t>tanda</a:t>
-            </a:r>
-            <a:r>
-              <a:rPr lang="en-ID" dirty="0"/>
-              <a:t> </a:t>
-            </a:r>
-            <a:r>
-              <a:rPr lang="en-ID" dirty="0" err="1"/>
-              <a:t>panah</a:t>
-            </a:r>
-            <a:r>
-              <a:rPr lang="en-ID" dirty="0"/>
-              <a:t> yang </a:t>
-            </a:r>
-            <a:r>
-              <a:rPr lang="en-ID" dirty="0" err="1"/>
-              <a:t>dapat</a:t>
-            </a:r>
-            <a:r>
-              <a:rPr lang="en-ID" dirty="0"/>
-              <a:t> </a:t>
-            </a:r>
-            <a:r>
-              <a:rPr lang="en-ID" dirty="0" err="1"/>
-              <a:t>mengarahkan</a:t>
-            </a:r>
-            <a:r>
-              <a:rPr lang="en-ID" dirty="0"/>
-              <a:t> bola </a:t>
-            </a:r>
-            <a:r>
-              <a:rPr lang="en-ID" dirty="0" err="1"/>
-              <a:t>hijau</a:t>
-            </a:r>
-            <a:r>
-              <a:rPr lang="en-ID" dirty="0"/>
-              <a:t> </a:t>
-            </a:r>
-            <a:r>
-              <a:rPr lang="en-ID" dirty="0" err="1"/>
-              <a:t>menuju</a:t>
-            </a:r>
-            <a:r>
-              <a:rPr lang="en-ID" dirty="0"/>
-              <a:t> </a:t>
-            </a:r>
-            <a:r>
-              <a:rPr lang="en-ID" dirty="0" err="1"/>
-              <a:t>kotak</a:t>
-            </a:r>
-            <a:r>
-              <a:rPr lang="en-ID" dirty="0"/>
-              <a:t> yang </a:t>
-            </a:r>
-            <a:r>
-              <a:rPr lang="en-ID" dirty="0" err="1"/>
-              <a:t>ditandai</a:t>
-            </a:r>
-            <a:r>
-              <a:rPr lang="en-ID" dirty="0"/>
-              <a:t> </a:t>
-            </a:r>
-            <a:r>
-              <a:rPr lang="en-ID" dirty="0" err="1"/>
-              <a:t>dengan</a:t>
-            </a:r>
-            <a:r>
-              <a:rPr lang="en-ID" dirty="0"/>
-              <a:t> ‘x’ </a:t>
-            </a:r>
-            <a:r>
-              <a:rPr lang="en-ID" dirty="0" err="1"/>
-              <a:t>adalah</a:t>
-            </a:r>
-            <a:r>
-              <a:rPr lang="en-ID" dirty="0"/>
-              <a:t> …</a:t>
-            </a:r>
-          </a:p>
-        </p:txBody>
-      </p:sp>
-      <p:pic>
-        <p:nvPicPr>
-          <p:cNvPr id="15" name="Picture 14">
-            <a:extLst>
-              <a:ext uri="{FF2B5EF4-FFF2-40B4-BE49-F238E27FC236}">
-                <a16:creationId xmlns:a16="http://schemas.microsoft.com/office/drawing/2014/main" id="{61C16064-19BD-232C-755E-CAE9CC6709ED}"/>
-              </a:ext>
-            </a:extLst>
-          </p:cNvPr>
-          <p:cNvPicPr>
-            <a:picLocks noChangeAspect="1"/>
-          </p:cNvPicPr>
-          <p:nvPr/>
-        </p:nvPicPr>
-        <p:blipFill>
-          <a:blip r:embed="rId4"/>
-          <a:stretch>
-            <a:fillRect/>
-          </a:stretch>
-        </p:blipFill>
-        <p:spPr>
-          <a:xfrm>
-            <a:off x="6753938" y="202529"/>
-            <a:ext cx="2563798" cy="1257315"/>
-          </a:xfrm>
-          <a:prstGeom prst="rect">
-            <a:avLst/>
-          </a:prstGeom>
-        </p:spPr>
-      </p:pic>
+              <a:t>atas</a:t>
+            </a:r>
+            <a:r>
+              <a:rPr lang="en-ID" dirty="0"/>
+              <a:t>!{</a:t>
+            </a:r>
+            <a:r>
+              <a:rPr lang="en-ID" dirty="0" err="1"/>
+              <a:t>tuliskan</a:t>
+            </a:r>
+            <a:r>
+              <a:rPr lang="en-ID" dirty="0"/>
+              <a:t> </a:t>
+            </a:r>
+            <a:r>
+              <a:rPr lang="en-ID" dirty="0" err="1"/>
+              <a:t>kalimat</a:t>
+            </a:r>
+            <a:r>
+              <a:rPr lang="en-ID" dirty="0"/>
+              <a:t> </a:t>
+            </a:r>
+            <a:r>
+              <a:rPr lang="en-ID" dirty="0" err="1"/>
+              <a:t>dalam</a:t>
+            </a:r>
+            <a:r>
+              <a:rPr lang="en-ID" dirty="0"/>
+              <a:t> </a:t>
+            </a:r>
+            <a:r>
+              <a:rPr lang="en-ID" dirty="0" err="1"/>
+              <a:t>huruf</a:t>
+            </a:r>
+            <a:r>
+              <a:rPr lang="en-ID" dirty="0"/>
+              <a:t> </a:t>
+            </a:r>
+            <a:r>
+              <a:rPr lang="en-ID" dirty="0" err="1"/>
+              <a:t>kapital</a:t>
+            </a:r>
+            <a:r>
+              <a:rPr lang="en-ID" dirty="0"/>
+              <a:t> </a:t>
+            </a:r>
+            <a:r>
+              <a:rPr lang="en-ID" dirty="0" err="1"/>
+              <a:t>tanpa</a:t>
+            </a:r>
+            <a:r>
+              <a:rPr lang="en-ID" dirty="0"/>
+              <a:t> </a:t>
+            </a:r>
+            <a:r>
+              <a:rPr lang="en-ID" dirty="0" err="1"/>
+              <a:t>spasi</a:t>
+            </a:r>
+            <a:r>
+              <a:rPr lang="en-ID" dirty="0"/>
+              <a:t>!}</a:t>
+            </a:r>
+          </a:p>
+        </p:txBody>
+      </p:sp>
     </p:spTree>
     <p:extLst>
       <p:ext uri="{BB962C8B-B14F-4D97-AF65-F5344CB8AC3E}">
-        <p14:creationId xmlns:p14="http://schemas.microsoft.com/office/powerpoint/2010/main" val="1545623353"/>
+        <p14:creationId xmlns:p14="http://schemas.microsoft.com/office/powerpoint/2010/main" val="141832677"/>
       </p:ext>
     </p:extLst>
   </p:cSld>
